--- a/DataScience_A4_1_poster_ppt.pptx
+++ b/DataScience_A4_1_poster_ppt.pptx
@@ -34,7 +34,7 @@
       </p:grpSpPr>
       <p:sp>
         <p:nvSpPr>
-          <p:cNvPr id="39" name="PlaceHolder 1"/>
+          <p:cNvPr id="36" name="PlaceHolder 1"/>
           <p:cNvSpPr>
             <a:spLocks noGrp="1"/>
           </p:cNvSpPr>
@@ -54,27 +54,22 @@
         <p:txBody>
           <a:bodyPr lIns="0" rIns="0" tIns="0" bIns="0" anchor="ctr"/>
           <a:p>
-            <a:r>
-              <a:rPr b="0" lang="en-US" sz="2280" spc="-1" strike="noStrike">
-                <a:solidFill>
-                  <a:srgbClr val="000000"/>
-                </a:solidFill>
-                <a:latin typeface="Times New Roman"/>
+            <a:pPr algn="ctr"/>
+            <a:r>
+              <a:rPr b="0" lang="en-US" sz="4400" spc="-1" strike="noStrike">
+                <a:latin typeface="Arial"/>
               </a:rPr>
               <a:t>Click to move the slide</a:t>
             </a:r>
-            <a:endParaRPr b="0" lang="en-US" sz="2280" spc="-1" strike="noStrike">
-              <a:solidFill>
-                <a:srgbClr val="000000"/>
-              </a:solidFill>
-              <a:latin typeface="Times New Roman"/>
-            </a:endParaRPr>
-          </a:p>
-        </p:txBody>
-      </p:sp>
-      <p:sp>
-        <p:nvSpPr>
-          <p:cNvPr id="40" name="PlaceHolder 2"/>
+            <a:endParaRPr b="0" lang="en-US" sz="4400" spc="-1" strike="noStrike">
+              <a:latin typeface="Arial"/>
+            </a:endParaRPr>
+          </a:p>
+        </p:txBody>
+      </p:sp>
+      <p:sp>
+        <p:nvSpPr>
+          <p:cNvPr id="37" name="PlaceHolder 2"/>
           <p:cNvSpPr>
             <a:spLocks noGrp="1"/>
           </p:cNvSpPr>
@@ -108,7 +103,7 @@
       </p:sp>
       <p:sp>
         <p:nvSpPr>
-          <p:cNvPr id="41" name="PlaceHolder 3"/>
+          <p:cNvPr id="38" name="PlaceHolder 3"/>
           <p:cNvSpPr>
             <a:spLocks noGrp="1"/>
           </p:cNvSpPr>
@@ -142,7 +137,7 @@
       </p:sp>
       <p:sp>
         <p:nvSpPr>
-          <p:cNvPr id="42" name="PlaceHolder 4"/>
+          <p:cNvPr id="39" name="PlaceHolder 4"/>
           <p:cNvSpPr>
             <a:spLocks noGrp="1"/>
           </p:cNvSpPr>
@@ -177,7 +172,7 @@
       </p:sp>
       <p:sp>
         <p:nvSpPr>
-          <p:cNvPr id="43" name="PlaceHolder 5"/>
+          <p:cNvPr id="40" name="PlaceHolder 5"/>
           <p:cNvSpPr>
             <a:spLocks noGrp="1"/>
           </p:cNvSpPr>
@@ -211,7 +206,7 @@
       </p:sp>
       <p:sp>
         <p:nvSpPr>
-          <p:cNvPr id="44" name="PlaceHolder 6"/>
+          <p:cNvPr id="41" name="PlaceHolder 6"/>
           <p:cNvSpPr>
             <a:spLocks noGrp="1"/>
           </p:cNvSpPr>
@@ -232,7 +227,7 @@
           <a:bodyPr lIns="0" rIns="0" tIns="0" bIns="0" anchor="b"/>
           <a:p>
             <a:pPr algn="r"/>
-            <a:fld id="{AB406289-294E-4337-B622-F6686A14C12A}" type="slidenum">
+            <a:fld id="{F716A805-24AA-4267-8687-20EAB229F986}" type="slidenum">
               <a:rPr b="0" lang="en-US" sz="1400" spc="-1" strike="noStrike">
                 <a:latin typeface="Times New Roman"/>
               </a:rPr>
@@ -269,14 +264,14 @@
       </p:grpSpPr>
       <p:sp>
         <p:nvSpPr>
-          <p:cNvPr id="102" name="TextShape 1"/>
-          <p:cNvSpPr txBox="1"/>
+          <p:cNvPr id="99" name="CustomShape 1"/>
+          <p:cNvSpPr/>
           <p:nvPr/>
         </p:nvSpPr>
         <p:spPr>
           <a:xfrm>
             <a:off x="3886200" y="8686800"/>
-            <a:ext cx="2971440" cy="456840"/>
+            <a:ext cx="2971080" cy="456480"/>
           </a:xfrm>
           <a:prstGeom prst="rect">
             <a:avLst/>
@@ -286,15 +281,21 @@
             <a:noFill/>
           </a:ln>
         </p:spPr>
-        <p:txBody>
-          <a:bodyPr anchor="b"/>
+        <p:style>
+          <a:lnRef idx="0"/>
+          <a:fillRef idx="0"/>
+          <a:effectRef idx="0"/>
+          <a:fontRef idx="minor"/>
+        </p:style>
+        <p:txBody>
+          <a:bodyPr lIns="90000" rIns="90000" tIns="45000" bIns="45000" anchor="b"/>
           <a:p>
             <a:pPr algn="r">
               <a:lnSpc>
                 <a:spcPct val="100000"/>
               </a:lnSpc>
             </a:pPr>
-            <a:fld id="{955E10FF-C58A-4BBC-9306-F36E3FDBF7BA}" type="slidenum">
+            <a:fld id="{0BEB2E32-08A9-4D74-B2A0-3CE1EC4E22F0}" type="slidenum">
               <a:rPr b="0" lang="en-US" sz="1200" spc="-1" strike="noStrike">
                 <a:latin typeface="Times New Roman"/>
                 <a:ea typeface="ヒラギノ明朝 ProN W3"/>
@@ -302,14 +303,14 @@
               <a:t>&lt;number&gt;</a:t>
             </a:fld>
             <a:endParaRPr b="0" lang="en-US" sz="1200" spc="-1" strike="noStrike">
-              <a:latin typeface="Times New Roman"/>
-            </a:endParaRPr>
-          </a:p>
-        </p:txBody>
-      </p:sp>
-      <p:sp>
-        <p:nvSpPr>
-          <p:cNvPr id="103" name="PlaceHolder 2"/>
+              <a:latin typeface="Arial"/>
+            </a:endParaRPr>
+          </a:p>
+        </p:txBody>
+      </p:sp>
+      <p:sp>
+        <p:nvSpPr>
+          <p:cNvPr id="100" name="PlaceHolder 2"/>
           <p:cNvSpPr>
             <a:spLocks noGrp="1"/>
           </p:cNvSpPr>
@@ -320,16 +321,16 @@
         <p:spPr>
           <a:xfrm>
             <a:off x="2143080" y="685800"/>
-            <a:ext cx="2571480" cy="3428640"/>
-          </a:xfrm>
-          <a:prstGeom prst="rect">
-            <a:avLst/>
-          </a:prstGeom>
-        </p:spPr>
-      </p:sp>
-      <p:sp>
-        <p:nvSpPr>
-          <p:cNvPr id="104" name="PlaceHolder 3"/>
+            <a:ext cx="2571120" cy="3428280"/>
+          </a:xfrm>
+          <a:prstGeom prst="rect">
+            <a:avLst/>
+          </a:prstGeom>
+        </p:spPr>
+      </p:sp>
+      <p:sp>
+        <p:nvSpPr>
+          <p:cNvPr id="101" name="PlaceHolder 3"/>
           <p:cNvSpPr>
             <a:spLocks noGrp="1"/>
           </p:cNvSpPr>
@@ -340,14 +341,14 @@
         <p:spPr>
           <a:xfrm>
             <a:off x="914400" y="4343400"/>
-            <a:ext cx="5028840" cy="4114440"/>
-          </a:xfrm>
-          <a:prstGeom prst="rect">
-            <a:avLst/>
-          </a:prstGeom>
-        </p:spPr>
-        <p:txBody>
-          <a:bodyPr/>
+            <a:ext cx="5028480" cy="4114080"/>
+          </a:xfrm>
+          <a:prstGeom prst="rect">
+            <a:avLst/>
+          </a:prstGeom>
+        </p:spPr>
+        <p:txBody>
+          <a:bodyPr lIns="0" rIns="0" tIns="0" bIns="0"/>
           <a:p>
             <a:endParaRPr b="0" lang="en-US" sz="2000" spc="-1" strike="noStrike">
               <a:latin typeface="Arial"/>
@@ -401,7 +402,7 @@
       </p:grpSpPr>
       <p:sp>
         <p:nvSpPr>
-          <p:cNvPr id="24" name="PlaceHolder 1"/>
+          <p:cNvPr id="21" name="PlaceHolder 1"/>
           <p:cNvSpPr>
             <a:spLocks noGrp="1"/>
           </p:cNvSpPr>
@@ -411,8 +412,8 @@
         </p:nvSpPr>
         <p:spPr>
           <a:xfrm>
-            <a:off x="2344320" y="2318040"/>
-            <a:ext cx="26583480" cy="9727560"/>
+            <a:off x="1563480" y="1663560"/>
+            <a:ext cx="28144440" cy="6962760"/>
           </a:xfrm>
           <a:prstGeom prst="rect">
             <a:avLst/>
@@ -421,18 +422,16 @@
         <p:txBody>
           <a:bodyPr lIns="0" rIns="0" tIns="0" bIns="0" anchor="ctr"/>
           <a:p>
-            <a:endParaRPr b="0" lang="en-US" sz="2280" spc="-1" strike="noStrike">
-              <a:solidFill>
-                <a:srgbClr val="000000"/>
-              </a:solidFill>
-              <a:latin typeface="Times New Roman"/>
-            </a:endParaRPr>
-          </a:p>
-        </p:txBody>
-      </p:sp>
-      <p:sp>
-        <p:nvSpPr>
-          <p:cNvPr id="25" name="PlaceHolder 2"/>
+            <a:pPr algn="ctr"/>
+            <a:endParaRPr b="0" lang="en-US" sz="4400" spc="-1" strike="noStrike">
+              <a:latin typeface="Arial"/>
+            </a:endParaRPr>
+          </a:p>
+        </p:txBody>
+      </p:sp>
+      <p:sp>
+        <p:nvSpPr>
+          <p:cNvPr id="22" name="PlaceHolder 2"/>
           <p:cNvSpPr>
             <a:spLocks noGrp="1"/>
           </p:cNvSpPr>
@@ -442,8 +441,8 @@
         </p:nvSpPr>
         <p:spPr>
           <a:xfrm>
-            <a:off x="2344320" y="12045960"/>
-            <a:ext cx="26583480" cy="14143320"/>
+            <a:off x="1563480" y="9757080"/>
+            <a:ext cx="28144440" cy="11535480"/>
           </a:xfrm>
           <a:prstGeom prst="rect">
             <a:avLst/>
@@ -454,18 +453,15 @@
             <a:normAutofit/>
           </a:bodyPr>
           <a:p>
-            <a:endParaRPr b="0" lang="en-US" sz="8750" spc="-1" strike="noStrike">
-              <a:solidFill>
-                <a:srgbClr val="000000"/>
-              </a:solidFill>
-              <a:latin typeface="Times New Roman"/>
-            </a:endParaRPr>
-          </a:p>
-        </p:txBody>
-      </p:sp>
-      <p:sp>
-        <p:nvSpPr>
-          <p:cNvPr id="26" name="PlaceHolder 3"/>
+            <a:endParaRPr b="0" lang="en-US" sz="3200" spc="-1" strike="noStrike">
+              <a:latin typeface="Arial"/>
+            </a:endParaRPr>
+          </a:p>
+        </p:txBody>
+      </p:sp>
+      <p:sp>
+        <p:nvSpPr>
+          <p:cNvPr id="23" name="PlaceHolder 3"/>
           <p:cNvSpPr>
             <a:spLocks noGrp="1"/>
           </p:cNvSpPr>
@@ -475,8 +471,8 @@
         </p:nvSpPr>
         <p:spPr>
           <a:xfrm>
-            <a:off x="2344320" y="27533160"/>
-            <a:ext cx="26583480" cy="14143320"/>
+            <a:off x="1563480" y="22388760"/>
+            <a:ext cx="28144440" cy="11535480"/>
           </a:xfrm>
           <a:prstGeom prst="rect">
             <a:avLst/>
@@ -487,11 +483,8 @@
             <a:normAutofit/>
           </a:bodyPr>
           <a:p>
-            <a:endParaRPr b="0" lang="en-US" sz="8750" spc="-1" strike="noStrike">
-              <a:solidFill>
-                <a:srgbClr val="000000"/>
-              </a:solidFill>
-              <a:latin typeface="Times New Roman"/>
+            <a:endParaRPr b="0" lang="en-US" sz="3200" spc="-1" strike="noStrike">
+              <a:latin typeface="Arial"/>
             </a:endParaRPr>
           </a:p>
         </p:txBody>
@@ -520,7 +513,7 @@
       </p:grpSpPr>
       <p:sp>
         <p:nvSpPr>
-          <p:cNvPr id="27" name="PlaceHolder 1"/>
+          <p:cNvPr id="24" name="PlaceHolder 1"/>
           <p:cNvSpPr>
             <a:spLocks noGrp="1"/>
           </p:cNvSpPr>
@@ -530,8 +523,8 @@
         </p:nvSpPr>
         <p:spPr>
           <a:xfrm>
-            <a:off x="2344320" y="2318040"/>
-            <a:ext cx="26583480" cy="9727560"/>
+            <a:off x="1563480" y="1663560"/>
+            <a:ext cx="28144440" cy="6962760"/>
           </a:xfrm>
           <a:prstGeom prst="rect">
             <a:avLst/>
@@ -540,18 +533,16 @@
         <p:txBody>
           <a:bodyPr lIns="0" rIns="0" tIns="0" bIns="0" anchor="ctr"/>
           <a:p>
-            <a:endParaRPr b="0" lang="en-US" sz="2280" spc="-1" strike="noStrike">
-              <a:solidFill>
-                <a:srgbClr val="000000"/>
-              </a:solidFill>
-              <a:latin typeface="Times New Roman"/>
-            </a:endParaRPr>
-          </a:p>
-        </p:txBody>
-      </p:sp>
-      <p:sp>
-        <p:nvSpPr>
-          <p:cNvPr id="28" name="PlaceHolder 2"/>
+            <a:pPr algn="ctr"/>
+            <a:endParaRPr b="0" lang="en-US" sz="4400" spc="-1" strike="noStrike">
+              <a:latin typeface="Arial"/>
+            </a:endParaRPr>
+          </a:p>
+        </p:txBody>
+      </p:sp>
+      <p:sp>
+        <p:nvSpPr>
+          <p:cNvPr id="25" name="PlaceHolder 2"/>
           <p:cNvSpPr>
             <a:spLocks noGrp="1"/>
           </p:cNvSpPr>
@@ -561,8 +552,8 @@
         </p:nvSpPr>
         <p:spPr>
           <a:xfrm>
-            <a:off x="2344320" y="12045960"/>
-            <a:ext cx="12972600" cy="14143320"/>
+            <a:off x="1563480" y="9757080"/>
+            <a:ext cx="13734360" cy="11535480"/>
           </a:xfrm>
           <a:prstGeom prst="rect">
             <a:avLst/>
@@ -573,18 +564,15 @@
             <a:normAutofit/>
           </a:bodyPr>
           <a:p>
-            <a:endParaRPr b="0" lang="en-US" sz="8750" spc="-1" strike="noStrike">
-              <a:solidFill>
-                <a:srgbClr val="000000"/>
-              </a:solidFill>
-              <a:latin typeface="Times New Roman"/>
-            </a:endParaRPr>
-          </a:p>
-        </p:txBody>
-      </p:sp>
-      <p:sp>
-        <p:nvSpPr>
-          <p:cNvPr id="29" name="PlaceHolder 3"/>
+            <a:endParaRPr b="0" lang="en-US" sz="3200" spc="-1" strike="noStrike">
+              <a:latin typeface="Arial"/>
+            </a:endParaRPr>
+          </a:p>
+        </p:txBody>
+      </p:sp>
+      <p:sp>
+        <p:nvSpPr>
+          <p:cNvPr id="26" name="PlaceHolder 3"/>
           <p:cNvSpPr>
             <a:spLocks noGrp="1"/>
           </p:cNvSpPr>
@@ -594,8 +582,8 @@
         </p:nvSpPr>
         <p:spPr>
           <a:xfrm>
-            <a:off x="15966000" y="12045960"/>
-            <a:ext cx="12972600" cy="14143320"/>
+            <a:off x="15985080" y="9757080"/>
+            <a:ext cx="13734360" cy="11535480"/>
           </a:xfrm>
           <a:prstGeom prst="rect">
             <a:avLst/>
@@ -606,18 +594,15 @@
             <a:normAutofit/>
           </a:bodyPr>
           <a:p>
-            <a:endParaRPr b="0" lang="en-US" sz="8750" spc="-1" strike="noStrike">
-              <a:solidFill>
-                <a:srgbClr val="000000"/>
-              </a:solidFill>
-              <a:latin typeface="Times New Roman"/>
-            </a:endParaRPr>
-          </a:p>
-        </p:txBody>
-      </p:sp>
-      <p:sp>
-        <p:nvSpPr>
-          <p:cNvPr id="30" name="PlaceHolder 4"/>
+            <a:endParaRPr b="0" lang="en-US" sz="3200" spc="-1" strike="noStrike">
+              <a:latin typeface="Arial"/>
+            </a:endParaRPr>
+          </a:p>
+        </p:txBody>
+      </p:sp>
+      <p:sp>
+        <p:nvSpPr>
+          <p:cNvPr id="27" name="PlaceHolder 4"/>
           <p:cNvSpPr>
             <a:spLocks noGrp="1"/>
           </p:cNvSpPr>
@@ -627,8 +612,8 @@
         </p:nvSpPr>
         <p:spPr>
           <a:xfrm>
-            <a:off x="2344320" y="27533160"/>
-            <a:ext cx="12972600" cy="14143320"/>
+            <a:off x="1563480" y="22388760"/>
+            <a:ext cx="13734360" cy="11535480"/>
           </a:xfrm>
           <a:prstGeom prst="rect">
             <a:avLst/>
@@ -639,18 +624,15 @@
             <a:normAutofit/>
           </a:bodyPr>
           <a:p>
-            <a:endParaRPr b="0" lang="en-US" sz="8750" spc="-1" strike="noStrike">
-              <a:solidFill>
-                <a:srgbClr val="000000"/>
-              </a:solidFill>
-              <a:latin typeface="Times New Roman"/>
-            </a:endParaRPr>
-          </a:p>
-        </p:txBody>
-      </p:sp>
-      <p:sp>
-        <p:nvSpPr>
-          <p:cNvPr id="31" name="PlaceHolder 5"/>
+            <a:endParaRPr b="0" lang="en-US" sz="3200" spc="-1" strike="noStrike">
+              <a:latin typeface="Arial"/>
+            </a:endParaRPr>
+          </a:p>
+        </p:txBody>
+      </p:sp>
+      <p:sp>
+        <p:nvSpPr>
+          <p:cNvPr id="28" name="PlaceHolder 5"/>
           <p:cNvSpPr>
             <a:spLocks noGrp="1"/>
           </p:cNvSpPr>
@@ -660,8 +642,8 @@
         </p:nvSpPr>
         <p:spPr>
           <a:xfrm>
-            <a:off x="15966000" y="27533160"/>
-            <a:ext cx="12972600" cy="14143320"/>
+            <a:off x="15985080" y="22388760"/>
+            <a:ext cx="13734360" cy="11535480"/>
           </a:xfrm>
           <a:prstGeom prst="rect">
             <a:avLst/>
@@ -672,11 +654,8 @@
             <a:normAutofit/>
           </a:bodyPr>
           <a:p>
-            <a:endParaRPr b="0" lang="en-US" sz="8750" spc="-1" strike="noStrike">
-              <a:solidFill>
-                <a:srgbClr val="000000"/>
-              </a:solidFill>
-              <a:latin typeface="Times New Roman"/>
+            <a:endParaRPr b="0" lang="en-US" sz="3200" spc="-1" strike="noStrike">
+              <a:latin typeface="Arial"/>
             </a:endParaRPr>
           </a:p>
         </p:txBody>
@@ -705,7 +684,7 @@
       </p:grpSpPr>
       <p:sp>
         <p:nvSpPr>
-          <p:cNvPr id="32" name="PlaceHolder 1"/>
+          <p:cNvPr id="29" name="PlaceHolder 1"/>
           <p:cNvSpPr>
             <a:spLocks noGrp="1"/>
           </p:cNvSpPr>
@@ -715,8 +694,8 @@
         </p:nvSpPr>
         <p:spPr>
           <a:xfrm>
-            <a:off x="2344320" y="2318040"/>
-            <a:ext cx="26583480" cy="9727560"/>
+            <a:off x="1563480" y="1663560"/>
+            <a:ext cx="28144440" cy="6962760"/>
           </a:xfrm>
           <a:prstGeom prst="rect">
             <a:avLst/>
@@ -725,18 +704,16 @@
         <p:txBody>
           <a:bodyPr lIns="0" rIns="0" tIns="0" bIns="0" anchor="ctr"/>
           <a:p>
-            <a:endParaRPr b="0" lang="en-US" sz="2280" spc="-1" strike="noStrike">
-              <a:solidFill>
-                <a:srgbClr val="000000"/>
-              </a:solidFill>
-              <a:latin typeface="Times New Roman"/>
-            </a:endParaRPr>
-          </a:p>
-        </p:txBody>
-      </p:sp>
-      <p:sp>
-        <p:nvSpPr>
-          <p:cNvPr id="33" name="PlaceHolder 2"/>
+            <a:pPr algn="ctr"/>
+            <a:endParaRPr b="0" lang="en-US" sz="4400" spc="-1" strike="noStrike">
+              <a:latin typeface="Arial"/>
+            </a:endParaRPr>
+          </a:p>
+        </p:txBody>
+      </p:sp>
+      <p:sp>
+        <p:nvSpPr>
+          <p:cNvPr id="30" name="PlaceHolder 2"/>
           <p:cNvSpPr>
             <a:spLocks noGrp="1"/>
           </p:cNvSpPr>
@@ -746,8 +723,8 @@
         </p:nvSpPr>
         <p:spPr>
           <a:xfrm>
-            <a:off x="2344320" y="12045960"/>
-            <a:ext cx="8559720" cy="14143320"/>
+            <a:off x="1563480" y="9757080"/>
+            <a:ext cx="9062280" cy="11535480"/>
           </a:xfrm>
           <a:prstGeom prst="rect">
             <a:avLst/>
@@ -758,18 +735,15 @@
             <a:normAutofit/>
           </a:bodyPr>
           <a:p>
-            <a:endParaRPr b="0" lang="en-US" sz="8750" spc="-1" strike="noStrike">
-              <a:solidFill>
-                <a:srgbClr val="000000"/>
-              </a:solidFill>
-              <a:latin typeface="Times New Roman"/>
-            </a:endParaRPr>
-          </a:p>
-        </p:txBody>
-      </p:sp>
-      <p:sp>
-        <p:nvSpPr>
-          <p:cNvPr id="34" name="PlaceHolder 3"/>
+            <a:endParaRPr b="0" lang="en-US" sz="3200" spc="-1" strike="noStrike">
+              <a:latin typeface="Arial"/>
+            </a:endParaRPr>
+          </a:p>
+        </p:txBody>
+      </p:sp>
+      <p:sp>
+        <p:nvSpPr>
+          <p:cNvPr id="31" name="PlaceHolder 3"/>
           <p:cNvSpPr>
             <a:spLocks noGrp="1"/>
           </p:cNvSpPr>
@@ -779,8 +753,8 @@
         </p:nvSpPr>
         <p:spPr>
           <a:xfrm>
-            <a:off x="11332440" y="12045960"/>
-            <a:ext cx="8559720" cy="14143320"/>
+            <a:off x="11079360" y="9757080"/>
+            <a:ext cx="9062280" cy="11535480"/>
           </a:xfrm>
           <a:prstGeom prst="rect">
             <a:avLst/>
@@ -791,18 +765,15 @@
             <a:normAutofit/>
           </a:bodyPr>
           <a:p>
-            <a:endParaRPr b="0" lang="en-US" sz="8750" spc="-1" strike="noStrike">
-              <a:solidFill>
-                <a:srgbClr val="000000"/>
-              </a:solidFill>
-              <a:latin typeface="Times New Roman"/>
-            </a:endParaRPr>
-          </a:p>
-        </p:txBody>
-      </p:sp>
-      <p:sp>
-        <p:nvSpPr>
-          <p:cNvPr id="35" name="PlaceHolder 4"/>
+            <a:endParaRPr b="0" lang="en-US" sz="3200" spc="-1" strike="noStrike">
+              <a:latin typeface="Arial"/>
+            </a:endParaRPr>
+          </a:p>
+        </p:txBody>
+      </p:sp>
+      <p:sp>
+        <p:nvSpPr>
+          <p:cNvPr id="32" name="PlaceHolder 4"/>
           <p:cNvSpPr>
             <a:spLocks noGrp="1"/>
           </p:cNvSpPr>
@@ -812,8 +783,8 @@
         </p:nvSpPr>
         <p:spPr>
           <a:xfrm>
-            <a:off x="20320560" y="12045960"/>
-            <a:ext cx="8559720" cy="14143320"/>
+            <a:off x="20594880" y="9757080"/>
+            <a:ext cx="9062280" cy="11535480"/>
           </a:xfrm>
           <a:prstGeom prst="rect">
             <a:avLst/>
@@ -824,18 +795,15 @@
             <a:normAutofit/>
           </a:bodyPr>
           <a:p>
-            <a:endParaRPr b="0" lang="en-US" sz="8750" spc="-1" strike="noStrike">
-              <a:solidFill>
-                <a:srgbClr val="000000"/>
-              </a:solidFill>
-              <a:latin typeface="Times New Roman"/>
-            </a:endParaRPr>
-          </a:p>
-        </p:txBody>
-      </p:sp>
-      <p:sp>
-        <p:nvSpPr>
-          <p:cNvPr id="36" name="PlaceHolder 5"/>
+            <a:endParaRPr b="0" lang="en-US" sz="3200" spc="-1" strike="noStrike">
+              <a:latin typeface="Arial"/>
+            </a:endParaRPr>
+          </a:p>
+        </p:txBody>
+      </p:sp>
+      <p:sp>
+        <p:nvSpPr>
+          <p:cNvPr id="33" name="PlaceHolder 5"/>
           <p:cNvSpPr>
             <a:spLocks noGrp="1"/>
           </p:cNvSpPr>
@@ -845,8 +813,8 @@
         </p:nvSpPr>
         <p:spPr>
           <a:xfrm>
-            <a:off x="2344320" y="27533160"/>
-            <a:ext cx="8559720" cy="14143320"/>
+            <a:off x="1563480" y="22388760"/>
+            <a:ext cx="9062280" cy="11535480"/>
           </a:xfrm>
           <a:prstGeom prst="rect">
             <a:avLst/>
@@ -857,18 +825,15 @@
             <a:normAutofit/>
           </a:bodyPr>
           <a:p>
-            <a:endParaRPr b="0" lang="en-US" sz="8750" spc="-1" strike="noStrike">
-              <a:solidFill>
-                <a:srgbClr val="000000"/>
-              </a:solidFill>
-              <a:latin typeface="Times New Roman"/>
-            </a:endParaRPr>
-          </a:p>
-        </p:txBody>
-      </p:sp>
-      <p:sp>
-        <p:nvSpPr>
-          <p:cNvPr id="37" name="PlaceHolder 6"/>
+            <a:endParaRPr b="0" lang="en-US" sz="3200" spc="-1" strike="noStrike">
+              <a:latin typeface="Arial"/>
+            </a:endParaRPr>
+          </a:p>
+        </p:txBody>
+      </p:sp>
+      <p:sp>
+        <p:nvSpPr>
+          <p:cNvPr id="34" name="PlaceHolder 6"/>
           <p:cNvSpPr>
             <a:spLocks noGrp="1"/>
           </p:cNvSpPr>
@@ -878,8 +843,8 @@
         </p:nvSpPr>
         <p:spPr>
           <a:xfrm>
-            <a:off x="11332440" y="27533160"/>
-            <a:ext cx="8559720" cy="14143320"/>
+            <a:off x="11079360" y="22388760"/>
+            <a:ext cx="9062280" cy="11535480"/>
           </a:xfrm>
           <a:prstGeom prst="rect">
             <a:avLst/>
@@ -890,18 +855,15 @@
             <a:normAutofit/>
           </a:bodyPr>
           <a:p>
-            <a:endParaRPr b="0" lang="en-US" sz="8750" spc="-1" strike="noStrike">
-              <a:solidFill>
-                <a:srgbClr val="000000"/>
-              </a:solidFill>
-              <a:latin typeface="Times New Roman"/>
-            </a:endParaRPr>
-          </a:p>
-        </p:txBody>
-      </p:sp>
-      <p:sp>
-        <p:nvSpPr>
-          <p:cNvPr id="38" name="PlaceHolder 7"/>
+            <a:endParaRPr b="0" lang="en-US" sz="3200" spc="-1" strike="noStrike">
+              <a:latin typeface="Arial"/>
+            </a:endParaRPr>
+          </a:p>
+        </p:txBody>
+      </p:sp>
+      <p:sp>
+        <p:nvSpPr>
+          <p:cNvPr id="35" name="PlaceHolder 7"/>
           <p:cNvSpPr>
             <a:spLocks noGrp="1"/>
           </p:cNvSpPr>
@@ -911,8 +873,8 @@
         </p:nvSpPr>
         <p:spPr>
           <a:xfrm>
-            <a:off x="20320560" y="27533160"/>
-            <a:ext cx="8559720" cy="14143320"/>
+            <a:off x="20594880" y="22388760"/>
+            <a:ext cx="9062280" cy="11535480"/>
           </a:xfrm>
           <a:prstGeom prst="rect">
             <a:avLst/>
@@ -923,11 +885,8 @@
             <a:normAutofit/>
           </a:bodyPr>
           <a:p>
-            <a:endParaRPr b="0" lang="en-US" sz="8750" spc="-1" strike="noStrike">
-              <a:solidFill>
-                <a:srgbClr val="000000"/>
-              </a:solidFill>
-              <a:latin typeface="Times New Roman"/>
+            <a:endParaRPr b="0" lang="en-US" sz="3200" spc="-1" strike="noStrike">
+              <a:latin typeface="Arial"/>
             </a:endParaRPr>
           </a:p>
         </p:txBody>
@@ -956,7 +915,7 @@
       </p:grpSpPr>
       <p:sp>
         <p:nvSpPr>
-          <p:cNvPr id="3" name="PlaceHolder 1"/>
+          <p:cNvPr id="0" name="PlaceHolder 1"/>
           <p:cNvSpPr>
             <a:spLocks noGrp="1"/>
           </p:cNvSpPr>
@@ -966,8 +925,8 @@
         </p:nvSpPr>
         <p:spPr>
           <a:xfrm>
-            <a:off x="2344320" y="2318040"/>
-            <a:ext cx="26583480" cy="9727560"/>
+            <a:off x="1563480" y="1663560"/>
+            <a:ext cx="28144440" cy="6962760"/>
           </a:xfrm>
           <a:prstGeom prst="rect">
             <a:avLst/>
@@ -976,18 +935,16 @@
         <p:txBody>
           <a:bodyPr lIns="0" rIns="0" tIns="0" bIns="0" anchor="ctr"/>
           <a:p>
-            <a:endParaRPr b="0" lang="en-US" sz="2280" spc="-1" strike="noStrike">
-              <a:solidFill>
-                <a:srgbClr val="000000"/>
-              </a:solidFill>
-              <a:latin typeface="Times New Roman"/>
-            </a:endParaRPr>
-          </a:p>
-        </p:txBody>
-      </p:sp>
-      <p:sp>
-        <p:nvSpPr>
-          <p:cNvPr id="4" name="PlaceHolder 2"/>
+            <a:pPr algn="ctr"/>
+            <a:endParaRPr b="0" lang="en-US" sz="4400" spc="-1" strike="noStrike">
+              <a:latin typeface="Arial"/>
+            </a:endParaRPr>
+          </a:p>
+        </p:txBody>
+      </p:sp>
+      <p:sp>
+        <p:nvSpPr>
+          <p:cNvPr id="1" name="PlaceHolder 2"/>
           <p:cNvSpPr>
             <a:spLocks noGrp="1"/>
           </p:cNvSpPr>
@@ -997,8 +954,8 @@
         </p:nvSpPr>
         <p:spPr>
           <a:xfrm>
-            <a:off x="2344320" y="12045960"/>
-            <a:ext cx="26583480" cy="29651040"/>
+            <a:off x="1563480" y="9757080"/>
+            <a:ext cx="28144440" cy="24184080"/>
           </a:xfrm>
           <a:prstGeom prst="rect">
             <a:avLst/>
@@ -1038,7 +995,7 @@
       </p:grpSpPr>
       <p:sp>
         <p:nvSpPr>
-          <p:cNvPr id="5" name="PlaceHolder 1"/>
+          <p:cNvPr id="2" name="PlaceHolder 1"/>
           <p:cNvSpPr>
             <a:spLocks noGrp="1"/>
           </p:cNvSpPr>
@@ -1048,8 +1005,8 @@
         </p:nvSpPr>
         <p:spPr>
           <a:xfrm>
-            <a:off x="2344320" y="2318040"/>
-            <a:ext cx="26583480" cy="9727560"/>
+            <a:off x="1563480" y="1663560"/>
+            <a:ext cx="28144440" cy="6962760"/>
           </a:xfrm>
           <a:prstGeom prst="rect">
             <a:avLst/>
@@ -1058,18 +1015,16 @@
         <p:txBody>
           <a:bodyPr lIns="0" rIns="0" tIns="0" bIns="0" anchor="ctr"/>
           <a:p>
-            <a:endParaRPr b="0" lang="en-US" sz="2280" spc="-1" strike="noStrike">
-              <a:solidFill>
-                <a:srgbClr val="000000"/>
-              </a:solidFill>
-              <a:latin typeface="Times New Roman"/>
-            </a:endParaRPr>
-          </a:p>
-        </p:txBody>
-      </p:sp>
-      <p:sp>
-        <p:nvSpPr>
-          <p:cNvPr id="6" name="PlaceHolder 2"/>
+            <a:pPr algn="ctr"/>
+            <a:endParaRPr b="0" lang="en-US" sz="4400" spc="-1" strike="noStrike">
+              <a:latin typeface="Arial"/>
+            </a:endParaRPr>
+          </a:p>
+        </p:txBody>
+      </p:sp>
+      <p:sp>
+        <p:nvSpPr>
+          <p:cNvPr id="3" name="PlaceHolder 2"/>
           <p:cNvSpPr>
             <a:spLocks noGrp="1"/>
           </p:cNvSpPr>
@@ -1079,8 +1034,8 @@
         </p:nvSpPr>
         <p:spPr>
           <a:xfrm>
-            <a:off x="2344320" y="12045960"/>
-            <a:ext cx="26583480" cy="29651040"/>
+            <a:off x="1563480" y="9757080"/>
+            <a:ext cx="28144440" cy="24184080"/>
           </a:xfrm>
           <a:prstGeom prst="rect">
             <a:avLst/>
@@ -1091,11 +1046,8 @@
             <a:normAutofit/>
           </a:bodyPr>
           <a:p>
-            <a:endParaRPr b="0" lang="en-US" sz="8750" spc="-1" strike="noStrike">
-              <a:solidFill>
-                <a:srgbClr val="000000"/>
-              </a:solidFill>
-              <a:latin typeface="Times New Roman"/>
+            <a:endParaRPr b="0" lang="en-US" sz="3200" spc="-1" strike="noStrike">
+              <a:latin typeface="Arial"/>
             </a:endParaRPr>
           </a:p>
         </p:txBody>
@@ -1124,7 +1076,7 @@
       </p:grpSpPr>
       <p:sp>
         <p:nvSpPr>
-          <p:cNvPr id="7" name="PlaceHolder 1"/>
+          <p:cNvPr id="4" name="PlaceHolder 1"/>
           <p:cNvSpPr>
             <a:spLocks noGrp="1"/>
           </p:cNvSpPr>
@@ -1134,8 +1086,8 @@
         </p:nvSpPr>
         <p:spPr>
           <a:xfrm>
-            <a:off x="2344320" y="2318040"/>
-            <a:ext cx="26583480" cy="9727560"/>
+            <a:off x="1563480" y="1663560"/>
+            <a:ext cx="28144440" cy="6962760"/>
           </a:xfrm>
           <a:prstGeom prst="rect">
             <a:avLst/>
@@ -1144,18 +1096,16 @@
         <p:txBody>
           <a:bodyPr lIns="0" rIns="0" tIns="0" bIns="0" anchor="ctr"/>
           <a:p>
-            <a:endParaRPr b="0" lang="en-US" sz="2280" spc="-1" strike="noStrike">
-              <a:solidFill>
-                <a:srgbClr val="000000"/>
-              </a:solidFill>
-              <a:latin typeface="Times New Roman"/>
-            </a:endParaRPr>
-          </a:p>
-        </p:txBody>
-      </p:sp>
-      <p:sp>
-        <p:nvSpPr>
-          <p:cNvPr id="8" name="PlaceHolder 2"/>
+            <a:pPr algn="ctr"/>
+            <a:endParaRPr b="0" lang="en-US" sz="4400" spc="-1" strike="noStrike">
+              <a:latin typeface="Arial"/>
+            </a:endParaRPr>
+          </a:p>
+        </p:txBody>
+      </p:sp>
+      <p:sp>
+        <p:nvSpPr>
+          <p:cNvPr id="5" name="PlaceHolder 2"/>
           <p:cNvSpPr>
             <a:spLocks noGrp="1"/>
           </p:cNvSpPr>
@@ -1165,8 +1115,8 @@
         </p:nvSpPr>
         <p:spPr>
           <a:xfrm>
-            <a:off x="2344320" y="12045960"/>
-            <a:ext cx="12972600" cy="29651040"/>
+            <a:off x="1563480" y="9757080"/>
+            <a:ext cx="13734360" cy="24184080"/>
           </a:xfrm>
           <a:prstGeom prst="rect">
             <a:avLst/>
@@ -1177,18 +1127,15 @@
             <a:normAutofit/>
           </a:bodyPr>
           <a:p>
-            <a:endParaRPr b="0" lang="en-US" sz="8750" spc="-1" strike="noStrike">
-              <a:solidFill>
-                <a:srgbClr val="000000"/>
-              </a:solidFill>
-              <a:latin typeface="Times New Roman"/>
-            </a:endParaRPr>
-          </a:p>
-        </p:txBody>
-      </p:sp>
-      <p:sp>
-        <p:nvSpPr>
-          <p:cNvPr id="9" name="PlaceHolder 3"/>
+            <a:endParaRPr b="0" lang="en-US" sz="3200" spc="-1" strike="noStrike">
+              <a:latin typeface="Arial"/>
+            </a:endParaRPr>
+          </a:p>
+        </p:txBody>
+      </p:sp>
+      <p:sp>
+        <p:nvSpPr>
+          <p:cNvPr id="6" name="PlaceHolder 3"/>
           <p:cNvSpPr>
             <a:spLocks noGrp="1"/>
           </p:cNvSpPr>
@@ -1198,8 +1145,8 @@
         </p:nvSpPr>
         <p:spPr>
           <a:xfrm>
-            <a:off x="15966000" y="12045960"/>
-            <a:ext cx="12972600" cy="29651040"/>
+            <a:off x="15985080" y="9757080"/>
+            <a:ext cx="13734360" cy="24184080"/>
           </a:xfrm>
           <a:prstGeom prst="rect">
             <a:avLst/>
@@ -1210,11 +1157,8 @@
             <a:normAutofit/>
           </a:bodyPr>
           <a:p>
-            <a:endParaRPr b="0" lang="en-US" sz="8750" spc="-1" strike="noStrike">
-              <a:solidFill>
-                <a:srgbClr val="000000"/>
-              </a:solidFill>
-              <a:latin typeface="Times New Roman"/>
+            <a:endParaRPr b="0" lang="en-US" sz="3200" spc="-1" strike="noStrike">
+              <a:latin typeface="Arial"/>
             </a:endParaRPr>
           </a:p>
         </p:txBody>
@@ -1243,7 +1187,7 @@
       </p:grpSpPr>
       <p:sp>
         <p:nvSpPr>
-          <p:cNvPr id="10" name="PlaceHolder 1"/>
+          <p:cNvPr id="7" name="PlaceHolder 1"/>
           <p:cNvSpPr>
             <a:spLocks noGrp="1"/>
           </p:cNvSpPr>
@@ -1253,8 +1197,8 @@
         </p:nvSpPr>
         <p:spPr>
           <a:xfrm>
-            <a:off x="2344320" y="2318040"/>
-            <a:ext cx="26583480" cy="9727560"/>
+            <a:off x="1563480" y="1663560"/>
+            <a:ext cx="28144440" cy="6962760"/>
           </a:xfrm>
           <a:prstGeom prst="rect">
             <a:avLst/>
@@ -1263,11 +1207,9 @@
         <p:txBody>
           <a:bodyPr lIns="0" rIns="0" tIns="0" bIns="0" anchor="ctr"/>
           <a:p>
-            <a:endParaRPr b="0" lang="en-US" sz="2280" spc="-1" strike="noStrike">
-              <a:solidFill>
-                <a:srgbClr val="000000"/>
-              </a:solidFill>
-              <a:latin typeface="Times New Roman"/>
+            <a:pPr algn="ctr"/>
+            <a:endParaRPr b="0" lang="en-US" sz="4400" spc="-1" strike="noStrike">
+              <a:latin typeface="Arial"/>
             </a:endParaRPr>
           </a:p>
         </p:txBody>
@@ -1296,7 +1238,7 @@
       </p:grpSpPr>
       <p:sp>
         <p:nvSpPr>
-          <p:cNvPr id="11" name="PlaceHolder 1"/>
+          <p:cNvPr id="8" name="PlaceHolder 1"/>
           <p:cNvSpPr>
             <a:spLocks noGrp="1"/>
           </p:cNvSpPr>
@@ -1306,8 +1248,8 @@
         </p:nvSpPr>
         <p:spPr>
           <a:xfrm>
-            <a:off x="2344320" y="2318040"/>
-            <a:ext cx="26583480" cy="45092520"/>
+            <a:off x="1563480" y="1663560"/>
+            <a:ext cx="28144440" cy="32276520"/>
           </a:xfrm>
           <a:prstGeom prst="rect">
             <a:avLst/>
@@ -1347,7 +1289,7 @@
       </p:grpSpPr>
       <p:sp>
         <p:nvSpPr>
-          <p:cNvPr id="12" name="PlaceHolder 1"/>
+          <p:cNvPr id="9" name="PlaceHolder 1"/>
           <p:cNvSpPr>
             <a:spLocks noGrp="1"/>
           </p:cNvSpPr>
@@ -1357,8 +1299,8 @@
         </p:nvSpPr>
         <p:spPr>
           <a:xfrm>
-            <a:off x="2344320" y="2318040"/>
-            <a:ext cx="26583480" cy="9727560"/>
+            <a:off x="1563480" y="1663560"/>
+            <a:ext cx="28144440" cy="6962760"/>
           </a:xfrm>
           <a:prstGeom prst="rect">
             <a:avLst/>
@@ -1367,18 +1309,16 @@
         <p:txBody>
           <a:bodyPr lIns="0" rIns="0" tIns="0" bIns="0" anchor="ctr"/>
           <a:p>
-            <a:endParaRPr b="0" lang="en-US" sz="2280" spc="-1" strike="noStrike">
-              <a:solidFill>
-                <a:srgbClr val="000000"/>
-              </a:solidFill>
-              <a:latin typeface="Times New Roman"/>
-            </a:endParaRPr>
-          </a:p>
-        </p:txBody>
-      </p:sp>
-      <p:sp>
-        <p:nvSpPr>
-          <p:cNvPr id="13" name="PlaceHolder 2"/>
+            <a:pPr algn="ctr"/>
+            <a:endParaRPr b="0" lang="en-US" sz="4400" spc="-1" strike="noStrike">
+              <a:latin typeface="Arial"/>
+            </a:endParaRPr>
+          </a:p>
+        </p:txBody>
+      </p:sp>
+      <p:sp>
+        <p:nvSpPr>
+          <p:cNvPr id="10" name="PlaceHolder 2"/>
           <p:cNvSpPr>
             <a:spLocks noGrp="1"/>
           </p:cNvSpPr>
@@ -1388,8 +1328,8 @@
         </p:nvSpPr>
         <p:spPr>
           <a:xfrm>
-            <a:off x="2344320" y="12045960"/>
-            <a:ext cx="12972600" cy="14143320"/>
+            <a:off x="1563480" y="9757080"/>
+            <a:ext cx="13734360" cy="11535480"/>
           </a:xfrm>
           <a:prstGeom prst="rect">
             <a:avLst/>
@@ -1400,18 +1340,15 @@
             <a:normAutofit/>
           </a:bodyPr>
           <a:p>
-            <a:endParaRPr b="0" lang="en-US" sz="8750" spc="-1" strike="noStrike">
-              <a:solidFill>
-                <a:srgbClr val="000000"/>
-              </a:solidFill>
-              <a:latin typeface="Times New Roman"/>
-            </a:endParaRPr>
-          </a:p>
-        </p:txBody>
-      </p:sp>
-      <p:sp>
-        <p:nvSpPr>
-          <p:cNvPr id="14" name="PlaceHolder 3"/>
+            <a:endParaRPr b="0" lang="en-US" sz="3200" spc="-1" strike="noStrike">
+              <a:latin typeface="Arial"/>
+            </a:endParaRPr>
+          </a:p>
+        </p:txBody>
+      </p:sp>
+      <p:sp>
+        <p:nvSpPr>
+          <p:cNvPr id="11" name="PlaceHolder 3"/>
           <p:cNvSpPr>
             <a:spLocks noGrp="1"/>
           </p:cNvSpPr>
@@ -1421,8 +1358,8 @@
         </p:nvSpPr>
         <p:spPr>
           <a:xfrm>
-            <a:off x="15966000" y="12045960"/>
-            <a:ext cx="12972600" cy="29651040"/>
+            <a:off x="15985080" y="9757080"/>
+            <a:ext cx="13734360" cy="24184080"/>
           </a:xfrm>
           <a:prstGeom prst="rect">
             <a:avLst/>
@@ -1433,18 +1370,15 @@
             <a:normAutofit/>
           </a:bodyPr>
           <a:p>
-            <a:endParaRPr b="0" lang="en-US" sz="8750" spc="-1" strike="noStrike">
-              <a:solidFill>
-                <a:srgbClr val="000000"/>
-              </a:solidFill>
-              <a:latin typeface="Times New Roman"/>
-            </a:endParaRPr>
-          </a:p>
-        </p:txBody>
-      </p:sp>
-      <p:sp>
-        <p:nvSpPr>
-          <p:cNvPr id="15" name="PlaceHolder 4"/>
+            <a:endParaRPr b="0" lang="en-US" sz="3200" spc="-1" strike="noStrike">
+              <a:latin typeface="Arial"/>
+            </a:endParaRPr>
+          </a:p>
+        </p:txBody>
+      </p:sp>
+      <p:sp>
+        <p:nvSpPr>
+          <p:cNvPr id="12" name="PlaceHolder 4"/>
           <p:cNvSpPr>
             <a:spLocks noGrp="1"/>
           </p:cNvSpPr>
@@ -1454,8 +1388,8 @@
         </p:nvSpPr>
         <p:spPr>
           <a:xfrm>
-            <a:off x="2344320" y="27533160"/>
-            <a:ext cx="12972600" cy="14143320"/>
+            <a:off x="1563480" y="22388760"/>
+            <a:ext cx="13734360" cy="11535480"/>
           </a:xfrm>
           <a:prstGeom prst="rect">
             <a:avLst/>
@@ -1466,11 +1400,8 @@
             <a:normAutofit/>
           </a:bodyPr>
           <a:p>
-            <a:endParaRPr b="0" lang="en-US" sz="8750" spc="-1" strike="noStrike">
-              <a:solidFill>
-                <a:srgbClr val="000000"/>
-              </a:solidFill>
-              <a:latin typeface="Times New Roman"/>
+            <a:endParaRPr b="0" lang="en-US" sz="3200" spc="-1" strike="noStrike">
+              <a:latin typeface="Arial"/>
             </a:endParaRPr>
           </a:p>
         </p:txBody>
@@ -1499,7 +1430,7 @@
       </p:grpSpPr>
       <p:sp>
         <p:nvSpPr>
-          <p:cNvPr id="16" name="PlaceHolder 1"/>
+          <p:cNvPr id="13" name="PlaceHolder 1"/>
           <p:cNvSpPr>
             <a:spLocks noGrp="1"/>
           </p:cNvSpPr>
@@ -1509,8 +1440,8 @@
         </p:nvSpPr>
         <p:spPr>
           <a:xfrm>
-            <a:off x="2344320" y="2318040"/>
-            <a:ext cx="26583480" cy="9727560"/>
+            <a:off x="1563480" y="1663560"/>
+            <a:ext cx="28144440" cy="6962760"/>
           </a:xfrm>
           <a:prstGeom prst="rect">
             <a:avLst/>
@@ -1519,18 +1450,16 @@
         <p:txBody>
           <a:bodyPr lIns="0" rIns="0" tIns="0" bIns="0" anchor="ctr"/>
           <a:p>
-            <a:endParaRPr b="0" lang="en-US" sz="2280" spc="-1" strike="noStrike">
-              <a:solidFill>
-                <a:srgbClr val="000000"/>
-              </a:solidFill>
-              <a:latin typeface="Times New Roman"/>
-            </a:endParaRPr>
-          </a:p>
-        </p:txBody>
-      </p:sp>
-      <p:sp>
-        <p:nvSpPr>
-          <p:cNvPr id="17" name="PlaceHolder 2"/>
+            <a:pPr algn="ctr"/>
+            <a:endParaRPr b="0" lang="en-US" sz="4400" spc="-1" strike="noStrike">
+              <a:latin typeface="Arial"/>
+            </a:endParaRPr>
+          </a:p>
+        </p:txBody>
+      </p:sp>
+      <p:sp>
+        <p:nvSpPr>
+          <p:cNvPr id="14" name="PlaceHolder 2"/>
           <p:cNvSpPr>
             <a:spLocks noGrp="1"/>
           </p:cNvSpPr>
@@ -1540,8 +1469,8 @@
         </p:nvSpPr>
         <p:spPr>
           <a:xfrm>
-            <a:off x="2344320" y="12045960"/>
-            <a:ext cx="12972600" cy="29651040"/>
+            <a:off x="1563480" y="9757080"/>
+            <a:ext cx="13734360" cy="24184080"/>
           </a:xfrm>
           <a:prstGeom prst="rect">
             <a:avLst/>
@@ -1552,18 +1481,15 @@
             <a:normAutofit/>
           </a:bodyPr>
           <a:p>
-            <a:endParaRPr b="0" lang="en-US" sz="8750" spc="-1" strike="noStrike">
-              <a:solidFill>
-                <a:srgbClr val="000000"/>
-              </a:solidFill>
-              <a:latin typeface="Times New Roman"/>
-            </a:endParaRPr>
-          </a:p>
-        </p:txBody>
-      </p:sp>
-      <p:sp>
-        <p:nvSpPr>
-          <p:cNvPr id="18" name="PlaceHolder 3"/>
+            <a:endParaRPr b="0" lang="en-US" sz="3200" spc="-1" strike="noStrike">
+              <a:latin typeface="Arial"/>
+            </a:endParaRPr>
+          </a:p>
+        </p:txBody>
+      </p:sp>
+      <p:sp>
+        <p:nvSpPr>
+          <p:cNvPr id="15" name="PlaceHolder 3"/>
           <p:cNvSpPr>
             <a:spLocks noGrp="1"/>
           </p:cNvSpPr>
@@ -1573,8 +1499,8 @@
         </p:nvSpPr>
         <p:spPr>
           <a:xfrm>
-            <a:off x="15966000" y="12045960"/>
-            <a:ext cx="12972600" cy="14143320"/>
+            <a:off x="15985080" y="9757080"/>
+            <a:ext cx="13734360" cy="11535480"/>
           </a:xfrm>
           <a:prstGeom prst="rect">
             <a:avLst/>
@@ -1585,18 +1511,15 @@
             <a:normAutofit/>
           </a:bodyPr>
           <a:p>
-            <a:endParaRPr b="0" lang="en-US" sz="8750" spc="-1" strike="noStrike">
-              <a:solidFill>
-                <a:srgbClr val="000000"/>
-              </a:solidFill>
-              <a:latin typeface="Times New Roman"/>
-            </a:endParaRPr>
-          </a:p>
-        </p:txBody>
-      </p:sp>
-      <p:sp>
-        <p:nvSpPr>
-          <p:cNvPr id="19" name="PlaceHolder 4"/>
+            <a:endParaRPr b="0" lang="en-US" sz="3200" spc="-1" strike="noStrike">
+              <a:latin typeface="Arial"/>
+            </a:endParaRPr>
+          </a:p>
+        </p:txBody>
+      </p:sp>
+      <p:sp>
+        <p:nvSpPr>
+          <p:cNvPr id="16" name="PlaceHolder 4"/>
           <p:cNvSpPr>
             <a:spLocks noGrp="1"/>
           </p:cNvSpPr>
@@ -1606,8 +1529,8 @@
         </p:nvSpPr>
         <p:spPr>
           <a:xfrm>
-            <a:off x="15966000" y="27533160"/>
-            <a:ext cx="12972600" cy="14143320"/>
+            <a:off x="15985080" y="22388760"/>
+            <a:ext cx="13734360" cy="11535480"/>
           </a:xfrm>
           <a:prstGeom prst="rect">
             <a:avLst/>
@@ -1618,11 +1541,8 @@
             <a:normAutofit/>
           </a:bodyPr>
           <a:p>
-            <a:endParaRPr b="0" lang="en-US" sz="8750" spc="-1" strike="noStrike">
-              <a:solidFill>
-                <a:srgbClr val="000000"/>
-              </a:solidFill>
-              <a:latin typeface="Times New Roman"/>
+            <a:endParaRPr b="0" lang="en-US" sz="3200" spc="-1" strike="noStrike">
+              <a:latin typeface="Arial"/>
             </a:endParaRPr>
           </a:p>
         </p:txBody>
@@ -1651,7 +1571,7 @@
       </p:grpSpPr>
       <p:sp>
         <p:nvSpPr>
-          <p:cNvPr id="20" name="PlaceHolder 1"/>
+          <p:cNvPr id="17" name="PlaceHolder 1"/>
           <p:cNvSpPr>
             <a:spLocks noGrp="1"/>
           </p:cNvSpPr>
@@ -1661,8 +1581,8 @@
         </p:nvSpPr>
         <p:spPr>
           <a:xfrm>
-            <a:off x="2344320" y="2318040"/>
-            <a:ext cx="26583480" cy="9727560"/>
+            <a:off x="1563480" y="1663560"/>
+            <a:ext cx="28144440" cy="6962760"/>
           </a:xfrm>
           <a:prstGeom prst="rect">
             <a:avLst/>
@@ -1671,18 +1591,16 @@
         <p:txBody>
           <a:bodyPr lIns="0" rIns="0" tIns="0" bIns="0" anchor="ctr"/>
           <a:p>
-            <a:endParaRPr b="0" lang="en-US" sz="2280" spc="-1" strike="noStrike">
-              <a:solidFill>
-                <a:srgbClr val="000000"/>
-              </a:solidFill>
-              <a:latin typeface="Times New Roman"/>
-            </a:endParaRPr>
-          </a:p>
-        </p:txBody>
-      </p:sp>
-      <p:sp>
-        <p:nvSpPr>
-          <p:cNvPr id="21" name="PlaceHolder 2"/>
+            <a:pPr algn="ctr"/>
+            <a:endParaRPr b="0" lang="en-US" sz="4400" spc="-1" strike="noStrike">
+              <a:latin typeface="Arial"/>
+            </a:endParaRPr>
+          </a:p>
+        </p:txBody>
+      </p:sp>
+      <p:sp>
+        <p:nvSpPr>
+          <p:cNvPr id="18" name="PlaceHolder 2"/>
           <p:cNvSpPr>
             <a:spLocks noGrp="1"/>
           </p:cNvSpPr>
@@ -1692,8 +1610,8 @@
         </p:nvSpPr>
         <p:spPr>
           <a:xfrm>
-            <a:off x="2344320" y="12045960"/>
-            <a:ext cx="12972600" cy="14143320"/>
+            <a:off x="1563480" y="9757080"/>
+            <a:ext cx="13734360" cy="11535480"/>
           </a:xfrm>
           <a:prstGeom prst="rect">
             <a:avLst/>
@@ -1704,18 +1622,15 @@
             <a:normAutofit/>
           </a:bodyPr>
           <a:p>
-            <a:endParaRPr b="0" lang="en-US" sz="8750" spc="-1" strike="noStrike">
-              <a:solidFill>
-                <a:srgbClr val="000000"/>
-              </a:solidFill>
-              <a:latin typeface="Times New Roman"/>
-            </a:endParaRPr>
-          </a:p>
-        </p:txBody>
-      </p:sp>
-      <p:sp>
-        <p:nvSpPr>
-          <p:cNvPr id="22" name="PlaceHolder 3"/>
+            <a:endParaRPr b="0" lang="en-US" sz="3200" spc="-1" strike="noStrike">
+              <a:latin typeface="Arial"/>
+            </a:endParaRPr>
+          </a:p>
+        </p:txBody>
+      </p:sp>
+      <p:sp>
+        <p:nvSpPr>
+          <p:cNvPr id="19" name="PlaceHolder 3"/>
           <p:cNvSpPr>
             <a:spLocks noGrp="1"/>
           </p:cNvSpPr>
@@ -1725,8 +1640,8 @@
         </p:nvSpPr>
         <p:spPr>
           <a:xfrm>
-            <a:off x="15966000" y="12045960"/>
-            <a:ext cx="12972600" cy="14143320"/>
+            <a:off x="15985080" y="9757080"/>
+            <a:ext cx="13734360" cy="11535480"/>
           </a:xfrm>
           <a:prstGeom prst="rect">
             <a:avLst/>
@@ -1737,18 +1652,15 @@
             <a:normAutofit/>
           </a:bodyPr>
           <a:p>
-            <a:endParaRPr b="0" lang="en-US" sz="8750" spc="-1" strike="noStrike">
-              <a:solidFill>
-                <a:srgbClr val="000000"/>
-              </a:solidFill>
-              <a:latin typeface="Times New Roman"/>
-            </a:endParaRPr>
-          </a:p>
-        </p:txBody>
-      </p:sp>
-      <p:sp>
-        <p:nvSpPr>
-          <p:cNvPr id="23" name="PlaceHolder 4"/>
+            <a:endParaRPr b="0" lang="en-US" sz="3200" spc="-1" strike="noStrike">
+              <a:latin typeface="Arial"/>
+            </a:endParaRPr>
+          </a:p>
+        </p:txBody>
+      </p:sp>
+      <p:sp>
+        <p:nvSpPr>
+          <p:cNvPr id="20" name="PlaceHolder 4"/>
           <p:cNvSpPr>
             <a:spLocks noGrp="1"/>
           </p:cNvSpPr>
@@ -1758,8 +1670,8 @@
         </p:nvSpPr>
         <p:spPr>
           <a:xfrm>
-            <a:off x="2344320" y="27533160"/>
-            <a:ext cx="26583480" cy="14143320"/>
+            <a:off x="1563480" y="22388760"/>
+            <a:ext cx="28144440" cy="11535480"/>
           </a:xfrm>
           <a:prstGeom prst="rect">
             <a:avLst/>
@@ -1770,11 +1682,8 @@
             <a:normAutofit/>
           </a:bodyPr>
           <a:p>
-            <a:endParaRPr b="0" lang="en-US" sz="8750" spc="-1" strike="noStrike">
-              <a:solidFill>
-                <a:srgbClr val="000000"/>
-              </a:solidFill>
-              <a:latin typeface="Times New Roman"/>
+            <a:endParaRPr b="0" lang="en-US" sz="3200" spc="-1" strike="noStrike">
+              <a:latin typeface="Arial"/>
             </a:endParaRPr>
           </a:p>
         </p:txBody>
@@ -1808,583 +1717,6 @@
           <a:chExt cx="0" cy="0"/>
         </a:xfrm>
       </p:grpSpPr>
-      <p:sp>
-        <p:nvSpPr>
-          <p:cNvPr id="0" name="PlaceHolder 1"/>
-          <p:cNvSpPr>
-            <a:spLocks noGrp="1"/>
-          </p:cNvSpPr>
-          <p:nvPr>
-            <p:ph type="title"/>
-          </p:nvPr>
-        </p:nvSpPr>
-        <p:spPr>
-          <a:xfrm>
-            <a:off x="2344320" y="2318040"/>
-            <a:ext cx="26583480" cy="9727560"/>
-          </a:xfrm>
-          <a:prstGeom prst="rect">
-            <a:avLst/>
-          </a:prstGeom>
-        </p:spPr>
-        <p:txBody>
-          <a:bodyPr lIns="248760" rIns="506880" tIns="248760" bIns="248760" anchor="ctr"/>
-          <a:p>
-            <a:pPr marL="3600" indent="-3240" algn="ctr">
-              <a:lnSpc>
-                <a:spcPct val="100000"/>
-              </a:lnSpc>
-            </a:pPr>
-            <a:r>
-              <a:rPr b="0" lang="en-US" sz="12110" spc="-1" strike="noStrike">
-                <a:solidFill>
-                  <a:srgbClr val="000000"/>
-                </a:solidFill>
-                <a:latin typeface="Times New Roman"/>
-                <a:ea typeface="ヒラギノ明朝 ProN W3"/>
-              </a:rPr>
-              <a:t>C</a:t>
-            </a:r>
-            <a:r>
-              <a:rPr b="0" lang="en-US" sz="12110" spc="-1" strike="noStrike">
-                <a:solidFill>
-                  <a:srgbClr val="000000"/>
-                </a:solidFill>
-                <a:latin typeface="Times New Roman"/>
-                <a:ea typeface="ヒラギノ明朝 ProN W3"/>
-              </a:rPr>
-              <a:t>l</a:t>
-            </a:r>
-            <a:r>
-              <a:rPr b="0" lang="en-US" sz="12110" spc="-1" strike="noStrike">
-                <a:solidFill>
-                  <a:srgbClr val="000000"/>
-                </a:solidFill>
-                <a:latin typeface="Times New Roman"/>
-                <a:ea typeface="ヒラギノ明朝 ProN W3"/>
-              </a:rPr>
-              <a:t>i</a:t>
-            </a:r>
-            <a:r>
-              <a:rPr b="0" lang="en-US" sz="12110" spc="-1" strike="noStrike">
-                <a:solidFill>
-                  <a:srgbClr val="000000"/>
-                </a:solidFill>
-                <a:latin typeface="Times New Roman"/>
-                <a:ea typeface="ヒラギノ明朝 ProN W3"/>
-              </a:rPr>
-              <a:t>c</a:t>
-            </a:r>
-            <a:r>
-              <a:rPr b="0" lang="en-US" sz="12110" spc="-1" strike="noStrike">
-                <a:solidFill>
-                  <a:srgbClr val="000000"/>
-                </a:solidFill>
-                <a:latin typeface="Times New Roman"/>
-                <a:ea typeface="ヒラギノ明朝 ProN W3"/>
-              </a:rPr>
-              <a:t>k</a:t>
-            </a:r>
-            <a:r>
-              <a:rPr b="0" lang="en-US" sz="12110" spc="-1" strike="noStrike">
-                <a:solidFill>
-                  <a:srgbClr val="000000"/>
-                </a:solidFill>
-                <a:latin typeface="Times New Roman"/>
-                <a:ea typeface="ヒラギノ明朝 ProN W3"/>
-              </a:rPr>
-              <a:t> </a:t>
-            </a:r>
-            <a:r>
-              <a:rPr b="0" lang="en-US" sz="12110" spc="-1" strike="noStrike">
-                <a:solidFill>
-                  <a:srgbClr val="000000"/>
-                </a:solidFill>
-                <a:latin typeface="Times New Roman"/>
-                <a:ea typeface="ヒラギノ明朝 ProN W3"/>
-              </a:rPr>
-              <a:t>t</a:t>
-            </a:r>
-            <a:r>
-              <a:rPr b="0" lang="en-US" sz="12110" spc="-1" strike="noStrike">
-                <a:solidFill>
-                  <a:srgbClr val="000000"/>
-                </a:solidFill>
-                <a:latin typeface="Times New Roman"/>
-                <a:ea typeface="ヒラギノ明朝 ProN W3"/>
-              </a:rPr>
-              <a:t>o</a:t>
-            </a:r>
-            <a:r>
-              <a:rPr b="0" lang="en-US" sz="12110" spc="-1" strike="noStrike">
-                <a:solidFill>
-                  <a:srgbClr val="000000"/>
-                </a:solidFill>
-                <a:latin typeface="Times New Roman"/>
-                <a:ea typeface="ヒラギノ明朝 ProN W3"/>
-              </a:rPr>
-              <a:t> </a:t>
-            </a:r>
-            <a:r>
-              <a:rPr b="0" lang="en-US" sz="12110" spc="-1" strike="noStrike">
-                <a:solidFill>
-                  <a:srgbClr val="000000"/>
-                </a:solidFill>
-                <a:latin typeface="Times New Roman"/>
-                <a:ea typeface="ヒラギノ明朝 ProN W3"/>
-              </a:rPr>
-              <a:t>e</a:t>
-            </a:r>
-            <a:r>
-              <a:rPr b="0" lang="en-US" sz="12110" spc="-1" strike="noStrike">
-                <a:solidFill>
-                  <a:srgbClr val="000000"/>
-                </a:solidFill>
-                <a:latin typeface="Times New Roman"/>
-                <a:ea typeface="ヒラギノ明朝 ProN W3"/>
-              </a:rPr>
-              <a:t>d</a:t>
-            </a:r>
-            <a:r>
-              <a:rPr b="0" lang="en-US" sz="12110" spc="-1" strike="noStrike">
-                <a:solidFill>
-                  <a:srgbClr val="000000"/>
-                </a:solidFill>
-                <a:latin typeface="Times New Roman"/>
-                <a:ea typeface="ヒラギノ明朝 ProN W3"/>
-              </a:rPr>
-              <a:t>i</a:t>
-            </a:r>
-            <a:r>
-              <a:rPr b="0" lang="en-US" sz="12110" spc="-1" strike="noStrike">
-                <a:solidFill>
-                  <a:srgbClr val="000000"/>
-                </a:solidFill>
-                <a:latin typeface="Times New Roman"/>
-                <a:ea typeface="ヒラギノ明朝 ProN W3"/>
-              </a:rPr>
-              <a:t>t</a:t>
-            </a:r>
-            <a:r>
-              <a:rPr b="0" lang="en-US" sz="12110" spc="-1" strike="noStrike">
-                <a:solidFill>
-                  <a:srgbClr val="000000"/>
-                </a:solidFill>
-                <a:latin typeface="Times New Roman"/>
-                <a:ea typeface="ヒラギノ明朝 ProN W3"/>
-              </a:rPr>
-              <a:t> </a:t>
-            </a:r>
-            <a:r>
-              <a:rPr b="0" lang="en-US" sz="12110" spc="-1" strike="noStrike">
-                <a:solidFill>
-                  <a:srgbClr val="000000"/>
-                </a:solidFill>
-                <a:latin typeface="Times New Roman"/>
-                <a:ea typeface="ヒラギノ明朝 ProN W3"/>
-              </a:rPr>
-              <a:t>M</a:t>
-            </a:r>
-            <a:r>
-              <a:rPr b="0" lang="en-US" sz="12110" spc="-1" strike="noStrike">
-                <a:solidFill>
-                  <a:srgbClr val="000000"/>
-                </a:solidFill>
-                <a:latin typeface="Times New Roman"/>
-                <a:ea typeface="ヒラギノ明朝 ProN W3"/>
-              </a:rPr>
-              <a:t>a</a:t>
-            </a:r>
-            <a:r>
-              <a:rPr b="0" lang="en-US" sz="12110" spc="-1" strike="noStrike">
-                <a:solidFill>
-                  <a:srgbClr val="000000"/>
-                </a:solidFill>
-                <a:latin typeface="Times New Roman"/>
-                <a:ea typeface="ヒラギノ明朝 ProN W3"/>
-              </a:rPr>
-              <a:t>s</a:t>
-            </a:r>
-            <a:r>
-              <a:rPr b="0" lang="en-US" sz="12110" spc="-1" strike="noStrike">
-                <a:solidFill>
-                  <a:srgbClr val="000000"/>
-                </a:solidFill>
-                <a:latin typeface="Times New Roman"/>
-                <a:ea typeface="ヒラギノ明朝 ProN W3"/>
-              </a:rPr>
-              <a:t>t</a:t>
-            </a:r>
-            <a:r>
-              <a:rPr b="0" lang="en-US" sz="12110" spc="-1" strike="noStrike">
-                <a:solidFill>
-                  <a:srgbClr val="000000"/>
-                </a:solidFill>
-                <a:latin typeface="Times New Roman"/>
-                <a:ea typeface="ヒラギノ明朝 ProN W3"/>
-              </a:rPr>
-              <a:t>e</a:t>
-            </a:r>
-            <a:r>
-              <a:rPr b="0" lang="en-US" sz="12110" spc="-1" strike="noStrike">
-                <a:solidFill>
-                  <a:srgbClr val="000000"/>
-                </a:solidFill>
-                <a:latin typeface="Times New Roman"/>
-                <a:ea typeface="ヒラギノ明朝 ProN W3"/>
-              </a:rPr>
-              <a:t>r</a:t>
-            </a:r>
-            <a:r>
-              <a:rPr b="0" lang="en-US" sz="12110" spc="-1" strike="noStrike">
-                <a:solidFill>
-                  <a:srgbClr val="000000"/>
-                </a:solidFill>
-                <a:latin typeface="Times New Roman"/>
-                <a:ea typeface="ヒラギノ明朝 ProN W3"/>
-              </a:rPr>
-              <a:t> </a:t>
-            </a:r>
-            <a:r>
-              <a:rPr b="0" lang="en-US" sz="12110" spc="-1" strike="noStrike">
-                <a:solidFill>
-                  <a:srgbClr val="000000"/>
-                </a:solidFill>
-                <a:latin typeface="Times New Roman"/>
-                <a:ea typeface="ヒラギノ明朝 ProN W3"/>
-              </a:rPr>
-              <a:t>t</a:t>
-            </a:r>
-            <a:r>
-              <a:rPr b="0" lang="en-US" sz="12110" spc="-1" strike="noStrike">
-                <a:solidFill>
-                  <a:srgbClr val="000000"/>
-                </a:solidFill>
-                <a:latin typeface="Times New Roman"/>
-                <a:ea typeface="ヒラギノ明朝 ProN W3"/>
-              </a:rPr>
-              <a:t>i</a:t>
-            </a:r>
-            <a:r>
-              <a:rPr b="0" lang="en-US" sz="12110" spc="-1" strike="noStrike">
-                <a:solidFill>
-                  <a:srgbClr val="000000"/>
-                </a:solidFill>
-                <a:latin typeface="Times New Roman"/>
-                <a:ea typeface="ヒラギノ明朝 ProN W3"/>
-              </a:rPr>
-              <a:t>t</a:t>
-            </a:r>
-            <a:r>
-              <a:rPr b="0" lang="en-US" sz="12110" spc="-1" strike="noStrike">
-                <a:solidFill>
-                  <a:srgbClr val="000000"/>
-                </a:solidFill>
-                <a:latin typeface="Times New Roman"/>
-                <a:ea typeface="ヒラギノ明朝 ProN W3"/>
-              </a:rPr>
-              <a:t>l</a:t>
-            </a:r>
-            <a:r>
-              <a:rPr b="0" lang="en-US" sz="12110" spc="-1" strike="noStrike">
-                <a:solidFill>
-                  <a:srgbClr val="000000"/>
-                </a:solidFill>
-                <a:latin typeface="Times New Roman"/>
-                <a:ea typeface="ヒラギノ明朝 ProN W3"/>
-              </a:rPr>
-              <a:t>e</a:t>
-            </a:r>
-            <a:r>
-              <a:rPr b="0" lang="en-US" sz="12110" spc="-1" strike="noStrike">
-                <a:solidFill>
-                  <a:srgbClr val="000000"/>
-                </a:solidFill>
-                <a:latin typeface="Times New Roman"/>
-                <a:ea typeface="ヒラギノ明朝 ProN W3"/>
-              </a:rPr>
-              <a:t> </a:t>
-            </a:r>
-            <a:r>
-              <a:rPr b="0" lang="en-US" sz="12110" spc="-1" strike="noStrike">
-                <a:solidFill>
-                  <a:srgbClr val="000000"/>
-                </a:solidFill>
-                <a:latin typeface="Times New Roman"/>
-                <a:ea typeface="ヒラギノ明朝 ProN W3"/>
-              </a:rPr>
-              <a:t>s</a:t>
-            </a:r>
-            <a:r>
-              <a:rPr b="0" lang="en-US" sz="12110" spc="-1" strike="noStrike">
-                <a:solidFill>
-                  <a:srgbClr val="000000"/>
-                </a:solidFill>
-                <a:latin typeface="Times New Roman"/>
-                <a:ea typeface="ヒラギノ明朝 ProN W3"/>
-              </a:rPr>
-              <a:t>t</a:t>
-            </a:r>
-            <a:r>
-              <a:rPr b="0" lang="en-US" sz="12110" spc="-1" strike="noStrike">
-                <a:solidFill>
-                  <a:srgbClr val="000000"/>
-                </a:solidFill>
-                <a:latin typeface="Times New Roman"/>
-                <a:ea typeface="ヒラギノ明朝 ProN W3"/>
-              </a:rPr>
-              <a:t>y</a:t>
-            </a:r>
-            <a:r>
-              <a:rPr b="0" lang="en-US" sz="12110" spc="-1" strike="noStrike">
-                <a:solidFill>
-                  <a:srgbClr val="000000"/>
-                </a:solidFill>
-                <a:latin typeface="Times New Roman"/>
-                <a:ea typeface="ヒラギノ明朝 ProN W3"/>
-              </a:rPr>
-              <a:t>l</a:t>
-            </a:r>
-            <a:r>
-              <a:rPr b="0" lang="en-US" sz="12110" spc="-1" strike="noStrike">
-                <a:solidFill>
-                  <a:srgbClr val="000000"/>
-                </a:solidFill>
-                <a:latin typeface="Times New Roman"/>
-                <a:ea typeface="ヒラギノ明朝 ProN W3"/>
-              </a:rPr>
-              <a:t>e</a:t>
-            </a:r>
-            <a:endParaRPr b="0" lang="en-US" sz="12110" spc="-1" strike="noStrike">
-              <a:solidFill>
-                <a:srgbClr val="000000"/>
-              </a:solidFill>
-              <a:latin typeface="Times New Roman"/>
-            </a:endParaRPr>
-          </a:p>
-        </p:txBody>
-      </p:sp>
-      <p:sp>
-        <p:nvSpPr>
-          <p:cNvPr id="1" name="PlaceHolder 2"/>
-          <p:cNvSpPr>
-            <a:spLocks noGrp="1"/>
-          </p:cNvSpPr>
-          <p:nvPr>
-            <p:ph type="body"/>
-          </p:nvPr>
-        </p:nvSpPr>
-        <p:spPr>
-          <a:xfrm>
-            <a:off x="2344320" y="12045960"/>
-            <a:ext cx="26583480" cy="29651040"/>
-          </a:xfrm>
-          <a:prstGeom prst="rect">
-            <a:avLst/>
-          </a:prstGeom>
-        </p:spPr>
-        <p:txBody>
-          <a:bodyPr lIns="248760" rIns="506880" tIns="248760" bIns="248760"/>
-          <a:p>
-            <a:pPr marL="943920" indent="-938880">
-              <a:lnSpc>
-                <a:spcPct val="100000"/>
-              </a:lnSpc>
-              <a:spcBef>
-                <a:spcPts val="2120"/>
-              </a:spcBef>
-              <a:buClr>
-                <a:srgbClr val="000000"/>
-              </a:buClr>
-              <a:buFont typeface="Times"/>
-              <a:buChar char="•"/>
-            </a:pPr>
-            <a:r>
-              <a:rPr b="0" lang="en-US" sz="8750" spc="-1" strike="noStrike">
-                <a:solidFill>
-                  <a:srgbClr val="000000"/>
-                </a:solidFill>
-                <a:latin typeface="Times New Roman"/>
-                <a:ea typeface="ヒラギノ明朝 ProN W3"/>
-              </a:rPr>
-              <a:t>Click to edit Master text styles</a:t>
-            </a:r>
-            <a:endParaRPr b="0" lang="en-US" sz="8750" spc="-1" strike="noStrike">
-              <a:solidFill>
-                <a:srgbClr val="000000"/>
-              </a:solidFill>
-              <a:latin typeface="Times New Roman"/>
-            </a:endParaRPr>
-          </a:p>
-          <a:p>
-            <a:pPr lvl="1" marL="2039760" indent="-781560">
-              <a:lnSpc>
-                <a:spcPct val="100000"/>
-              </a:lnSpc>
-              <a:spcBef>
-                <a:spcPts val="1848"/>
-              </a:spcBef>
-              <a:buClr>
-                <a:srgbClr val="000000"/>
-              </a:buClr>
-              <a:buFont typeface="Times"/>
-              <a:buChar char="–"/>
-            </a:pPr>
-            <a:r>
-              <a:rPr b="0" lang="en-US" sz="7610" spc="-1" strike="noStrike">
-                <a:solidFill>
-                  <a:srgbClr val="000000"/>
-                </a:solidFill>
-                <a:latin typeface="Times New Roman"/>
-                <a:ea typeface="ヒラギノ明朝 ProN W3"/>
-              </a:rPr>
-              <a:t>Second level</a:t>
-            </a:r>
-            <a:endParaRPr b="0" lang="en-US" sz="7610" spc="-1" strike="noStrike">
-              <a:solidFill>
-                <a:srgbClr val="000000"/>
-              </a:solidFill>
-              <a:latin typeface="Times New Roman"/>
-            </a:endParaRPr>
-          </a:p>
-          <a:p>
-            <a:pPr lvl="2" marL="3135960" indent="-625680">
-              <a:lnSpc>
-                <a:spcPct val="100000"/>
-              </a:lnSpc>
-              <a:spcBef>
-                <a:spcPts val="1568"/>
-              </a:spcBef>
-              <a:buClr>
-                <a:srgbClr val="000000"/>
-              </a:buClr>
-              <a:buFont typeface="Times"/>
-              <a:buChar char="•"/>
-            </a:pPr>
-            <a:r>
-              <a:rPr b="0" lang="en-US" sz="6630" spc="-1" strike="noStrike">
-                <a:solidFill>
-                  <a:srgbClr val="000000"/>
-                </a:solidFill>
-                <a:latin typeface="Times New Roman"/>
-                <a:ea typeface="ヒラギノ明朝 ProN W3"/>
-              </a:rPr>
-              <a:t>Third level</a:t>
-            </a:r>
-            <a:endParaRPr b="0" lang="en-US" sz="6630" spc="-1" strike="noStrike">
-              <a:solidFill>
-                <a:srgbClr val="000000"/>
-              </a:solidFill>
-              <a:latin typeface="Times New Roman"/>
-            </a:endParaRPr>
-          </a:p>
-          <a:p>
-            <a:pPr lvl="3" marL="4388760" indent="-624960">
-              <a:lnSpc>
-                <a:spcPct val="100000"/>
-              </a:lnSpc>
-              <a:spcBef>
-                <a:spcPts val="1341"/>
-              </a:spcBef>
-              <a:buClr>
-                <a:srgbClr val="000000"/>
-              </a:buClr>
-              <a:buFont typeface="Times"/>
-              <a:buChar char="–"/>
-            </a:pPr>
-            <a:r>
-              <a:rPr b="0" lang="en-US" sz="5440" spc="-1" strike="noStrike">
-                <a:solidFill>
-                  <a:srgbClr val="000000"/>
-                </a:solidFill>
-                <a:latin typeface="Times New Roman"/>
-                <a:ea typeface="ヒラギノ明朝 ProN W3"/>
-              </a:rPr>
-              <a:t>Fourth level</a:t>
-            </a:r>
-            <a:endParaRPr b="0" lang="en-US" sz="5440" spc="-1" strike="noStrike">
-              <a:solidFill>
-                <a:srgbClr val="000000"/>
-              </a:solidFill>
-              <a:latin typeface="Times New Roman"/>
-            </a:endParaRPr>
-          </a:p>
-          <a:p>
-            <a:pPr lvl="4" marL="5642280" indent="-625680">
-              <a:lnSpc>
-                <a:spcPct val="100000"/>
-              </a:lnSpc>
-              <a:spcBef>
-                <a:spcPts val="1341"/>
-              </a:spcBef>
-              <a:buClr>
-                <a:srgbClr val="000000"/>
-              </a:buClr>
-              <a:buFont typeface="Times"/>
-              <a:buChar char="»"/>
-            </a:pPr>
-            <a:r>
-              <a:rPr b="0" lang="en-US" sz="5440" spc="-1" strike="noStrike">
-                <a:solidFill>
-                  <a:srgbClr val="000000"/>
-                </a:solidFill>
-                <a:latin typeface="Times New Roman"/>
-                <a:ea typeface="ヒラギノ明朝 ProN W3"/>
-              </a:rPr>
-              <a:t>Fifth level</a:t>
-            </a:r>
-            <a:endParaRPr b="0" lang="en-US" sz="5440" spc="-1" strike="noStrike">
-              <a:solidFill>
-                <a:srgbClr val="000000"/>
-              </a:solidFill>
-              <a:latin typeface="Times New Roman"/>
-            </a:endParaRPr>
-          </a:p>
-        </p:txBody>
-      </p:sp>
-      <p:sp>
-        <p:nvSpPr>
-          <p:cNvPr id="2" name="PlaceHolder 3"/>
-          <p:cNvSpPr>
-            <a:spLocks noGrp="1"/>
-          </p:cNvSpPr>
-          <p:nvPr>
-            <p:ph type="sldNum"/>
-          </p:nvPr>
-        </p:nvSpPr>
-        <p:spPr>
-          <a:xfrm>
-            <a:off x="25099920" y="37989360"/>
-            <a:ext cx="1139760" cy="1959120"/>
-          </a:xfrm>
-          <a:prstGeom prst="rect">
-            <a:avLst/>
-          </a:prstGeom>
-        </p:spPr>
-        <p:txBody>
-          <a:bodyPr lIns="85320" rIns="85320" tIns="42840" bIns="42840"/>
-          <a:p>
-            <a:pPr algn="ctr">
-              <a:lnSpc>
-                <a:spcPct val="100000"/>
-              </a:lnSpc>
-            </a:pPr>
-            <a:fld id="{CDF31FA0-CC1F-4EB4-9FA3-97883229EF92}" type="slidenum">
-              <a:rPr b="0" lang="en-US" sz="3809" spc="-1" strike="noStrike">
-                <a:solidFill>
-                  <a:srgbClr val="000000"/>
-                </a:solidFill>
-                <a:latin typeface="Times New Roman"/>
-                <a:ea typeface="Times New Roman"/>
-              </a:rPr>
-              <a:t>&lt;number&gt;</a:t>
-            </a:fld>
-            <a:endParaRPr b="0" lang="en-US" sz="3809" spc="-1" strike="noStrike">
-              <a:latin typeface="Times New Roman"/>
-            </a:endParaRPr>
-          </a:p>
-        </p:txBody>
-      </p:sp>
     </p:spTree>
   </p:cSld>
   <p:clrMap bg1="lt1" bg2="lt2" tx1="dk1" tx2="dk2" accent1="accent1" accent2="accent2" accent3="accent3" accent4="accent4" accent5="accent5" accent6="accent6" hlink="hlink" folHlink="folHlink"/>
@@ -2424,28 +1756,28 @@
       </p:grpSpPr>
       <p:grpSp>
         <p:nvGrpSpPr>
-          <p:cNvPr id="45" name="Group 1"/>
+          <p:cNvPr id="42" name="Group 1"/>
           <p:cNvGrpSpPr/>
           <p:nvPr/>
         </p:nvGrpSpPr>
         <p:grpSpPr>
           <a:xfrm>
             <a:off x="613800" y="3961440"/>
-            <a:ext cx="9600480" cy="19839600"/>
+            <a:ext cx="9600120" cy="19839240"/>
             <a:chOff x="613800" y="3961440"/>
-            <a:chExt cx="9600480" cy="19839600"/>
+            <a:chExt cx="9600120" cy="19839240"/>
           </a:xfrm>
         </p:grpSpPr>
         <p:sp>
           <p:nvSpPr>
-            <p:cNvPr id="46" name="CustomShape 2"/>
+            <p:cNvPr id="43" name="CustomShape 2"/>
             <p:cNvSpPr/>
             <p:nvPr/>
           </p:nvSpPr>
           <p:spPr>
             <a:xfrm>
               <a:off x="617760" y="4700520"/>
-              <a:ext cx="9596520" cy="19100520"/>
+              <a:ext cx="9596160" cy="19100160"/>
             </a:xfrm>
             <a:prstGeom prst="rect">
               <a:avLst/>
@@ -2547,14 +1879,14 @@
         </p:sp>
         <p:sp>
           <p:nvSpPr>
-            <p:cNvPr id="47" name="CustomShape 3"/>
+            <p:cNvPr id="44" name="CustomShape 3"/>
             <p:cNvSpPr/>
             <p:nvPr/>
           </p:nvSpPr>
           <p:spPr>
             <a:xfrm>
               <a:off x="613800" y="3961440"/>
-              <a:ext cx="9596520" cy="776880"/>
+              <a:ext cx="9596160" cy="776520"/>
             </a:xfrm>
             <a:prstGeom prst="rect">
               <a:avLst/>
@@ -2599,14 +1931,14 @@
       </p:grpSp>
       <p:sp>
         <p:nvSpPr>
-          <p:cNvPr id="48" name="CustomShape 4"/>
+          <p:cNvPr id="45" name="CustomShape 4"/>
           <p:cNvSpPr/>
           <p:nvPr/>
         </p:nvSpPr>
         <p:spPr>
           <a:xfrm>
             <a:off x="3609360" y="849960"/>
-            <a:ext cx="23041440" cy="2959920"/>
+            <a:ext cx="23041080" cy="2959560"/>
           </a:xfrm>
           <a:prstGeom prst="rect">
             <a:avLst/>
@@ -2769,7 +2101,7 @@
       </p:sp>
       <p:pic>
         <p:nvPicPr>
-          <p:cNvPr id="49" name="Picture 17" descr=""/>
+          <p:cNvPr id="46" name="Picture 17" descr=""/>
           <p:cNvPicPr/>
           <p:nvPr/>
         </p:nvPicPr>
@@ -2780,7 +2112,7 @@
         <p:spPr>
           <a:xfrm>
             <a:off x="1034640" y="698400"/>
-            <a:ext cx="3754800" cy="703800"/>
+            <a:ext cx="3754440" cy="703440"/>
           </a:xfrm>
           <a:prstGeom prst="rect">
             <a:avLst/>
@@ -2792,28 +2124,28 @@
       </p:pic>
       <p:grpSp>
         <p:nvGrpSpPr>
-          <p:cNvPr id="50" name="Group 5"/>
+          <p:cNvPr id="47" name="Group 5"/>
           <p:cNvGrpSpPr/>
           <p:nvPr/>
         </p:nvGrpSpPr>
         <p:grpSpPr>
           <a:xfrm>
             <a:off x="-360" y="0"/>
-            <a:ext cx="31272120" cy="41697000"/>
+            <a:ext cx="31271760" cy="41696640"/>
             <a:chOff x="-360" y="0"/>
-            <a:chExt cx="31272120" cy="41697000"/>
+            <a:chExt cx="31271760" cy="41696640"/>
           </a:xfrm>
         </p:grpSpPr>
         <p:sp>
           <p:nvSpPr>
-            <p:cNvPr id="51" name="CustomShape 6"/>
+            <p:cNvPr id="48" name="CustomShape 6"/>
             <p:cNvSpPr/>
             <p:nvPr/>
           </p:nvSpPr>
           <p:spPr>
             <a:xfrm>
               <a:off x="0" y="0"/>
-              <a:ext cx="273960" cy="41696280"/>
+              <a:ext cx="273600" cy="41695920"/>
             </a:xfrm>
             <a:prstGeom prst="rect">
               <a:avLst/>
@@ -2834,14 +2166,14 @@
         </p:sp>
         <p:sp>
           <p:nvSpPr>
-            <p:cNvPr id="52" name="CustomShape 7"/>
+            <p:cNvPr id="49" name="CustomShape 7"/>
             <p:cNvSpPr/>
             <p:nvPr/>
           </p:nvSpPr>
           <p:spPr>
             <a:xfrm>
               <a:off x="-360" y="0"/>
-              <a:ext cx="31272120" cy="273960"/>
+              <a:ext cx="31271760" cy="273600"/>
             </a:xfrm>
             <a:prstGeom prst="rect">
               <a:avLst/>
@@ -2862,14 +2194,14 @@
         </p:sp>
         <p:sp>
           <p:nvSpPr>
-            <p:cNvPr id="53" name="CustomShape 8"/>
+            <p:cNvPr id="50" name="CustomShape 8"/>
             <p:cNvSpPr/>
             <p:nvPr/>
           </p:nvSpPr>
           <p:spPr>
             <a:xfrm>
               <a:off x="-360" y="41423040"/>
-              <a:ext cx="31272120" cy="273960"/>
+              <a:ext cx="31271760" cy="273600"/>
             </a:xfrm>
             <a:prstGeom prst="rect">
               <a:avLst/>
@@ -2890,14 +2222,14 @@
         </p:sp>
         <p:sp>
           <p:nvSpPr>
-            <p:cNvPr id="54" name="CustomShape 9"/>
+            <p:cNvPr id="51" name="CustomShape 9"/>
             <p:cNvSpPr/>
             <p:nvPr/>
           </p:nvSpPr>
           <p:spPr>
             <a:xfrm>
               <a:off x="30997800" y="720"/>
-              <a:ext cx="273960" cy="41696280"/>
+              <a:ext cx="273600" cy="41695920"/>
             </a:xfrm>
             <a:prstGeom prst="rect">
               <a:avLst/>
@@ -2919,14 +2251,14 @@
       </p:grpSp>
       <p:sp>
         <p:nvSpPr>
-          <p:cNvPr id="55" name="CustomShape 10"/>
+          <p:cNvPr id="52" name="CustomShape 10"/>
           <p:cNvSpPr/>
           <p:nvPr/>
         </p:nvSpPr>
         <p:spPr>
           <a:xfrm>
             <a:off x="17888400" y="26460000"/>
-            <a:ext cx="183960" cy="426600"/>
+            <a:ext cx="183600" cy="426240"/>
           </a:xfrm>
           <a:prstGeom prst="rect">
             <a:avLst/>
@@ -2943,7 +2275,7 @@
           <a:fontRef idx="minor"/>
         </p:style>
         <p:txBody>
-          <a:bodyPr wrap="none" anchor="ctr"/>
+          <a:bodyPr wrap="none" lIns="90000" rIns="90000" tIns="45000" bIns="45000" anchor="ctr"/>
           <a:p>
             <a:pPr>
               <a:lnSpc>
@@ -2951,22 +2283,22 @@
               </a:lnSpc>
             </a:pPr>
             <a:br/>
-            <a:endParaRPr b="0" lang="en-US" sz="2280" spc="-1" strike="noStrike">
-              <a:latin typeface="Arial"/>
-            </a:endParaRPr>
-          </a:p>
-        </p:txBody>
-      </p:sp>
-      <p:sp>
-        <p:nvSpPr>
-          <p:cNvPr id="56" name="CustomShape 11"/>
+            <a:endParaRPr b="0" lang="en-US" sz="1800" spc="-1" strike="noStrike">
+              <a:latin typeface="Arial"/>
+            </a:endParaRPr>
+          </a:p>
+        </p:txBody>
+      </p:sp>
+      <p:sp>
+        <p:nvSpPr>
+          <p:cNvPr id="53" name="CustomShape 11"/>
           <p:cNvSpPr/>
           <p:nvPr/>
         </p:nvSpPr>
         <p:spPr>
           <a:xfrm>
             <a:off x="17888400" y="26460000"/>
-            <a:ext cx="183960" cy="426600"/>
+            <a:ext cx="183600" cy="426240"/>
           </a:xfrm>
           <a:prstGeom prst="rect">
             <a:avLst/>
@@ -2983,7 +2315,7 @@
           <a:fontRef idx="minor"/>
         </p:style>
         <p:txBody>
-          <a:bodyPr wrap="none" anchor="ctr"/>
+          <a:bodyPr wrap="none" lIns="90000" rIns="90000" tIns="45000" bIns="45000" anchor="ctr"/>
           <a:p>
             <a:pPr>
               <a:lnSpc>
@@ -2991,22 +2323,22 @@
               </a:lnSpc>
             </a:pPr>
             <a:br/>
-            <a:endParaRPr b="0" lang="en-US" sz="2280" spc="-1" strike="noStrike">
-              <a:latin typeface="Arial"/>
-            </a:endParaRPr>
-          </a:p>
-        </p:txBody>
-      </p:sp>
-      <p:sp>
-        <p:nvSpPr>
-          <p:cNvPr id="57" name="CustomShape 12"/>
+            <a:endParaRPr b="0" lang="en-US" sz="1800" spc="-1" strike="noStrike">
+              <a:latin typeface="Arial"/>
+            </a:endParaRPr>
+          </a:p>
+        </p:txBody>
+      </p:sp>
+      <p:sp>
+        <p:nvSpPr>
+          <p:cNvPr id="54" name="CustomShape 12"/>
           <p:cNvSpPr/>
           <p:nvPr/>
         </p:nvSpPr>
         <p:spPr>
           <a:xfrm>
             <a:off x="21096720" y="26062920"/>
-            <a:ext cx="9596520" cy="461160"/>
+            <a:ext cx="9596160" cy="460800"/>
           </a:xfrm>
           <a:prstGeom prst="rect">
             <a:avLst/>
@@ -3025,14 +2357,14 @@
       </p:sp>
       <p:sp>
         <p:nvSpPr>
-          <p:cNvPr id="58" name="CustomShape 13"/>
+          <p:cNvPr id="55" name="CustomShape 13"/>
           <p:cNvSpPr/>
           <p:nvPr/>
         </p:nvSpPr>
         <p:spPr>
           <a:xfrm>
             <a:off x="10684080" y="4905360"/>
-            <a:ext cx="9600840" cy="639000"/>
+            <a:ext cx="9600480" cy="638640"/>
           </a:xfrm>
           <a:prstGeom prst="rect">
             <a:avLst/>
@@ -3075,14 +2407,14 @@
       </p:sp>
       <p:sp>
         <p:nvSpPr>
-          <p:cNvPr id="59" name="CustomShape 14"/>
+          <p:cNvPr id="56" name="CustomShape 14"/>
           <p:cNvSpPr/>
           <p:nvPr/>
         </p:nvSpPr>
         <p:spPr>
           <a:xfrm>
             <a:off x="10684080" y="3961080"/>
-            <a:ext cx="19742760" cy="776880"/>
+            <a:ext cx="19742400" cy="776520"/>
           </a:xfrm>
           <a:prstGeom prst="rect">
             <a:avLst/>
@@ -3126,14 +2458,14 @@
       </p:sp>
       <p:sp>
         <p:nvSpPr>
-          <p:cNvPr id="60" name="CustomShape 15"/>
+          <p:cNvPr id="57" name="CustomShape 15"/>
           <p:cNvSpPr/>
           <p:nvPr/>
         </p:nvSpPr>
         <p:spPr>
           <a:xfrm>
             <a:off x="10581840" y="15334560"/>
-            <a:ext cx="10024200" cy="4538880"/>
+            <a:ext cx="10023840" cy="4538520"/>
           </a:xfrm>
           <a:prstGeom prst="rect">
             <a:avLst/>
@@ -3166,7 +2498,7 @@
                 <a:latin typeface="Arial"/>
                 <a:ea typeface="ヒラギノ明朝 ProN W3"/>
               </a:rPr>
-              <a:t>Exploratory The Data</a:t>
+              <a:t>Exploratory Data Analysis</a:t>
             </a:r>
             <a:endParaRPr b="0" lang="en-US" sz="3600" spc="-1" strike="noStrike">
               <a:latin typeface="Arial"/>
@@ -3256,14 +2588,14 @@
       </p:sp>
       <p:sp>
         <p:nvSpPr>
-          <p:cNvPr id="61" name="CustomShape 16"/>
+          <p:cNvPr id="58" name="CustomShape 16"/>
           <p:cNvSpPr/>
           <p:nvPr/>
         </p:nvSpPr>
         <p:spPr>
           <a:xfrm>
             <a:off x="631080" y="37841400"/>
-            <a:ext cx="14837760" cy="3529440"/>
+            <a:ext cx="14837400" cy="3529080"/>
           </a:xfrm>
           <a:prstGeom prst="rect">
             <a:avLst/>
@@ -3627,14 +2959,14 @@
       </p:sp>
       <p:sp>
         <p:nvSpPr>
-          <p:cNvPr id="62" name="CustomShape 17"/>
+          <p:cNvPr id="59" name="CustomShape 17"/>
           <p:cNvSpPr/>
           <p:nvPr/>
         </p:nvSpPr>
         <p:spPr>
           <a:xfrm>
             <a:off x="20715120" y="4884120"/>
-            <a:ext cx="9666360" cy="1065600"/>
+            <a:ext cx="9666000" cy="1065240"/>
           </a:xfrm>
           <a:prstGeom prst="rect">
             <a:avLst/>
@@ -3667,7 +2999,7 @@
                 <a:latin typeface="Arial"/>
                 <a:ea typeface="ヒラギノ明朝 ProN W3"/>
               </a:rPr>
-              <a:t>Model Application</a:t>
+              <a:t>Analysis</a:t>
             </a:r>
             <a:endParaRPr b="0" lang="en-US" sz="3600" spc="-1" strike="noStrike">
               <a:latin typeface="Arial"/>
@@ -3697,28 +3029,28 @@
       </p:sp>
       <p:grpSp>
         <p:nvGrpSpPr>
-          <p:cNvPr id="63" name="Group 18"/>
+          <p:cNvPr id="60" name="Group 18"/>
           <p:cNvGrpSpPr/>
           <p:nvPr/>
         </p:nvGrpSpPr>
         <p:grpSpPr>
           <a:xfrm>
             <a:off x="631080" y="24188760"/>
-            <a:ext cx="9605160" cy="10090800"/>
+            <a:ext cx="9604800" cy="10090440"/>
             <a:chOff x="631080" y="24188760"/>
-            <a:chExt cx="9605160" cy="10090800"/>
+            <a:chExt cx="9604800" cy="10090440"/>
           </a:xfrm>
         </p:grpSpPr>
         <p:sp>
           <p:nvSpPr>
-            <p:cNvPr id="64" name="CustomShape 19"/>
+            <p:cNvPr id="61" name="CustomShape 19"/>
             <p:cNvSpPr/>
             <p:nvPr/>
           </p:nvSpPr>
           <p:spPr>
             <a:xfrm>
               <a:off x="635400" y="24927840"/>
-              <a:ext cx="9600840" cy="9351720"/>
+              <a:ext cx="9600480" cy="9351360"/>
             </a:xfrm>
             <a:prstGeom prst="rect">
               <a:avLst/>
@@ -3767,7 +3099,7 @@
               </a:endParaRPr>
             </a:p>
             <a:p>
-              <a:pPr marL="514440" indent="-514080" algn="just">
+              <a:pPr marL="514440" indent="-513720" algn="just">
                 <a:lnSpc>
                   <a:spcPct val="100000"/>
                 </a:lnSpc>
@@ -3812,7 +3144,7 @@
               </a:endParaRPr>
             </a:p>
             <a:p>
-              <a:pPr marL="514440" indent="-514080" algn="just">
+              <a:pPr marL="514440" indent="-513720" algn="just">
                 <a:lnSpc>
                   <a:spcPct val="100000"/>
                 </a:lnSpc>
@@ -3850,14 +3182,14 @@
         </p:sp>
         <p:sp>
           <p:nvSpPr>
-            <p:cNvPr id="65" name="CustomShape 20"/>
+            <p:cNvPr id="62" name="CustomShape 20"/>
             <p:cNvSpPr/>
             <p:nvPr/>
           </p:nvSpPr>
           <p:spPr>
             <a:xfrm>
               <a:off x="631080" y="24188760"/>
-              <a:ext cx="9600840" cy="776880"/>
+              <a:ext cx="9600480" cy="776520"/>
             </a:xfrm>
             <a:prstGeom prst="rect">
               <a:avLst/>
@@ -3902,14 +3234,14 @@
       </p:grpSp>
       <p:sp>
         <p:nvSpPr>
-          <p:cNvPr id="66" name="CustomShape 21"/>
+          <p:cNvPr id="63" name="CustomShape 21"/>
           <p:cNvSpPr/>
           <p:nvPr/>
         </p:nvSpPr>
         <p:spPr>
           <a:xfrm>
             <a:off x="10665720" y="6007680"/>
-            <a:ext cx="1099080" cy="1911960"/>
+            <a:ext cx="1098720" cy="1911600"/>
           </a:xfrm>
           <a:prstGeom prst="downArrow">
             <a:avLst>
@@ -3936,14 +3268,14 @@
       </p:sp>
       <p:sp>
         <p:nvSpPr>
-          <p:cNvPr id="67" name="CustomShape 22"/>
+          <p:cNvPr id="64" name="CustomShape 22"/>
           <p:cNvSpPr/>
           <p:nvPr/>
         </p:nvSpPr>
         <p:spPr>
           <a:xfrm>
             <a:off x="10716840" y="8344800"/>
-            <a:ext cx="1099080" cy="1911960"/>
+            <a:ext cx="1098720" cy="1911600"/>
           </a:xfrm>
           <a:prstGeom prst="downArrow">
             <a:avLst>
@@ -3970,14 +3302,14 @@
       </p:sp>
       <p:sp>
         <p:nvSpPr>
-          <p:cNvPr id="68" name="CustomShape 23"/>
+          <p:cNvPr id="65" name="CustomShape 23"/>
           <p:cNvSpPr/>
           <p:nvPr/>
         </p:nvSpPr>
         <p:spPr>
           <a:xfrm>
             <a:off x="10716840" y="10713960"/>
-            <a:ext cx="1099080" cy="1911960"/>
+            <a:ext cx="1098720" cy="1911600"/>
           </a:xfrm>
           <a:prstGeom prst="downArrow">
             <a:avLst>
@@ -4004,14 +3336,14 @@
       </p:sp>
       <p:sp>
         <p:nvSpPr>
-          <p:cNvPr id="69" name="CustomShape 24"/>
+          <p:cNvPr id="66" name="CustomShape 24"/>
           <p:cNvSpPr/>
           <p:nvPr/>
         </p:nvSpPr>
         <p:spPr>
           <a:xfrm>
             <a:off x="10716840" y="13076280"/>
-            <a:ext cx="1099080" cy="1911960"/>
+            <a:ext cx="1098720" cy="1911600"/>
           </a:xfrm>
           <a:prstGeom prst="downArrow">
             <a:avLst>
@@ -4038,14 +3370,14 @@
       </p:sp>
       <p:sp>
         <p:nvSpPr>
-          <p:cNvPr id="70" name="CustomShape 25"/>
+          <p:cNvPr id="67" name="CustomShape 25"/>
           <p:cNvSpPr/>
           <p:nvPr/>
         </p:nvSpPr>
         <p:spPr>
           <a:xfrm>
             <a:off x="12192840" y="5835240"/>
-            <a:ext cx="7275960" cy="2040120"/>
+            <a:ext cx="7275600" cy="2039760"/>
           </a:xfrm>
           <a:prstGeom prst="rect">
             <a:avLst/>
@@ -4086,7 +3418,7 @@
             </a:endParaRPr>
           </a:p>
           <a:p>
-            <a:pPr lvl="1" marL="861120" indent="-456840">
+            <a:pPr lvl="1" marL="861120" indent="-456480">
               <a:lnSpc>
                 <a:spcPct val="100000"/>
               </a:lnSpc>
@@ -4111,7 +3443,7 @@
             </a:endParaRPr>
           </a:p>
           <a:p>
-            <a:pPr lvl="1" marL="861120" indent="-456840">
+            <a:pPr lvl="1" marL="861120" indent="-456480">
               <a:lnSpc>
                 <a:spcPct val="100000"/>
               </a:lnSpc>
@@ -4136,7 +3468,7 @@
             </a:endParaRPr>
           </a:p>
           <a:p>
-            <a:pPr lvl="1" marL="861120" indent="-456840">
+            <a:pPr lvl="1" marL="861120" indent="-456480">
               <a:lnSpc>
                 <a:spcPct val="100000"/>
               </a:lnSpc>
@@ -4164,14 +3496,14 @@
       </p:sp>
       <p:sp>
         <p:nvSpPr>
-          <p:cNvPr id="71" name="CustomShape 26"/>
+          <p:cNvPr id="68" name="CustomShape 26"/>
           <p:cNvSpPr/>
           <p:nvPr/>
         </p:nvSpPr>
         <p:spPr>
           <a:xfrm>
             <a:off x="12187080" y="8194680"/>
-            <a:ext cx="7275960" cy="2040120"/>
+            <a:ext cx="7275600" cy="2039760"/>
           </a:xfrm>
           <a:prstGeom prst="rect">
             <a:avLst/>
@@ -4212,7 +3544,7 @@
             </a:endParaRPr>
           </a:p>
           <a:p>
-            <a:pPr lvl="1" marL="861120" indent="-456840">
+            <a:pPr lvl="1" marL="861120" indent="-456480">
               <a:lnSpc>
                 <a:spcPct val="100000"/>
               </a:lnSpc>
@@ -4237,7 +3569,7 @@
             </a:endParaRPr>
           </a:p>
           <a:p>
-            <a:pPr lvl="1" marL="861120" indent="-456840">
+            <a:pPr lvl="1" marL="861120" indent="-456480">
               <a:lnSpc>
                 <a:spcPct val="100000"/>
               </a:lnSpc>
@@ -4262,7 +3594,7 @@
             </a:endParaRPr>
           </a:p>
           <a:p>
-            <a:pPr lvl="1" marL="861120" indent="-456840">
+            <a:pPr lvl="1" marL="861120" indent="-456480">
               <a:lnSpc>
                 <a:spcPct val="100000"/>
               </a:lnSpc>
@@ -4290,14 +3622,14 @@
       </p:sp>
       <p:sp>
         <p:nvSpPr>
-          <p:cNvPr id="72" name="CustomShape 27"/>
+          <p:cNvPr id="69" name="CustomShape 27"/>
           <p:cNvSpPr/>
           <p:nvPr/>
         </p:nvSpPr>
         <p:spPr>
           <a:xfrm>
             <a:off x="12205080" y="10561680"/>
-            <a:ext cx="7275960" cy="2040120"/>
+            <a:ext cx="7275600" cy="2039760"/>
           </a:xfrm>
           <a:prstGeom prst="rect">
             <a:avLst/>
@@ -4338,7 +3670,7 @@
             </a:endParaRPr>
           </a:p>
           <a:p>
-            <a:pPr lvl="1" marL="861120" indent="-456840">
+            <a:pPr lvl="1" marL="861120" indent="-456480">
               <a:lnSpc>
                 <a:spcPct val="100000"/>
               </a:lnSpc>
@@ -4363,7 +3695,7 @@
             </a:endParaRPr>
           </a:p>
           <a:p>
-            <a:pPr lvl="1" marL="861120" indent="-456840">
+            <a:pPr lvl="1" marL="861120" indent="-456480">
               <a:lnSpc>
                 <a:spcPct val="100000"/>
               </a:lnSpc>
@@ -4391,14 +3723,14 @@
       </p:sp>
       <p:sp>
         <p:nvSpPr>
-          <p:cNvPr id="73" name="CustomShape 28"/>
+          <p:cNvPr id="70" name="CustomShape 28"/>
           <p:cNvSpPr/>
           <p:nvPr/>
         </p:nvSpPr>
         <p:spPr>
           <a:xfrm>
             <a:off x="12249000" y="12924000"/>
-            <a:ext cx="7275960" cy="2040120"/>
+            <a:ext cx="7275600" cy="2039760"/>
           </a:xfrm>
           <a:prstGeom prst="rect">
             <a:avLst/>
@@ -4439,7 +3771,7 @@
             </a:endParaRPr>
           </a:p>
           <a:p>
-            <a:pPr lvl="1" marL="861120" indent="-456840">
+            <a:pPr lvl="1" marL="861120" indent="-456480">
               <a:lnSpc>
                 <a:spcPct val="100000"/>
               </a:lnSpc>
@@ -4464,7 +3796,7 @@
             </a:endParaRPr>
           </a:p>
           <a:p>
-            <a:pPr lvl="1" marL="861120" indent="-456840">
+            <a:pPr lvl="1" marL="861120" indent="-456480">
               <a:lnSpc>
                 <a:spcPct val="100000"/>
               </a:lnSpc>
@@ -4492,28 +3824,28 @@
       </p:sp>
       <p:grpSp>
         <p:nvGrpSpPr>
-          <p:cNvPr id="74" name="Group 29"/>
+          <p:cNvPr id="71" name="Group 29"/>
           <p:cNvGrpSpPr/>
           <p:nvPr/>
         </p:nvGrpSpPr>
         <p:grpSpPr>
           <a:xfrm>
             <a:off x="16004880" y="37841400"/>
-            <a:ext cx="14565960" cy="3167280"/>
+            <a:ext cx="14565600" cy="3166920"/>
             <a:chOff x="16004880" y="37841400"/>
-            <a:chExt cx="14565960" cy="3167280"/>
+            <a:chExt cx="14565600" cy="3166920"/>
           </a:xfrm>
         </p:grpSpPr>
         <p:sp>
           <p:nvSpPr>
-            <p:cNvPr id="75" name="CustomShape 30"/>
+            <p:cNvPr id="72" name="CustomShape 30"/>
             <p:cNvSpPr/>
             <p:nvPr/>
           </p:nvSpPr>
           <p:spPr>
             <a:xfrm>
               <a:off x="16011360" y="38481120"/>
-              <a:ext cx="14559480" cy="2527560"/>
+              <a:ext cx="14559120" cy="2527200"/>
             </a:xfrm>
             <a:prstGeom prst="rect">
               <a:avLst/>
@@ -4555,14 +3887,14 @@
         </p:sp>
         <p:sp>
           <p:nvSpPr>
-            <p:cNvPr id="76" name="CustomShape 31"/>
+            <p:cNvPr id="73" name="CustomShape 31"/>
             <p:cNvSpPr/>
             <p:nvPr/>
           </p:nvSpPr>
           <p:spPr>
             <a:xfrm>
               <a:off x="16004880" y="37841400"/>
-              <a:ext cx="14559480" cy="672840"/>
+              <a:ext cx="14559120" cy="672480"/>
             </a:xfrm>
             <a:prstGeom prst="rect">
               <a:avLst/>
@@ -4607,7 +3939,7 @@
       </p:grpSp>
       <p:pic>
         <p:nvPicPr>
-          <p:cNvPr id="77" name="Picture 2" descr=""/>
+          <p:cNvPr id="74" name="Picture 2" descr=""/>
           <p:cNvPicPr/>
           <p:nvPr/>
         </p:nvPicPr>
@@ -4618,7 +3950,7 @@
         <p:spPr>
           <a:xfrm>
             <a:off x="10729080" y="16091280"/>
-            <a:ext cx="8510040" cy="5073840"/>
+            <a:ext cx="8509680" cy="5073480"/>
           </a:xfrm>
           <a:prstGeom prst="rect">
             <a:avLst/>
@@ -4630,7 +3962,7 @@
       </p:pic>
       <p:pic>
         <p:nvPicPr>
-          <p:cNvPr id="78" name="Picture 6" descr=""/>
+          <p:cNvPr id="75" name="Picture 6" descr=""/>
           <p:cNvPicPr/>
           <p:nvPr/>
         </p:nvPicPr>
@@ -4641,7 +3973,7 @@
         <p:spPr>
           <a:xfrm>
             <a:off x="10855800" y="22964760"/>
-            <a:ext cx="8491680" cy="5062680"/>
+            <a:ext cx="8491320" cy="5062320"/>
           </a:xfrm>
           <a:prstGeom prst="rect">
             <a:avLst/>
@@ -4653,7 +3985,7 @@
       </p:pic>
       <p:pic>
         <p:nvPicPr>
-          <p:cNvPr id="79" name="Picture 37" descr=""/>
+          <p:cNvPr id="76" name="Picture 37" descr=""/>
           <p:cNvPicPr/>
           <p:nvPr/>
         </p:nvPicPr>
@@ -4664,7 +3996,7 @@
         <p:spPr>
           <a:xfrm>
             <a:off x="10793880" y="30069000"/>
-            <a:ext cx="18633960" cy="7364520"/>
+            <a:ext cx="18633600" cy="7364160"/>
           </a:xfrm>
           <a:prstGeom prst="rect">
             <a:avLst/>
@@ -4676,7 +4008,7 @@
       </p:pic>
       <p:pic>
         <p:nvPicPr>
-          <p:cNvPr id="80" name="Picture 46" descr=""/>
+          <p:cNvPr id="77" name="Picture 46" descr=""/>
           <p:cNvPicPr/>
           <p:nvPr/>
         </p:nvPicPr>
@@ -4687,7 +4019,7 @@
         <p:spPr>
           <a:xfrm>
             <a:off x="1166760" y="1462680"/>
-            <a:ext cx="3616920" cy="1816560"/>
+            <a:ext cx="3616560" cy="1816200"/>
           </a:xfrm>
           <a:prstGeom prst="rect">
             <a:avLst/>
@@ -4699,7 +4031,7 @@
       </p:pic>
       <p:pic>
         <p:nvPicPr>
-          <p:cNvPr id="81" name="Picture 48" descr=""/>
+          <p:cNvPr id="78" name="Picture 48" descr=""/>
           <p:cNvPicPr/>
           <p:nvPr/>
         </p:nvPicPr>
@@ -4710,7 +4042,7 @@
         <p:spPr>
           <a:xfrm>
             <a:off x="27178920" y="1691280"/>
-            <a:ext cx="3497040" cy="1752840"/>
+            <a:ext cx="3496680" cy="1752480"/>
           </a:xfrm>
           <a:prstGeom prst="rect">
             <a:avLst/>
@@ -4722,7 +4054,7 @@
       </p:pic>
       <p:pic>
         <p:nvPicPr>
-          <p:cNvPr id="82" name="Picture 48" descr=""/>
+          <p:cNvPr id="79" name="Picture 48" descr=""/>
           <p:cNvPicPr/>
           <p:nvPr/>
         </p:nvPicPr>
@@ -4733,7 +4065,7 @@
         <p:spPr>
           <a:xfrm>
             <a:off x="26053560" y="541440"/>
-            <a:ext cx="2599200" cy="840960"/>
+            <a:ext cx="2598840" cy="840600"/>
           </a:xfrm>
           <a:prstGeom prst="rect">
             <a:avLst/>
@@ -4745,7 +4077,7 @@
       </p:pic>
       <p:pic>
         <p:nvPicPr>
-          <p:cNvPr id="83" name="Picture 49" descr=""/>
+          <p:cNvPr id="80" name="Picture 49" descr=""/>
           <p:cNvPicPr/>
           <p:nvPr/>
         </p:nvPicPr>
@@ -4756,7 +4088,7 @@
         <p:spPr>
           <a:xfrm>
             <a:off x="23585040" y="1800360"/>
-            <a:ext cx="3226680" cy="916200"/>
+            <a:ext cx="3226320" cy="915840"/>
           </a:xfrm>
           <a:prstGeom prst="rect">
             <a:avLst/>
@@ -4768,14 +4100,14 @@
       </p:pic>
       <p:sp>
         <p:nvSpPr>
-          <p:cNvPr id="84" name="CustomShape 32"/>
+          <p:cNvPr id="81" name="CustomShape 32"/>
           <p:cNvSpPr/>
           <p:nvPr/>
         </p:nvSpPr>
         <p:spPr>
           <a:xfrm>
             <a:off x="20547720" y="29571840"/>
-            <a:ext cx="9299160" cy="943560"/>
+            <a:ext cx="9298800" cy="943200"/>
           </a:xfrm>
           <a:prstGeom prst="rect">
             <a:avLst/>
@@ -4817,7 +4149,7 @@
       </p:sp>
       <p:pic>
         <p:nvPicPr>
-          <p:cNvPr id="85" name="Picture 3" descr=""/>
+          <p:cNvPr id="82" name="Picture 3" descr=""/>
           <p:cNvPicPr/>
           <p:nvPr/>
         </p:nvPicPr>
@@ -4828,7 +4160,7 @@
         <p:spPr>
           <a:xfrm>
             <a:off x="21488760" y="13605840"/>
-            <a:ext cx="7475400" cy="6366960"/>
+            <a:ext cx="7475040" cy="6366600"/>
           </a:xfrm>
           <a:prstGeom prst="rect">
             <a:avLst/>
@@ -4840,14 +4172,14 @@
       </p:pic>
       <p:sp>
         <p:nvSpPr>
-          <p:cNvPr id="86" name="CustomShape 33"/>
+          <p:cNvPr id="83" name="CustomShape 33"/>
           <p:cNvSpPr/>
           <p:nvPr/>
         </p:nvSpPr>
         <p:spPr>
           <a:xfrm>
             <a:off x="20715120" y="21216960"/>
-            <a:ext cx="9711720" cy="516960"/>
+            <a:ext cx="9711360" cy="516600"/>
           </a:xfrm>
           <a:prstGeom prst="rect">
             <a:avLst/>
@@ -4889,7 +4221,7 @@
       </p:sp>
       <p:pic>
         <p:nvPicPr>
-          <p:cNvPr id="87" name="Picture 8" descr=""/>
+          <p:cNvPr id="84" name="Picture 8" descr=""/>
           <p:cNvPicPr/>
           <p:nvPr/>
         </p:nvPicPr>
@@ -4900,7 +4232,7 @@
         <p:spPr>
           <a:xfrm>
             <a:off x="21620880" y="21925800"/>
-            <a:ext cx="7396920" cy="6300000"/>
+            <a:ext cx="7396560" cy="6299640"/>
           </a:xfrm>
           <a:prstGeom prst="rect">
             <a:avLst/>
@@ -4912,14 +4244,14 @@
       </p:pic>
       <p:sp>
         <p:nvSpPr>
-          <p:cNvPr id="88" name="CustomShape 34"/>
+          <p:cNvPr id="85" name="CustomShape 34"/>
           <p:cNvSpPr/>
           <p:nvPr/>
         </p:nvSpPr>
         <p:spPr>
           <a:xfrm>
             <a:off x="10764360" y="37362960"/>
-            <a:ext cx="1185480" cy="395280"/>
+            <a:ext cx="1185120" cy="394920"/>
           </a:xfrm>
           <a:prstGeom prst="rect">
             <a:avLst/>
@@ -4961,21 +4293,21 @@
       </p:sp>
       <p:grpSp>
         <p:nvGrpSpPr>
-          <p:cNvPr id="89" name="Group 35"/>
+          <p:cNvPr id="86" name="Group 35"/>
           <p:cNvGrpSpPr/>
           <p:nvPr/>
         </p:nvGrpSpPr>
         <p:grpSpPr>
           <a:xfrm>
-            <a:off x="20629440" y="5837400"/>
-            <a:ext cx="10170720" cy="5767560"/>
-            <a:chOff x="20629440" y="5837400"/>
-            <a:chExt cx="10170720" cy="5767560"/>
+            <a:off x="20629440" y="5909400"/>
+            <a:ext cx="10170360" cy="5767200"/>
+            <a:chOff x="20629440" y="5909400"/>
+            <a:chExt cx="10170360" cy="5767200"/>
           </a:xfrm>
         </p:grpSpPr>
         <p:pic>
           <p:nvPicPr>
-            <p:cNvPr id="90" name="Picture 4" descr=""/>
+            <p:cNvPr id="87" name="Picture 4" descr=""/>
             <p:cNvPicPr/>
             <p:nvPr/>
           </p:nvPicPr>
@@ -4985,8 +4317,8 @@
           </p:blipFill>
           <p:spPr>
             <a:xfrm>
-              <a:off x="20629440" y="5837400"/>
-              <a:ext cx="8889480" cy="5714640"/>
+              <a:off x="20629440" y="5909400"/>
+              <a:ext cx="8889120" cy="5714280"/>
             </a:xfrm>
             <a:prstGeom prst="rect">
               <a:avLst/>
@@ -4998,7 +4330,7 @@
         </p:pic>
         <p:pic>
           <p:nvPicPr>
-            <p:cNvPr id="91" name="Picture 6" descr=""/>
+            <p:cNvPr id="88" name="Picture 6" descr=""/>
             <p:cNvPicPr/>
             <p:nvPr/>
           </p:nvPicPr>
@@ -5008,8 +4340,8 @@
           </p:blipFill>
           <p:spPr>
             <a:xfrm>
-              <a:off x="29067120" y="6178320"/>
-              <a:ext cx="1733040" cy="5426640"/>
+              <a:off x="29067120" y="6250320"/>
+              <a:ext cx="1732680" cy="5426280"/>
             </a:xfrm>
             <a:prstGeom prst="rect">
               <a:avLst/>
@@ -5021,14 +4353,14 @@
         </p:pic>
         <p:sp>
           <p:nvSpPr>
-            <p:cNvPr id="92" name="CustomShape 36"/>
+            <p:cNvPr id="89" name="CustomShape 36"/>
             <p:cNvSpPr/>
             <p:nvPr/>
           </p:nvSpPr>
           <p:spPr>
             <a:xfrm rot="15633000">
-              <a:off x="21143880" y="9596520"/>
-              <a:ext cx="1263960" cy="333360"/>
+              <a:off x="21143880" y="9668880"/>
+              <a:ext cx="1263600" cy="333000"/>
             </a:xfrm>
             <a:prstGeom prst="rect">
               <a:avLst/>
@@ -5070,14 +4402,14 @@
         </p:sp>
         <p:sp>
           <p:nvSpPr>
-            <p:cNvPr id="93" name="CustomShape 37"/>
+            <p:cNvPr id="90" name="CustomShape 37"/>
             <p:cNvSpPr/>
             <p:nvPr/>
           </p:nvSpPr>
           <p:spPr>
             <a:xfrm>
-              <a:off x="23502960" y="11206440"/>
-              <a:ext cx="1772280" cy="333720"/>
+              <a:off x="23502960" y="11278440"/>
+              <a:ext cx="1771920" cy="333360"/>
             </a:xfrm>
             <a:prstGeom prst="rect">
               <a:avLst/>
@@ -5119,14 +4451,14 @@
         </p:sp>
         <p:sp>
           <p:nvSpPr>
-            <p:cNvPr id="94" name="CustomShape 38"/>
+            <p:cNvPr id="91" name="CustomShape 38"/>
             <p:cNvSpPr/>
             <p:nvPr/>
           </p:nvSpPr>
           <p:spPr>
             <a:xfrm rot="5131200">
-              <a:off x="25694640" y="10040400"/>
-              <a:ext cx="1930320" cy="333360"/>
+              <a:off x="25694640" y="10112040"/>
+              <a:ext cx="1929960" cy="333000"/>
             </a:xfrm>
             <a:prstGeom prst="rect">
               <a:avLst/>
@@ -5169,7 +4501,7 @@
       </p:grpSp>
       <p:pic>
         <p:nvPicPr>
-          <p:cNvPr id="95" name="" descr=""/>
+          <p:cNvPr id="92" name="" descr=""/>
           <p:cNvPicPr/>
           <p:nvPr/>
         </p:nvPicPr>
@@ -5180,7 +4512,7 @@
         <p:spPr>
           <a:xfrm>
             <a:off x="1188000" y="34683840"/>
-            <a:ext cx="2955960" cy="2955960"/>
+            <a:ext cx="2955600" cy="2955600"/>
           </a:xfrm>
           <a:prstGeom prst="rect">
             <a:avLst/>
@@ -5192,14 +4524,14 @@
       </p:pic>
       <p:sp>
         <p:nvSpPr>
-          <p:cNvPr id="96" name="CustomShape 39"/>
+          <p:cNvPr id="93" name="CustomShape 39"/>
           <p:cNvSpPr/>
           <p:nvPr/>
         </p:nvSpPr>
         <p:spPr>
           <a:xfrm>
             <a:off x="4502880" y="36079200"/>
-            <a:ext cx="4754880" cy="1370160"/>
+            <a:ext cx="4754520" cy="1369800"/>
           </a:xfrm>
           <a:prstGeom prst="rect">
             <a:avLst/>
@@ -5241,14 +4573,14 @@
       </p:sp>
       <p:sp>
         <p:nvSpPr>
-          <p:cNvPr id="97" name="TextShape 40"/>
-          <p:cNvSpPr txBox="1"/>
+          <p:cNvPr id="94" name="CustomShape 40"/>
+          <p:cNvSpPr/>
           <p:nvPr/>
         </p:nvSpPr>
         <p:spPr>
           <a:xfrm>
             <a:off x="10765080" y="21381120"/>
-            <a:ext cx="8437320" cy="1279440"/>
+            <a:ext cx="8436960" cy="1279080"/>
           </a:xfrm>
           <a:prstGeom prst="rect">
             <a:avLst/>
@@ -5258,9 +4590,20 @@
             <a:noFill/>
           </a:ln>
         </p:spPr>
+        <p:style>
+          <a:lnRef idx="0"/>
+          <a:fillRef idx="0"/>
+          <a:effectRef idx="0"/>
+          <a:fontRef idx="minor"/>
+        </p:style>
         <p:txBody>
           <a:bodyPr lIns="90000" rIns="90000" tIns="45000" bIns="45000"/>
           <a:p>
+            <a:pPr>
+              <a:lnSpc>
+                <a:spcPct val="100000"/>
+              </a:lnSpc>
+            </a:pPr>
             <a:r>
               <a:rPr b="0" lang="en-US" sz="2800" spc="-1" strike="noStrike">
                 <a:solidFill>
@@ -5279,14 +4622,14 @@
       </p:sp>
       <p:sp>
         <p:nvSpPr>
-          <p:cNvPr id="98" name="TextShape 41"/>
-          <p:cNvSpPr txBox="1"/>
+          <p:cNvPr id="95" name="CustomShape 41"/>
+          <p:cNvSpPr/>
           <p:nvPr/>
         </p:nvSpPr>
         <p:spPr>
           <a:xfrm>
             <a:off x="10693440" y="28293120"/>
-            <a:ext cx="8437320" cy="1753200"/>
+            <a:ext cx="8436960" cy="1752840"/>
           </a:xfrm>
           <a:prstGeom prst="rect">
             <a:avLst/>
@@ -5296,9 +4639,20 @@
             <a:noFill/>
           </a:ln>
         </p:spPr>
+        <p:style>
+          <a:lnRef idx="0"/>
+          <a:fillRef idx="0"/>
+          <a:effectRef idx="0"/>
+          <a:fontRef idx="minor"/>
+        </p:style>
         <p:txBody>
           <a:bodyPr lIns="90000" rIns="90000" tIns="45000" bIns="45000"/>
           <a:p>
+            <a:pPr>
+              <a:lnSpc>
+                <a:spcPct val="100000"/>
+              </a:lnSpc>
+            </a:pPr>
             <a:r>
               <a:rPr b="0" lang="en-US" sz="2800" spc="-1" strike="noStrike">
                 <a:solidFill>
@@ -5307,27 +4661,7 @@
                 <a:latin typeface="Arial"/>
                 <a:ea typeface="ヒラギノ明朝 ProN W3"/>
               </a:rPr>
-              <a:t>Figure 2 reflects the bee colony populations in 2014. </a:t>
-            </a:r>
-            <a:r>
-              <a:rPr b="0" lang="en-US" sz="2800" spc="-1" strike="noStrike">
-                <a:solidFill>
-                  <a:srgbClr val="000000"/>
-                </a:solidFill>
-                <a:latin typeface="Arial"/>
-                <a:ea typeface="ヒラギノ明朝 ProN W3"/>
-              </a:rPr>
-              <a:t>This highlights the changes in populations over the </a:t>
-            </a:r>
-            <a:r>
-              <a:rPr b="0" lang="en-US" sz="2800" spc="-1" strike="noStrike">
-                <a:solidFill>
-                  <a:srgbClr val="000000"/>
-                </a:solidFill>
-                <a:latin typeface="Arial"/>
-                <a:ea typeface="ヒラギノ明朝 ProN W3"/>
-              </a:rPr>
-              <a:t>16 year time span from Figure 1.</a:t>
+              <a:t>Figure 2 reflects the bee colony populations in 2014. This highlights the changes in populations over the 16 year time span from Figure 1.</a:t>
             </a:r>
             <a:endParaRPr b="0" lang="en-US" sz="2800" spc="-1" strike="noStrike">
               <a:latin typeface="Arial"/>
@@ -5337,14 +4671,14 @@
       </p:sp>
       <p:sp>
         <p:nvSpPr>
-          <p:cNvPr id="99" name="TextShape 42"/>
-          <p:cNvSpPr txBox="1"/>
+          <p:cNvPr id="96" name="CustomShape 42"/>
+          <p:cNvSpPr/>
           <p:nvPr/>
         </p:nvSpPr>
         <p:spPr>
           <a:xfrm>
             <a:off x="20756880" y="11810160"/>
-            <a:ext cx="9601200" cy="1675800"/>
+            <a:ext cx="9600840" cy="1675440"/>
           </a:xfrm>
           <a:prstGeom prst="rect">
             <a:avLst/>
@@ -5354,9 +4688,20 @@
             <a:noFill/>
           </a:ln>
         </p:spPr>
+        <p:style>
+          <a:lnRef idx="0"/>
+          <a:fillRef idx="0"/>
+          <a:effectRef idx="0"/>
+          <a:fontRef idx="minor"/>
+        </p:style>
         <p:txBody>
           <a:bodyPr lIns="90000" rIns="90000" tIns="45000" bIns="45000"/>
           <a:p>
+            <a:pPr>
+              <a:lnSpc>
+                <a:spcPct val="100000"/>
+              </a:lnSpc>
+            </a:pPr>
             <a:r>
               <a:rPr b="0" lang="en-US" sz="2800" spc="-1" strike="noStrike">
                 <a:solidFill>
@@ -5375,14 +4720,14 @@
       </p:sp>
       <p:sp>
         <p:nvSpPr>
-          <p:cNvPr id="100" name="TextShape 43"/>
-          <p:cNvSpPr txBox="1"/>
+          <p:cNvPr id="97" name="CustomShape 43"/>
+          <p:cNvSpPr/>
           <p:nvPr/>
         </p:nvSpPr>
         <p:spPr>
           <a:xfrm>
             <a:off x="20574000" y="28274400"/>
-            <a:ext cx="8961120" cy="1279440"/>
+            <a:ext cx="8960760" cy="1279080"/>
           </a:xfrm>
           <a:prstGeom prst="rect">
             <a:avLst/>
@@ -5392,9 +4737,20 @@
             <a:noFill/>
           </a:ln>
         </p:spPr>
+        <p:style>
+          <a:lnRef idx="0"/>
+          <a:fillRef idx="0"/>
+          <a:effectRef idx="0"/>
+          <a:fontRef idx="minor"/>
+        </p:style>
         <p:txBody>
           <a:bodyPr lIns="90000" rIns="90000" tIns="45000" bIns="45000"/>
           <a:p>
+            <a:pPr>
+              <a:lnSpc>
+                <a:spcPct val="100000"/>
+              </a:lnSpc>
+            </a:pPr>
             <a:r>
               <a:rPr b="0" lang="en-US" sz="2800" spc="-1" strike="noStrike">
                 <a:solidFill>
@@ -5413,14 +4769,14 @@
       </p:sp>
       <p:sp>
         <p:nvSpPr>
-          <p:cNvPr id="101" name="TextShape 44"/>
-          <p:cNvSpPr txBox="1"/>
+          <p:cNvPr id="98" name="CustomShape 44"/>
+          <p:cNvSpPr/>
           <p:nvPr/>
         </p:nvSpPr>
         <p:spPr>
           <a:xfrm>
             <a:off x="20648880" y="19910520"/>
-            <a:ext cx="9601200" cy="1383480"/>
+            <a:ext cx="9600840" cy="1383120"/>
           </a:xfrm>
           <a:prstGeom prst="rect">
             <a:avLst/>
@@ -5430,9 +4786,20 @@
             <a:noFill/>
           </a:ln>
         </p:spPr>
+        <p:style>
+          <a:lnRef idx="0"/>
+          <a:fillRef idx="0"/>
+          <a:effectRef idx="0"/>
+          <a:fontRef idx="minor"/>
+        </p:style>
         <p:txBody>
           <a:bodyPr lIns="90000" rIns="90000" tIns="45000" bIns="45000"/>
           <a:p>
+            <a:pPr>
+              <a:lnSpc>
+                <a:spcPct val="100000"/>
+              </a:lnSpc>
+            </a:pPr>
             <a:r>
               <a:rPr b="0" lang="en-US" sz="2800" spc="-1" strike="noStrike">
                 <a:solidFill>

--- a/DataScience_A4_1_poster_ppt.pptx
+++ b/DataScience_A4_1_poster_ppt.pptx
@@ -1,22 +1,440 @@
 
 <file path=ppt/presentation.xml><?xml version="1.0" encoding="utf-8"?>
-<p:presentation xmlns:a="http://schemas.openxmlformats.org/drawingml/2006/main" xmlns:p="http://schemas.openxmlformats.org/presentationml/2006/main" xmlns:r="http://schemas.openxmlformats.org/officeDocument/2006/relationships" xmlns:p14="http://schemas.microsoft.com/office/powerpoint/2010/main" xmlns:p15="http://schemas.microsoft.com/office/powerpoint/2012/main" xmlns:mc="http://schemas.openxmlformats.org/markup-compatibility/2006">
+<p:presentation xmlns:a="http://schemas.openxmlformats.org/drawingml/2006/main" xmlns:r="http://schemas.openxmlformats.org/officeDocument/2006/relationships" xmlns:p="http://schemas.openxmlformats.org/presentationml/2006/main" saveSubsetFonts="1">
   <p:sldMasterIdLst>
-    <p:sldMasterId id="2147483648" r:id="rId2"/>
+    <p:sldMasterId id="2147483648" r:id="rId1"/>
   </p:sldMasterIdLst>
   <p:notesMasterIdLst>
     <p:notesMasterId r:id="rId3"/>
   </p:notesMasterIdLst>
   <p:sldIdLst>
-    <p:sldId id="256" r:id="rId4"/>
+    <p:sldId id="256" r:id="rId2"/>
   </p:sldIdLst>
-  <p:sldSz cx="31272162" cy="41697275"/>
+  <p:sldSz cx="31272163" cy="41697275"/>
   <p:notesSz cx="6858000" cy="9144000"/>
+  <p:defaultTextStyle>
+    <a:defPPr>
+      <a:defRPr lang="en-US"/>
+    </a:defPPr>
+    <a:lvl1pPr marL="0" algn="l" defTabSz="914400" rtl="0" eaLnBrk="1" latinLnBrk="0" hangingPunct="1">
+      <a:defRPr sz="1800" kern="1200">
+        <a:solidFill>
+          <a:schemeClr val="tx1"/>
+        </a:solidFill>
+        <a:latin typeface="+mn-lt"/>
+        <a:ea typeface="+mn-ea"/>
+        <a:cs typeface="+mn-cs"/>
+      </a:defRPr>
+    </a:lvl1pPr>
+    <a:lvl2pPr marL="457200" algn="l" defTabSz="914400" rtl="0" eaLnBrk="1" latinLnBrk="0" hangingPunct="1">
+      <a:defRPr sz="1800" kern="1200">
+        <a:solidFill>
+          <a:schemeClr val="tx1"/>
+        </a:solidFill>
+        <a:latin typeface="+mn-lt"/>
+        <a:ea typeface="+mn-ea"/>
+        <a:cs typeface="+mn-cs"/>
+      </a:defRPr>
+    </a:lvl2pPr>
+    <a:lvl3pPr marL="914400" algn="l" defTabSz="914400" rtl="0" eaLnBrk="1" latinLnBrk="0" hangingPunct="1">
+      <a:defRPr sz="1800" kern="1200">
+        <a:solidFill>
+          <a:schemeClr val="tx1"/>
+        </a:solidFill>
+        <a:latin typeface="+mn-lt"/>
+        <a:ea typeface="+mn-ea"/>
+        <a:cs typeface="+mn-cs"/>
+      </a:defRPr>
+    </a:lvl3pPr>
+    <a:lvl4pPr marL="1371600" algn="l" defTabSz="914400" rtl="0" eaLnBrk="1" latinLnBrk="0" hangingPunct="1">
+      <a:defRPr sz="1800" kern="1200">
+        <a:solidFill>
+          <a:schemeClr val="tx1"/>
+        </a:solidFill>
+        <a:latin typeface="+mn-lt"/>
+        <a:ea typeface="+mn-ea"/>
+        <a:cs typeface="+mn-cs"/>
+      </a:defRPr>
+    </a:lvl4pPr>
+    <a:lvl5pPr marL="1828800" algn="l" defTabSz="914400" rtl="0" eaLnBrk="1" latinLnBrk="0" hangingPunct="1">
+      <a:defRPr sz="1800" kern="1200">
+        <a:solidFill>
+          <a:schemeClr val="tx1"/>
+        </a:solidFill>
+        <a:latin typeface="+mn-lt"/>
+        <a:ea typeface="+mn-ea"/>
+        <a:cs typeface="+mn-cs"/>
+      </a:defRPr>
+    </a:lvl5pPr>
+    <a:lvl6pPr marL="2286000" algn="l" defTabSz="914400" rtl="0" eaLnBrk="1" latinLnBrk="0" hangingPunct="1">
+      <a:defRPr sz="1800" kern="1200">
+        <a:solidFill>
+          <a:schemeClr val="tx1"/>
+        </a:solidFill>
+        <a:latin typeface="+mn-lt"/>
+        <a:ea typeface="+mn-ea"/>
+        <a:cs typeface="+mn-cs"/>
+      </a:defRPr>
+    </a:lvl6pPr>
+    <a:lvl7pPr marL="2743200" algn="l" defTabSz="914400" rtl="0" eaLnBrk="1" latinLnBrk="0" hangingPunct="1">
+      <a:defRPr sz="1800" kern="1200">
+        <a:solidFill>
+          <a:schemeClr val="tx1"/>
+        </a:solidFill>
+        <a:latin typeface="+mn-lt"/>
+        <a:ea typeface="+mn-ea"/>
+        <a:cs typeface="+mn-cs"/>
+      </a:defRPr>
+    </a:lvl7pPr>
+    <a:lvl8pPr marL="3200400" algn="l" defTabSz="914400" rtl="0" eaLnBrk="1" latinLnBrk="0" hangingPunct="1">
+      <a:defRPr sz="1800" kern="1200">
+        <a:solidFill>
+          <a:schemeClr val="tx1"/>
+        </a:solidFill>
+        <a:latin typeface="+mn-lt"/>
+        <a:ea typeface="+mn-ea"/>
+        <a:cs typeface="+mn-cs"/>
+      </a:defRPr>
+    </a:lvl8pPr>
+    <a:lvl9pPr marL="3657600" algn="l" defTabSz="914400" rtl="0" eaLnBrk="1" latinLnBrk="0" hangingPunct="1">
+      <a:defRPr sz="1800" kern="1200">
+        <a:solidFill>
+          <a:schemeClr val="tx1"/>
+        </a:solidFill>
+        <a:latin typeface="+mn-lt"/>
+        <a:ea typeface="+mn-ea"/>
+        <a:cs typeface="+mn-cs"/>
+      </a:defRPr>
+    </a:lvl9pPr>
+  </p:defaultTextStyle>
 </p:presentation>
 </file>
 
 <file path=ppt/notesMasters/notesMaster1.xml><?xml version="1.0" encoding="utf-8"?>
-<p:notesMaster xmlns:a="http://schemas.openxmlformats.org/drawingml/2006/main" xmlns:p="http://schemas.openxmlformats.org/presentationml/2006/main" xmlns:r="http://schemas.openxmlformats.org/officeDocument/2006/relationships" xmlns:p14="http://schemas.microsoft.com/office/powerpoint/2010/main" xmlns:p15="http://schemas.microsoft.com/office/powerpoint/2012/main" xmlns:mc="http://schemas.openxmlformats.org/markup-compatibility/2006">
+<p:notesMaster xmlns:a="http://schemas.openxmlformats.org/drawingml/2006/main" xmlns:r="http://schemas.openxmlformats.org/officeDocument/2006/relationships" xmlns:p="http://schemas.openxmlformats.org/presentationml/2006/main">
+  <p:cSld>
+    <p:bg>
+      <p:bgRef idx="1001">
+        <a:schemeClr val="bg1"/>
+      </p:bgRef>
+    </p:bg>
+    <p:spTree>
+      <p:nvGrpSpPr>
+        <p:cNvPr id="1" name=""/>
+        <p:cNvGrpSpPr/>
+        <p:nvPr/>
+      </p:nvGrpSpPr>
+      <p:grpSpPr>
+        <a:xfrm>
+          <a:off x="0" y="0"/>
+          <a:ext cx="0" cy="0"/>
+          <a:chOff x="0" y="0"/>
+          <a:chExt cx="0" cy="0"/>
+        </a:xfrm>
+      </p:grpSpPr>
+      <p:sp>
+        <p:nvSpPr>
+          <p:cNvPr id="36" name="PlaceHolder 1"/>
+          <p:cNvSpPr>
+            <a:spLocks noGrp="1" noRot="1" noChangeAspect="1"/>
+          </p:cNvSpPr>
+          <p:nvPr>
+            <p:ph type="sldImg"/>
+          </p:nvPr>
+        </p:nvSpPr>
+        <p:spPr>
+          <a:xfrm>
+            <a:off x="533520" y="764280"/>
+            <a:ext cx="6704640" cy="3771360"/>
+          </a:xfrm>
+          <a:prstGeom prst="rect">
+            <a:avLst/>
+          </a:prstGeom>
+        </p:spPr>
+        <p:txBody>
+          <a:bodyPr lIns="0" tIns="0" rIns="0" bIns="0" anchor="ctr"/>
+          <a:lstStyle/>
+          <a:p>
+            <a:pPr algn="ctr"/>
+            <a:r>
+              <a:rPr lang="en-US" sz="4400" b="0" strike="noStrike" spc="-1">
+                <a:latin typeface="Arial"/>
+              </a:rPr>
+              <a:t>Click to move the slide</a:t>
+            </a:r>
+          </a:p>
+        </p:txBody>
+      </p:sp>
+      <p:sp>
+        <p:nvSpPr>
+          <p:cNvPr id="37" name="PlaceHolder 2"/>
+          <p:cNvSpPr>
+            <a:spLocks noGrp="1"/>
+          </p:cNvSpPr>
+          <p:nvPr>
+            <p:ph type="body"/>
+          </p:nvPr>
+        </p:nvSpPr>
+        <p:spPr>
+          <a:xfrm>
+            <a:off x="777240" y="4777560"/>
+            <a:ext cx="6217560" cy="4525920"/>
+          </a:xfrm>
+          <a:prstGeom prst="rect">
+            <a:avLst/>
+          </a:prstGeom>
+        </p:spPr>
+        <p:txBody>
+          <a:bodyPr lIns="0" tIns="0" rIns="0" bIns="0"/>
+          <a:lstStyle/>
+          <a:p>
+            <a:r>
+              <a:rPr lang="en-US" sz="2000" b="0" strike="noStrike" spc="-1">
+                <a:latin typeface="Arial"/>
+              </a:rPr>
+              <a:t>Click to edit the notes format</a:t>
+            </a:r>
+          </a:p>
+        </p:txBody>
+      </p:sp>
+      <p:sp>
+        <p:nvSpPr>
+          <p:cNvPr id="38" name="PlaceHolder 3"/>
+          <p:cNvSpPr>
+            <a:spLocks noGrp="1"/>
+          </p:cNvSpPr>
+          <p:nvPr>
+            <p:ph type="hdr"/>
+          </p:nvPr>
+        </p:nvSpPr>
+        <p:spPr>
+          <a:xfrm>
+            <a:off x="0" y="0"/>
+            <a:ext cx="3372840" cy="502560"/>
+          </a:xfrm>
+          <a:prstGeom prst="rect">
+            <a:avLst/>
+          </a:prstGeom>
+        </p:spPr>
+        <p:txBody>
+          <a:bodyPr lIns="0" tIns="0" rIns="0" bIns="0"/>
+          <a:lstStyle/>
+          <a:p>
+            <a:r>
+              <a:rPr lang="en-US" sz="1400" b="0" strike="noStrike" spc="-1">
+                <a:latin typeface="Times New Roman"/>
+              </a:rPr>
+              <a:t>&lt;header&gt;</a:t>
+            </a:r>
+          </a:p>
+        </p:txBody>
+      </p:sp>
+      <p:sp>
+        <p:nvSpPr>
+          <p:cNvPr id="39" name="PlaceHolder 4"/>
+          <p:cNvSpPr>
+            <a:spLocks noGrp="1"/>
+          </p:cNvSpPr>
+          <p:nvPr>
+            <p:ph type="dt"/>
+          </p:nvPr>
+        </p:nvSpPr>
+        <p:spPr>
+          <a:xfrm>
+            <a:off x="4399200" y="0"/>
+            <a:ext cx="3372840" cy="502560"/>
+          </a:xfrm>
+          <a:prstGeom prst="rect">
+            <a:avLst/>
+          </a:prstGeom>
+        </p:spPr>
+        <p:txBody>
+          <a:bodyPr lIns="0" tIns="0" rIns="0" bIns="0"/>
+          <a:lstStyle/>
+          <a:p>
+            <a:pPr algn="r"/>
+            <a:r>
+              <a:rPr lang="en-US" sz="1400" b="0" strike="noStrike" spc="-1">
+                <a:latin typeface="Times New Roman"/>
+              </a:rPr>
+              <a:t>&lt;date/time&gt;</a:t>
+            </a:r>
+          </a:p>
+        </p:txBody>
+      </p:sp>
+      <p:sp>
+        <p:nvSpPr>
+          <p:cNvPr id="40" name="PlaceHolder 5"/>
+          <p:cNvSpPr>
+            <a:spLocks noGrp="1"/>
+          </p:cNvSpPr>
+          <p:nvPr>
+            <p:ph type="ftr"/>
+          </p:nvPr>
+        </p:nvSpPr>
+        <p:spPr>
+          <a:xfrm>
+            <a:off x="0" y="9555480"/>
+            <a:ext cx="3372840" cy="502560"/>
+          </a:xfrm>
+          <a:prstGeom prst="rect">
+            <a:avLst/>
+          </a:prstGeom>
+        </p:spPr>
+        <p:txBody>
+          <a:bodyPr lIns="0" tIns="0" rIns="0" bIns="0" anchor="b"/>
+          <a:lstStyle/>
+          <a:p>
+            <a:r>
+              <a:rPr lang="en-US" sz="1400" b="0" strike="noStrike" spc="-1">
+                <a:latin typeface="Times New Roman"/>
+              </a:rPr>
+              <a:t>&lt;footer&gt;</a:t>
+            </a:r>
+          </a:p>
+        </p:txBody>
+      </p:sp>
+      <p:sp>
+        <p:nvSpPr>
+          <p:cNvPr id="41" name="PlaceHolder 6"/>
+          <p:cNvSpPr>
+            <a:spLocks noGrp="1"/>
+          </p:cNvSpPr>
+          <p:nvPr>
+            <p:ph type="sldNum"/>
+          </p:nvPr>
+        </p:nvSpPr>
+        <p:spPr>
+          <a:xfrm>
+            <a:off x="4399200" y="9555480"/>
+            <a:ext cx="3372840" cy="502560"/>
+          </a:xfrm>
+          <a:prstGeom prst="rect">
+            <a:avLst/>
+          </a:prstGeom>
+        </p:spPr>
+        <p:txBody>
+          <a:bodyPr lIns="0" tIns="0" rIns="0" bIns="0" anchor="b"/>
+          <a:lstStyle/>
+          <a:p>
+            <a:pPr algn="r"/>
+            <a:fld id="{F716A805-24AA-4267-8687-20EAB229F986}" type="slidenum">
+              <a:rPr lang="en-US" sz="1400" b="0" strike="noStrike" spc="-1">
+                <a:latin typeface="Times New Roman"/>
+              </a:rPr>
+              <a:t>‹#›</a:t>
+            </a:fld>
+            <a:endParaRPr lang="en-US" sz="1400" b="0" strike="noStrike" spc="-1">
+              <a:latin typeface="Times New Roman"/>
+            </a:endParaRPr>
+          </a:p>
+        </p:txBody>
+      </p:sp>
+    </p:spTree>
+    <p:extLst>
+      <p:ext uri="{BB962C8B-B14F-4D97-AF65-F5344CB8AC3E}">
+        <p14:creationId xmlns:p14="http://schemas.microsoft.com/office/powerpoint/2010/main" val="662342703"/>
+      </p:ext>
+    </p:extLst>
+  </p:cSld>
+  <p:clrMap bg1="lt1" tx1="dk1" bg2="lt2" tx2="dk2" accent1="accent1" accent2="accent2" accent3="accent3" accent4="accent4" accent5="accent5" accent6="accent6" hlink="hlink" folHlink="folHlink"/>
+  <p:notesStyle>
+    <a:lvl1pPr marL="0" algn="l" defTabSz="914400" rtl="0" eaLnBrk="1" latinLnBrk="0" hangingPunct="1">
+      <a:defRPr sz="1200" kern="1200">
+        <a:solidFill>
+          <a:schemeClr val="tx1"/>
+        </a:solidFill>
+        <a:latin typeface="+mn-lt"/>
+        <a:ea typeface="+mn-ea"/>
+        <a:cs typeface="+mn-cs"/>
+      </a:defRPr>
+    </a:lvl1pPr>
+    <a:lvl2pPr marL="457200" algn="l" defTabSz="914400" rtl="0" eaLnBrk="1" latinLnBrk="0" hangingPunct="1">
+      <a:defRPr sz="1200" kern="1200">
+        <a:solidFill>
+          <a:schemeClr val="tx1"/>
+        </a:solidFill>
+        <a:latin typeface="+mn-lt"/>
+        <a:ea typeface="+mn-ea"/>
+        <a:cs typeface="+mn-cs"/>
+      </a:defRPr>
+    </a:lvl2pPr>
+    <a:lvl3pPr marL="914400" algn="l" defTabSz="914400" rtl="0" eaLnBrk="1" latinLnBrk="0" hangingPunct="1">
+      <a:defRPr sz="1200" kern="1200">
+        <a:solidFill>
+          <a:schemeClr val="tx1"/>
+        </a:solidFill>
+        <a:latin typeface="+mn-lt"/>
+        <a:ea typeface="+mn-ea"/>
+        <a:cs typeface="+mn-cs"/>
+      </a:defRPr>
+    </a:lvl3pPr>
+    <a:lvl4pPr marL="1371600" algn="l" defTabSz="914400" rtl="0" eaLnBrk="1" latinLnBrk="0" hangingPunct="1">
+      <a:defRPr sz="1200" kern="1200">
+        <a:solidFill>
+          <a:schemeClr val="tx1"/>
+        </a:solidFill>
+        <a:latin typeface="+mn-lt"/>
+        <a:ea typeface="+mn-ea"/>
+        <a:cs typeface="+mn-cs"/>
+      </a:defRPr>
+    </a:lvl4pPr>
+    <a:lvl5pPr marL="1828800" algn="l" defTabSz="914400" rtl="0" eaLnBrk="1" latinLnBrk="0" hangingPunct="1">
+      <a:defRPr sz="1200" kern="1200">
+        <a:solidFill>
+          <a:schemeClr val="tx1"/>
+        </a:solidFill>
+        <a:latin typeface="+mn-lt"/>
+        <a:ea typeface="+mn-ea"/>
+        <a:cs typeface="+mn-cs"/>
+      </a:defRPr>
+    </a:lvl5pPr>
+    <a:lvl6pPr marL="2286000" algn="l" defTabSz="914400" rtl="0" eaLnBrk="1" latinLnBrk="0" hangingPunct="1">
+      <a:defRPr sz="1200" kern="1200">
+        <a:solidFill>
+          <a:schemeClr val="tx1"/>
+        </a:solidFill>
+        <a:latin typeface="+mn-lt"/>
+        <a:ea typeface="+mn-ea"/>
+        <a:cs typeface="+mn-cs"/>
+      </a:defRPr>
+    </a:lvl6pPr>
+    <a:lvl7pPr marL="2743200" algn="l" defTabSz="914400" rtl="0" eaLnBrk="1" latinLnBrk="0" hangingPunct="1">
+      <a:defRPr sz="1200" kern="1200">
+        <a:solidFill>
+          <a:schemeClr val="tx1"/>
+        </a:solidFill>
+        <a:latin typeface="+mn-lt"/>
+        <a:ea typeface="+mn-ea"/>
+        <a:cs typeface="+mn-cs"/>
+      </a:defRPr>
+    </a:lvl7pPr>
+    <a:lvl8pPr marL="3200400" algn="l" defTabSz="914400" rtl="0" eaLnBrk="1" latinLnBrk="0" hangingPunct="1">
+      <a:defRPr sz="1200" kern="1200">
+        <a:solidFill>
+          <a:schemeClr val="tx1"/>
+        </a:solidFill>
+        <a:latin typeface="+mn-lt"/>
+        <a:ea typeface="+mn-ea"/>
+        <a:cs typeface="+mn-cs"/>
+      </a:defRPr>
+    </a:lvl8pPr>
+    <a:lvl9pPr marL="3657600" algn="l" defTabSz="914400" rtl="0" eaLnBrk="1" latinLnBrk="0" hangingPunct="1">
+      <a:defRPr sz="1200" kern="1200">
+        <a:solidFill>
+          <a:schemeClr val="tx1"/>
+        </a:solidFill>
+        <a:latin typeface="+mn-lt"/>
+        <a:ea typeface="+mn-ea"/>
+        <a:cs typeface="+mn-cs"/>
+      </a:defRPr>
+    </a:lvl9pPr>
+  </p:notesStyle>
+</p:notesMaster>
+</file>
+
+<file path=ppt/notesSlides/notesSlide1.xml><?xml version="1.0" encoding="utf-8"?>
+<p:notes xmlns:a="http://schemas.openxmlformats.org/drawingml/2006/main" xmlns:r="http://schemas.openxmlformats.org/officeDocument/2006/relationships" xmlns:p="http://schemas.openxmlformats.org/presentationml/2006/main">
   <p:cSld>
     <p:spTree>
       <p:nvGrpSpPr>
@@ -34,236 +452,6 @@
       </p:grpSpPr>
       <p:sp>
         <p:nvSpPr>
-          <p:cNvPr id="36" name="PlaceHolder 1"/>
-          <p:cNvSpPr>
-            <a:spLocks noGrp="1"/>
-          </p:cNvSpPr>
-          <p:nvPr>
-            <p:ph type="sldImg"/>
-          </p:nvPr>
-        </p:nvSpPr>
-        <p:spPr>
-          <a:xfrm>
-            <a:off x="533520" y="764280"/>
-            <a:ext cx="6704640" cy="3771360"/>
-          </a:xfrm>
-          <a:prstGeom prst="rect">
-            <a:avLst/>
-          </a:prstGeom>
-        </p:spPr>
-        <p:txBody>
-          <a:bodyPr lIns="0" rIns="0" tIns="0" bIns="0" anchor="ctr"/>
-          <a:p>
-            <a:pPr algn="ctr"/>
-            <a:r>
-              <a:rPr b="0" lang="en-US" sz="4400" spc="-1" strike="noStrike">
-                <a:latin typeface="Arial"/>
-              </a:rPr>
-              <a:t>Click to move the slide</a:t>
-            </a:r>
-            <a:endParaRPr b="0" lang="en-US" sz="4400" spc="-1" strike="noStrike">
-              <a:latin typeface="Arial"/>
-            </a:endParaRPr>
-          </a:p>
-        </p:txBody>
-      </p:sp>
-      <p:sp>
-        <p:nvSpPr>
-          <p:cNvPr id="37" name="PlaceHolder 2"/>
-          <p:cNvSpPr>
-            <a:spLocks noGrp="1"/>
-          </p:cNvSpPr>
-          <p:nvPr>
-            <p:ph type="body"/>
-          </p:nvPr>
-        </p:nvSpPr>
-        <p:spPr>
-          <a:xfrm>
-            <a:off x="777240" y="4777560"/>
-            <a:ext cx="6217560" cy="4525920"/>
-          </a:xfrm>
-          <a:prstGeom prst="rect">
-            <a:avLst/>
-          </a:prstGeom>
-        </p:spPr>
-        <p:txBody>
-          <a:bodyPr lIns="0" rIns="0" tIns="0" bIns="0"/>
-          <a:p>
-            <a:r>
-              <a:rPr b="0" lang="en-US" sz="2000" spc="-1" strike="noStrike">
-                <a:latin typeface="Arial"/>
-              </a:rPr>
-              <a:t>Click to edit the notes format</a:t>
-            </a:r>
-            <a:endParaRPr b="0" lang="en-US" sz="2000" spc="-1" strike="noStrike">
-              <a:latin typeface="Arial"/>
-            </a:endParaRPr>
-          </a:p>
-        </p:txBody>
-      </p:sp>
-      <p:sp>
-        <p:nvSpPr>
-          <p:cNvPr id="38" name="PlaceHolder 3"/>
-          <p:cNvSpPr>
-            <a:spLocks noGrp="1"/>
-          </p:cNvSpPr>
-          <p:nvPr>
-            <p:ph type="hdr"/>
-          </p:nvPr>
-        </p:nvSpPr>
-        <p:spPr>
-          <a:xfrm>
-            <a:off x="0" y="0"/>
-            <a:ext cx="3372840" cy="502560"/>
-          </a:xfrm>
-          <a:prstGeom prst="rect">
-            <a:avLst/>
-          </a:prstGeom>
-        </p:spPr>
-        <p:txBody>
-          <a:bodyPr lIns="0" rIns="0" tIns="0" bIns="0"/>
-          <a:p>
-            <a:r>
-              <a:rPr b="0" lang="en-US" sz="1400" spc="-1" strike="noStrike">
-                <a:latin typeface="Times New Roman"/>
-              </a:rPr>
-              <a:t>&lt;header&gt;</a:t>
-            </a:r>
-            <a:endParaRPr b="0" lang="en-US" sz="1400" spc="-1" strike="noStrike">
-              <a:latin typeface="Times New Roman"/>
-            </a:endParaRPr>
-          </a:p>
-        </p:txBody>
-      </p:sp>
-      <p:sp>
-        <p:nvSpPr>
-          <p:cNvPr id="39" name="PlaceHolder 4"/>
-          <p:cNvSpPr>
-            <a:spLocks noGrp="1"/>
-          </p:cNvSpPr>
-          <p:nvPr>
-            <p:ph type="dt"/>
-          </p:nvPr>
-        </p:nvSpPr>
-        <p:spPr>
-          <a:xfrm>
-            <a:off x="4399200" y="0"/>
-            <a:ext cx="3372840" cy="502560"/>
-          </a:xfrm>
-          <a:prstGeom prst="rect">
-            <a:avLst/>
-          </a:prstGeom>
-        </p:spPr>
-        <p:txBody>
-          <a:bodyPr lIns="0" rIns="0" tIns="0" bIns="0"/>
-          <a:p>
-            <a:pPr algn="r"/>
-            <a:r>
-              <a:rPr b="0" lang="en-US" sz="1400" spc="-1" strike="noStrike">
-                <a:latin typeface="Times New Roman"/>
-              </a:rPr>
-              <a:t>&lt;date/time&gt;</a:t>
-            </a:r>
-            <a:endParaRPr b="0" lang="en-US" sz="1400" spc="-1" strike="noStrike">
-              <a:latin typeface="Times New Roman"/>
-            </a:endParaRPr>
-          </a:p>
-        </p:txBody>
-      </p:sp>
-      <p:sp>
-        <p:nvSpPr>
-          <p:cNvPr id="40" name="PlaceHolder 5"/>
-          <p:cNvSpPr>
-            <a:spLocks noGrp="1"/>
-          </p:cNvSpPr>
-          <p:nvPr>
-            <p:ph type="ftr"/>
-          </p:nvPr>
-        </p:nvSpPr>
-        <p:spPr>
-          <a:xfrm>
-            <a:off x="0" y="9555480"/>
-            <a:ext cx="3372840" cy="502560"/>
-          </a:xfrm>
-          <a:prstGeom prst="rect">
-            <a:avLst/>
-          </a:prstGeom>
-        </p:spPr>
-        <p:txBody>
-          <a:bodyPr lIns="0" rIns="0" tIns="0" bIns="0" anchor="b"/>
-          <a:p>
-            <a:r>
-              <a:rPr b="0" lang="en-US" sz="1400" spc="-1" strike="noStrike">
-                <a:latin typeface="Times New Roman"/>
-              </a:rPr>
-              <a:t>&lt;footer&gt;</a:t>
-            </a:r>
-            <a:endParaRPr b="0" lang="en-US" sz="1400" spc="-1" strike="noStrike">
-              <a:latin typeface="Times New Roman"/>
-            </a:endParaRPr>
-          </a:p>
-        </p:txBody>
-      </p:sp>
-      <p:sp>
-        <p:nvSpPr>
-          <p:cNvPr id="41" name="PlaceHolder 6"/>
-          <p:cNvSpPr>
-            <a:spLocks noGrp="1"/>
-          </p:cNvSpPr>
-          <p:nvPr>
-            <p:ph type="sldNum"/>
-          </p:nvPr>
-        </p:nvSpPr>
-        <p:spPr>
-          <a:xfrm>
-            <a:off x="4399200" y="9555480"/>
-            <a:ext cx="3372840" cy="502560"/>
-          </a:xfrm>
-          <a:prstGeom prst="rect">
-            <a:avLst/>
-          </a:prstGeom>
-        </p:spPr>
-        <p:txBody>
-          <a:bodyPr lIns="0" rIns="0" tIns="0" bIns="0" anchor="b"/>
-          <a:p>
-            <a:pPr algn="r"/>
-            <a:fld id="{F716A805-24AA-4267-8687-20EAB229F986}" type="slidenum">
-              <a:rPr b="0" lang="en-US" sz="1400" spc="-1" strike="noStrike">
-                <a:latin typeface="Times New Roman"/>
-              </a:rPr>
-              <a:t>&lt;number&gt;</a:t>
-            </a:fld>
-            <a:endParaRPr b="0" lang="en-US" sz="1400" spc="-1" strike="noStrike">
-              <a:latin typeface="Times New Roman"/>
-            </a:endParaRPr>
-          </a:p>
-        </p:txBody>
-      </p:sp>
-    </p:spTree>
-  </p:cSld>
-  <p:clrMap bg1="lt1" bg2="lt2" tx1="dk1" tx2="dk2" accent1="accent1" accent2="accent2" accent3="accent3" accent4="accent4" accent5="accent5" accent6="accent6" hlink="hlink" folHlink="folHlink"/>
-</p:notesMaster>
-</file>
-
-<file path=ppt/notesSlides/notesSlide1.xml><?xml version="1.0" encoding="utf-8"?>
-<p:notes xmlns:a="http://schemas.openxmlformats.org/drawingml/2006/main" xmlns:p="http://schemas.openxmlformats.org/presentationml/2006/main" xmlns:r="http://schemas.openxmlformats.org/officeDocument/2006/relationships" xmlns:p14="http://schemas.microsoft.com/office/powerpoint/2010/main" xmlns:p15="http://schemas.microsoft.com/office/powerpoint/2012/main" xmlns:mc="http://schemas.openxmlformats.org/markup-compatibility/2006">
-  <p:cSld>
-    <p:spTree>
-      <p:nvGrpSpPr>
-        <p:cNvPr id="1" name=""/>
-        <p:cNvGrpSpPr/>
-        <p:nvPr/>
-      </p:nvGrpSpPr>
-      <p:grpSpPr>
-        <a:xfrm>
-          <a:off x="0" y="0"/>
-          <a:ext cx="0" cy="0"/>
-          <a:chOff x="0" y="0"/>
-          <a:chExt cx="0" cy="0"/>
-        </a:xfrm>
-      </p:grpSpPr>
-      <p:sp>
-        <p:nvSpPr>
           <p:cNvPr id="99" name="CustomShape 1"/>
           <p:cNvSpPr/>
           <p:nvPr/>
@@ -282,13 +470,20 @@
           </a:ln>
         </p:spPr>
         <p:style>
-          <a:lnRef idx="0"/>
-          <a:fillRef idx="0"/>
-          <a:effectRef idx="0"/>
+          <a:lnRef idx="0">
+            <a:scrgbClr r="0" g="0" b="0"/>
+          </a:lnRef>
+          <a:fillRef idx="0">
+            <a:scrgbClr r="0" g="0" b="0"/>
+          </a:fillRef>
+          <a:effectRef idx="0">
+            <a:scrgbClr r="0" g="0" b="0"/>
+          </a:effectRef>
           <a:fontRef idx="minor"/>
         </p:style>
         <p:txBody>
-          <a:bodyPr lIns="90000" rIns="90000" tIns="45000" bIns="45000" anchor="b"/>
+          <a:bodyPr lIns="90000" tIns="45000" rIns="90000" bIns="45000" anchor="b"/>
+          <a:lstStyle/>
           <a:p>
             <a:pPr algn="r">
               <a:lnSpc>
@@ -296,13 +491,13 @@
               </a:lnSpc>
             </a:pPr>
             <a:fld id="{0BEB2E32-08A9-4D74-B2A0-3CE1EC4E22F0}" type="slidenum">
-              <a:rPr b="0" lang="en-US" sz="1200" spc="-1" strike="noStrike">
+              <a:rPr lang="en-US" sz="1200" b="0" strike="noStrike" spc="-1">
                 <a:latin typeface="Times New Roman"/>
                 <a:ea typeface="ヒラギノ明朝 ProN W3"/>
               </a:rPr>
-              <a:t>&lt;number&gt;</a:t>
+              <a:t>1</a:t>
             </a:fld>
-            <a:endParaRPr b="0" lang="en-US" sz="1200" spc="-1" strike="noStrike">
+            <a:endParaRPr lang="en-US" sz="1200" b="0" strike="noStrike" spc="-1">
               <a:latin typeface="Arial"/>
             </a:endParaRPr>
           </a:p>
@@ -312,7 +507,7 @@
         <p:nvSpPr>
           <p:cNvPr id="100" name="PlaceHolder 2"/>
           <p:cNvSpPr>
-            <a:spLocks noGrp="1"/>
+            <a:spLocks noGrp="1" noRot="1" noChangeAspect="1"/>
           </p:cNvSpPr>
           <p:nvPr>
             <p:ph type="sldImg"/>
@@ -320,8 +515,8 @@
         </p:nvSpPr>
         <p:spPr>
           <a:xfrm>
-            <a:off x="2143080" y="685800"/>
-            <a:ext cx="2571120" cy="3428280"/>
+            <a:off x="2143125" y="685800"/>
+            <a:ext cx="2571750" cy="3429000"/>
           </a:xfrm>
           <a:prstGeom prst="rect">
             <a:avLst/>
@@ -348,21 +543,30 @@
           </a:prstGeom>
         </p:spPr>
         <p:txBody>
-          <a:bodyPr lIns="0" rIns="0" tIns="0" bIns="0"/>
-          <a:p>
-            <a:endParaRPr b="0" lang="en-US" sz="2000" spc="-1" strike="noStrike">
+          <a:bodyPr lIns="0" tIns="0" rIns="0" bIns="0"/>
+          <a:lstStyle/>
+          <a:p>
+            <a:endParaRPr lang="en-US" sz="2000" b="0" strike="noStrike" spc="-1" dirty="0">
               <a:latin typeface="Arial"/>
             </a:endParaRPr>
           </a:p>
         </p:txBody>
       </p:sp>
     </p:spTree>
+    <p:extLst>
+      <p:ext uri="{BB962C8B-B14F-4D97-AF65-F5344CB8AC3E}">
+        <p14:creationId xmlns:p14="http://schemas.microsoft.com/office/powerpoint/2010/main" val="1586066920"/>
+      </p:ext>
+    </p:extLst>
   </p:cSld>
+  <p:clrMapOvr>
+    <a:masterClrMapping/>
+  </p:clrMapOvr>
 </p:notes>
 </file>
 
 <file path=ppt/slideLayouts/slideLayout1.xml><?xml version="1.0" encoding="utf-8"?>
-<p:sldLayout xmlns:a="http://schemas.openxmlformats.org/drawingml/2006/main" xmlns:p="http://schemas.openxmlformats.org/presentationml/2006/main" xmlns:r="http://schemas.openxmlformats.org/officeDocument/2006/relationships" xmlns:p14="http://schemas.microsoft.com/office/powerpoint/2010/main" xmlns:p15="http://schemas.microsoft.com/office/powerpoint/2012/main" xmlns:mc="http://schemas.openxmlformats.org/markup-compatibility/2006" type="blank" preserve="1">
+<p:sldLayout xmlns:a="http://schemas.openxmlformats.org/drawingml/2006/main" xmlns:r="http://schemas.openxmlformats.org/officeDocument/2006/relationships" xmlns:p="http://schemas.openxmlformats.org/presentationml/2006/main" type="blank" preserve="1">
   <p:cSld name="Blank Slide">
     <p:spTree>
       <p:nvGrpSpPr>
@@ -380,11 +584,14 @@
       </p:grpSpPr>
     </p:spTree>
   </p:cSld>
+  <p:clrMapOvr>
+    <a:masterClrMapping/>
+  </p:clrMapOvr>
 </p:sldLayout>
 </file>
 
 <file path=ppt/slideLayouts/slideLayout10.xml><?xml version="1.0" encoding="utf-8"?>
-<p:sldLayout xmlns:a="http://schemas.openxmlformats.org/drawingml/2006/main" xmlns:p="http://schemas.openxmlformats.org/presentationml/2006/main" xmlns:r="http://schemas.openxmlformats.org/officeDocument/2006/relationships" xmlns:p14="http://schemas.microsoft.com/office/powerpoint/2010/main" xmlns:p15="http://schemas.microsoft.com/office/powerpoint/2012/main" xmlns:mc="http://schemas.openxmlformats.org/markup-compatibility/2006" type="objOverTx" preserve="1">
+<p:sldLayout xmlns:a="http://schemas.openxmlformats.org/drawingml/2006/main" xmlns:r="http://schemas.openxmlformats.org/officeDocument/2006/relationships" xmlns:p="http://schemas.openxmlformats.org/presentationml/2006/main" type="objOverTx" preserve="1">
   <p:cSld name="Title, Content over Content">
     <p:spTree>
       <p:nvGrpSpPr>
@@ -420,10 +627,11 @@
           </a:prstGeom>
         </p:spPr>
         <p:txBody>
-          <a:bodyPr lIns="0" rIns="0" tIns="0" bIns="0" anchor="ctr"/>
+          <a:bodyPr lIns="0" tIns="0" rIns="0" bIns="0" anchor="ctr"/>
+          <a:lstStyle/>
           <a:p>
             <a:pPr algn="ctr"/>
-            <a:endParaRPr b="0" lang="en-US" sz="4400" spc="-1" strike="noStrike">
+            <a:endParaRPr lang="en-US" sz="4400" b="0" strike="noStrike" spc="-1">
               <a:latin typeface="Arial"/>
             </a:endParaRPr>
           </a:p>
@@ -449,11 +657,12 @@
           </a:prstGeom>
         </p:spPr>
         <p:txBody>
-          <a:bodyPr lIns="0" rIns="0" tIns="0" bIns="0">
+          <a:bodyPr lIns="0" tIns="0" rIns="0" bIns="0">
             <a:normAutofit/>
           </a:bodyPr>
-          <a:p>
-            <a:endParaRPr b="0" lang="en-US" sz="3200" spc="-1" strike="noStrike">
+          <a:lstStyle/>
+          <a:p>
+            <a:endParaRPr lang="en-US" sz="3200" b="0" strike="noStrike" spc="-1">
               <a:latin typeface="Arial"/>
             </a:endParaRPr>
           </a:p>
@@ -479,11 +688,12 @@
           </a:prstGeom>
         </p:spPr>
         <p:txBody>
-          <a:bodyPr lIns="0" rIns="0" tIns="0" bIns="0">
+          <a:bodyPr lIns="0" tIns="0" rIns="0" bIns="0">
             <a:normAutofit/>
           </a:bodyPr>
-          <a:p>
-            <a:endParaRPr b="0" lang="en-US" sz="3200" spc="-1" strike="noStrike">
+          <a:lstStyle/>
+          <a:p>
+            <a:endParaRPr lang="en-US" sz="3200" b="0" strike="noStrike" spc="-1">
               <a:latin typeface="Arial"/>
             </a:endParaRPr>
           </a:p>
@@ -491,11 +701,14 @@
       </p:sp>
     </p:spTree>
   </p:cSld>
+  <p:clrMapOvr>
+    <a:masterClrMapping/>
+  </p:clrMapOvr>
 </p:sldLayout>
 </file>
 
 <file path=ppt/slideLayouts/slideLayout11.xml><?xml version="1.0" encoding="utf-8"?>
-<p:sldLayout xmlns:a="http://schemas.openxmlformats.org/drawingml/2006/main" xmlns:p="http://schemas.openxmlformats.org/presentationml/2006/main" xmlns:r="http://schemas.openxmlformats.org/officeDocument/2006/relationships" xmlns:p14="http://schemas.microsoft.com/office/powerpoint/2010/main" xmlns:p15="http://schemas.microsoft.com/office/powerpoint/2012/main" xmlns:mc="http://schemas.openxmlformats.org/markup-compatibility/2006" type="fourObj" preserve="1">
+<p:sldLayout xmlns:a="http://schemas.openxmlformats.org/drawingml/2006/main" xmlns:r="http://schemas.openxmlformats.org/officeDocument/2006/relationships" xmlns:p="http://schemas.openxmlformats.org/presentationml/2006/main" type="fourObj" preserve="1">
   <p:cSld name="Title, 4 Content">
     <p:spTree>
       <p:nvGrpSpPr>
@@ -531,10 +744,11 @@
           </a:prstGeom>
         </p:spPr>
         <p:txBody>
-          <a:bodyPr lIns="0" rIns="0" tIns="0" bIns="0" anchor="ctr"/>
+          <a:bodyPr lIns="0" tIns="0" rIns="0" bIns="0" anchor="ctr"/>
+          <a:lstStyle/>
           <a:p>
             <a:pPr algn="ctr"/>
-            <a:endParaRPr b="0" lang="en-US" sz="4400" spc="-1" strike="noStrike">
+            <a:endParaRPr lang="en-US" sz="4400" b="0" strike="noStrike" spc="-1">
               <a:latin typeface="Arial"/>
             </a:endParaRPr>
           </a:p>
@@ -560,11 +774,12 @@
           </a:prstGeom>
         </p:spPr>
         <p:txBody>
-          <a:bodyPr lIns="0" rIns="0" tIns="0" bIns="0">
+          <a:bodyPr lIns="0" tIns="0" rIns="0" bIns="0">
             <a:normAutofit/>
           </a:bodyPr>
-          <a:p>
-            <a:endParaRPr b="0" lang="en-US" sz="3200" spc="-1" strike="noStrike">
+          <a:lstStyle/>
+          <a:p>
+            <a:endParaRPr lang="en-US" sz="3200" b="0" strike="noStrike" spc="-1">
               <a:latin typeface="Arial"/>
             </a:endParaRPr>
           </a:p>
@@ -590,11 +805,12 @@
           </a:prstGeom>
         </p:spPr>
         <p:txBody>
-          <a:bodyPr lIns="0" rIns="0" tIns="0" bIns="0">
+          <a:bodyPr lIns="0" tIns="0" rIns="0" bIns="0">
             <a:normAutofit/>
           </a:bodyPr>
-          <a:p>
-            <a:endParaRPr b="0" lang="en-US" sz="3200" spc="-1" strike="noStrike">
+          <a:lstStyle/>
+          <a:p>
+            <a:endParaRPr lang="en-US" sz="3200" b="0" strike="noStrike" spc="-1">
               <a:latin typeface="Arial"/>
             </a:endParaRPr>
           </a:p>
@@ -620,11 +836,12 @@
           </a:prstGeom>
         </p:spPr>
         <p:txBody>
-          <a:bodyPr lIns="0" rIns="0" tIns="0" bIns="0">
+          <a:bodyPr lIns="0" tIns="0" rIns="0" bIns="0">
             <a:normAutofit/>
           </a:bodyPr>
-          <a:p>
-            <a:endParaRPr b="0" lang="en-US" sz="3200" spc="-1" strike="noStrike">
+          <a:lstStyle/>
+          <a:p>
+            <a:endParaRPr lang="en-US" sz="3200" b="0" strike="noStrike" spc="-1">
               <a:latin typeface="Arial"/>
             </a:endParaRPr>
           </a:p>
@@ -650,11 +867,12 @@
           </a:prstGeom>
         </p:spPr>
         <p:txBody>
-          <a:bodyPr lIns="0" rIns="0" tIns="0" bIns="0">
+          <a:bodyPr lIns="0" tIns="0" rIns="0" bIns="0">
             <a:normAutofit/>
           </a:bodyPr>
-          <a:p>
-            <a:endParaRPr b="0" lang="en-US" sz="3200" spc="-1" strike="noStrike">
+          <a:lstStyle/>
+          <a:p>
+            <a:endParaRPr lang="en-US" sz="3200" b="0" strike="noStrike" spc="-1">
               <a:latin typeface="Arial"/>
             </a:endParaRPr>
           </a:p>
@@ -662,11 +880,14 @@
       </p:sp>
     </p:spTree>
   </p:cSld>
+  <p:clrMapOvr>
+    <a:masterClrMapping/>
+  </p:clrMapOvr>
 </p:sldLayout>
 </file>
 
 <file path=ppt/slideLayouts/slideLayout12.xml><?xml version="1.0" encoding="utf-8"?>
-<p:sldLayout xmlns:a="http://schemas.openxmlformats.org/drawingml/2006/main" xmlns:p="http://schemas.openxmlformats.org/presentationml/2006/main" xmlns:r="http://schemas.openxmlformats.org/officeDocument/2006/relationships" xmlns:p14="http://schemas.microsoft.com/office/powerpoint/2010/main" xmlns:p15="http://schemas.microsoft.com/office/powerpoint/2012/main" xmlns:mc="http://schemas.openxmlformats.org/markup-compatibility/2006" type="blank" preserve="1">
+<p:sldLayout xmlns:a="http://schemas.openxmlformats.org/drawingml/2006/main" xmlns:r="http://schemas.openxmlformats.org/officeDocument/2006/relationships" xmlns:p="http://schemas.openxmlformats.org/presentationml/2006/main" type="blank" preserve="1">
   <p:cSld name="Title, 6 Content">
     <p:spTree>
       <p:nvGrpSpPr>
@@ -702,10 +923,11 @@
           </a:prstGeom>
         </p:spPr>
         <p:txBody>
-          <a:bodyPr lIns="0" rIns="0" tIns="0" bIns="0" anchor="ctr"/>
+          <a:bodyPr lIns="0" tIns="0" rIns="0" bIns="0" anchor="ctr"/>
+          <a:lstStyle/>
           <a:p>
             <a:pPr algn="ctr"/>
-            <a:endParaRPr b="0" lang="en-US" sz="4400" spc="-1" strike="noStrike">
+            <a:endParaRPr lang="en-US" sz="4400" b="0" strike="noStrike" spc="-1">
               <a:latin typeface="Arial"/>
             </a:endParaRPr>
           </a:p>
@@ -731,11 +953,12 @@
           </a:prstGeom>
         </p:spPr>
         <p:txBody>
-          <a:bodyPr lIns="0" rIns="0" tIns="0" bIns="0">
+          <a:bodyPr lIns="0" tIns="0" rIns="0" bIns="0">
             <a:normAutofit/>
           </a:bodyPr>
-          <a:p>
-            <a:endParaRPr b="0" lang="en-US" sz="3200" spc="-1" strike="noStrike">
+          <a:lstStyle/>
+          <a:p>
+            <a:endParaRPr lang="en-US" sz="3200" b="0" strike="noStrike" spc="-1">
               <a:latin typeface="Arial"/>
             </a:endParaRPr>
           </a:p>
@@ -761,11 +984,12 @@
           </a:prstGeom>
         </p:spPr>
         <p:txBody>
-          <a:bodyPr lIns="0" rIns="0" tIns="0" bIns="0">
+          <a:bodyPr lIns="0" tIns="0" rIns="0" bIns="0">
             <a:normAutofit/>
           </a:bodyPr>
-          <a:p>
-            <a:endParaRPr b="0" lang="en-US" sz="3200" spc="-1" strike="noStrike">
+          <a:lstStyle/>
+          <a:p>
+            <a:endParaRPr lang="en-US" sz="3200" b="0" strike="noStrike" spc="-1">
               <a:latin typeface="Arial"/>
             </a:endParaRPr>
           </a:p>
@@ -791,11 +1015,12 @@
           </a:prstGeom>
         </p:spPr>
         <p:txBody>
-          <a:bodyPr lIns="0" rIns="0" tIns="0" bIns="0">
+          <a:bodyPr lIns="0" tIns="0" rIns="0" bIns="0">
             <a:normAutofit/>
           </a:bodyPr>
-          <a:p>
-            <a:endParaRPr b="0" lang="en-US" sz="3200" spc="-1" strike="noStrike">
+          <a:lstStyle/>
+          <a:p>
+            <a:endParaRPr lang="en-US" sz="3200" b="0" strike="noStrike" spc="-1">
               <a:latin typeface="Arial"/>
             </a:endParaRPr>
           </a:p>
@@ -821,11 +1046,12 @@
           </a:prstGeom>
         </p:spPr>
         <p:txBody>
-          <a:bodyPr lIns="0" rIns="0" tIns="0" bIns="0">
+          <a:bodyPr lIns="0" tIns="0" rIns="0" bIns="0">
             <a:normAutofit/>
           </a:bodyPr>
-          <a:p>
-            <a:endParaRPr b="0" lang="en-US" sz="3200" spc="-1" strike="noStrike">
+          <a:lstStyle/>
+          <a:p>
+            <a:endParaRPr lang="en-US" sz="3200" b="0" strike="noStrike" spc="-1">
               <a:latin typeface="Arial"/>
             </a:endParaRPr>
           </a:p>
@@ -851,11 +1077,12 @@
           </a:prstGeom>
         </p:spPr>
         <p:txBody>
-          <a:bodyPr lIns="0" rIns="0" tIns="0" bIns="0">
+          <a:bodyPr lIns="0" tIns="0" rIns="0" bIns="0">
             <a:normAutofit/>
           </a:bodyPr>
-          <a:p>
-            <a:endParaRPr b="0" lang="en-US" sz="3200" spc="-1" strike="noStrike">
+          <a:lstStyle/>
+          <a:p>
+            <a:endParaRPr lang="en-US" sz="3200" b="0" strike="noStrike" spc="-1">
               <a:latin typeface="Arial"/>
             </a:endParaRPr>
           </a:p>
@@ -881,11 +1108,12 @@
           </a:prstGeom>
         </p:spPr>
         <p:txBody>
-          <a:bodyPr lIns="0" rIns="0" tIns="0" bIns="0">
+          <a:bodyPr lIns="0" tIns="0" rIns="0" bIns="0">
             <a:normAutofit/>
           </a:bodyPr>
-          <a:p>
-            <a:endParaRPr b="0" lang="en-US" sz="3200" spc="-1" strike="noStrike">
+          <a:lstStyle/>
+          <a:p>
+            <a:endParaRPr lang="en-US" sz="3200" b="0" strike="noStrike" spc="-1">
               <a:latin typeface="Arial"/>
             </a:endParaRPr>
           </a:p>
@@ -893,11 +1121,14 @@
       </p:sp>
     </p:spTree>
   </p:cSld>
+  <p:clrMapOvr>
+    <a:masterClrMapping/>
+  </p:clrMapOvr>
 </p:sldLayout>
 </file>
 
 <file path=ppt/slideLayouts/slideLayout2.xml><?xml version="1.0" encoding="utf-8"?>
-<p:sldLayout xmlns:a="http://schemas.openxmlformats.org/drawingml/2006/main" xmlns:p="http://schemas.openxmlformats.org/presentationml/2006/main" xmlns:r="http://schemas.openxmlformats.org/officeDocument/2006/relationships" xmlns:p14="http://schemas.microsoft.com/office/powerpoint/2010/main" xmlns:p15="http://schemas.microsoft.com/office/powerpoint/2012/main" xmlns:mc="http://schemas.openxmlformats.org/markup-compatibility/2006" type="tx" preserve="1">
+<p:sldLayout xmlns:a="http://schemas.openxmlformats.org/drawingml/2006/main" xmlns:r="http://schemas.openxmlformats.org/officeDocument/2006/relationships" xmlns:p="http://schemas.openxmlformats.org/presentationml/2006/main" type="tx" preserve="1">
   <p:cSld name="Title Slide">
     <p:spTree>
       <p:nvGrpSpPr>
@@ -915,7 +1146,7 @@
       </p:grpSpPr>
       <p:sp>
         <p:nvSpPr>
-          <p:cNvPr id="0" name="PlaceHolder 1"/>
+          <p:cNvPr id="2" name="PlaceHolder 1"/>
           <p:cNvSpPr>
             <a:spLocks noGrp="1"/>
           </p:cNvSpPr>
@@ -933,18 +1164,19 @@
           </a:prstGeom>
         </p:spPr>
         <p:txBody>
-          <a:bodyPr lIns="0" rIns="0" tIns="0" bIns="0" anchor="ctr"/>
+          <a:bodyPr lIns="0" tIns="0" rIns="0" bIns="0" anchor="ctr"/>
+          <a:lstStyle/>
           <a:p>
             <a:pPr algn="ctr"/>
-            <a:endParaRPr b="0" lang="en-US" sz="4400" spc="-1" strike="noStrike">
-              <a:latin typeface="Arial"/>
-            </a:endParaRPr>
-          </a:p>
-        </p:txBody>
-      </p:sp>
-      <p:sp>
-        <p:nvSpPr>
-          <p:cNvPr id="1" name="PlaceHolder 2"/>
+            <a:endParaRPr lang="en-US" sz="4400" b="0" strike="noStrike" spc="-1">
+              <a:latin typeface="Arial"/>
+            </a:endParaRPr>
+          </a:p>
+        </p:txBody>
+      </p:sp>
+      <p:sp>
+        <p:nvSpPr>
+          <p:cNvPr id="3" name="PlaceHolder 2"/>
           <p:cNvSpPr>
             <a:spLocks noGrp="1"/>
           </p:cNvSpPr>
@@ -962,10 +1194,11 @@
           </a:prstGeom>
         </p:spPr>
         <p:txBody>
-          <a:bodyPr lIns="0" rIns="0" tIns="0" bIns="0" anchor="ctr"/>
+          <a:bodyPr lIns="0" tIns="0" rIns="0" bIns="0" anchor="ctr"/>
+          <a:lstStyle/>
           <a:p>
             <a:pPr algn="ctr"/>
-            <a:endParaRPr b="0" lang="en-US" sz="3200" spc="-1" strike="noStrike">
+            <a:endParaRPr lang="en-US" sz="3200" b="0" strike="noStrike" spc="-1">
               <a:latin typeface="Arial"/>
             </a:endParaRPr>
           </a:p>
@@ -973,11 +1206,14 @@
       </p:sp>
     </p:spTree>
   </p:cSld>
+  <p:clrMapOvr>
+    <a:masterClrMapping/>
+  </p:clrMapOvr>
 </p:sldLayout>
 </file>
 
 <file path=ppt/slideLayouts/slideLayout3.xml><?xml version="1.0" encoding="utf-8"?>
-<p:sldLayout xmlns:a="http://schemas.openxmlformats.org/drawingml/2006/main" xmlns:p="http://schemas.openxmlformats.org/presentationml/2006/main" xmlns:r="http://schemas.openxmlformats.org/officeDocument/2006/relationships" xmlns:p14="http://schemas.microsoft.com/office/powerpoint/2010/main" xmlns:p15="http://schemas.microsoft.com/office/powerpoint/2012/main" xmlns:mc="http://schemas.openxmlformats.org/markup-compatibility/2006" type="obj" preserve="1">
+<p:sldLayout xmlns:a="http://schemas.openxmlformats.org/drawingml/2006/main" xmlns:r="http://schemas.openxmlformats.org/officeDocument/2006/relationships" xmlns:p="http://schemas.openxmlformats.org/presentationml/2006/main" type="obj" preserve="1">
   <p:cSld name="Title, Content">
     <p:spTree>
       <p:nvGrpSpPr>
@@ -1013,10 +1249,11 @@
           </a:prstGeom>
         </p:spPr>
         <p:txBody>
-          <a:bodyPr lIns="0" rIns="0" tIns="0" bIns="0" anchor="ctr"/>
+          <a:bodyPr lIns="0" tIns="0" rIns="0" bIns="0" anchor="ctr"/>
+          <a:lstStyle/>
           <a:p>
             <a:pPr algn="ctr"/>
-            <a:endParaRPr b="0" lang="en-US" sz="4400" spc="-1" strike="noStrike">
+            <a:endParaRPr lang="en-US" sz="4400" b="0" strike="noStrike" spc="-1">
               <a:latin typeface="Arial"/>
             </a:endParaRPr>
           </a:p>
@@ -1042,11 +1279,12 @@
           </a:prstGeom>
         </p:spPr>
         <p:txBody>
-          <a:bodyPr lIns="0" rIns="0" tIns="0" bIns="0">
+          <a:bodyPr lIns="0" tIns="0" rIns="0" bIns="0">
             <a:normAutofit/>
           </a:bodyPr>
-          <a:p>
-            <a:endParaRPr b="0" lang="en-US" sz="3200" spc="-1" strike="noStrike">
+          <a:lstStyle/>
+          <a:p>
+            <a:endParaRPr lang="en-US" sz="3200" b="0" strike="noStrike" spc="-1">
               <a:latin typeface="Arial"/>
             </a:endParaRPr>
           </a:p>
@@ -1054,11 +1292,14 @@
       </p:sp>
     </p:spTree>
   </p:cSld>
+  <p:clrMapOvr>
+    <a:masterClrMapping/>
+  </p:clrMapOvr>
 </p:sldLayout>
 </file>
 
 <file path=ppt/slideLayouts/slideLayout4.xml><?xml version="1.0" encoding="utf-8"?>
-<p:sldLayout xmlns:a="http://schemas.openxmlformats.org/drawingml/2006/main" xmlns:p="http://schemas.openxmlformats.org/presentationml/2006/main" xmlns:r="http://schemas.openxmlformats.org/officeDocument/2006/relationships" xmlns:p14="http://schemas.microsoft.com/office/powerpoint/2010/main" xmlns:p15="http://schemas.microsoft.com/office/powerpoint/2012/main" xmlns:mc="http://schemas.openxmlformats.org/markup-compatibility/2006" type="twoObj" preserve="1">
+<p:sldLayout xmlns:a="http://schemas.openxmlformats.org/drawingml/2006/main" xmlns:r="http://schemas.openxmlformats.org/officeDocument/2006/relationships" xmlns:p="http://schemas.openxmlformats.org/presentationml/2006/main" type="twoObj" preserve="1">
   <p:cSld name="Title, 2 Content">
     <p:spTree>
       <p:nvGrpSpPr>
@@ -1094,10 +1335,11 @@
           </a:prstGeom>
         </p:spPr>
         <p:txBody>
-          <a:bodyPr lIns="0" rIns="0" tIns="0" bIns="0" anchor="ctr"/>
+          <a:bodyPr lIns="0" tIns="0" rIns="0" bIns="0" anchor="ctr"/>
+          <a:lstStyle/>
           <a:p>
             <a:pPr algn="ctr"/>
-            <a:endParaRPr b="0" lang="en-US" sz="4400" spc="-1" strike="noStrike">
+            <a:endParaRPr lang="en-US" sz="4400" b="0" strike="noStrike" spc="-1">
               <a:latin typeface="Arial"/>
             </a:endParaRPr>
           </a:p>
@@ -1123,11 +1365,12 @@
           </a:prstGeom>
         </p:spPr>
         <p:txBody>
-          <a:bodyPr lIns="0" rIns="0" tIns="0" bIns="0">
+          <a:bodyPr lIns="0" tIns="0" rIns="0" bIns="0">
             <a:normAutofit/>
           </a:bodyPr>
-          <a:p>
-            <a:endParaRPr b="0" lang="en-US" sz="3200" spc="-1" strike="noStrike">
+          <a:lstStyle/>
+          <a:p>
+            <a:endParaRPr lang="en-US" sz="3200" b="0" strike="noStrike" spc="-1">
               <a:latin typeface="Arial"/>
             </a:endParaRPr>
           </a:p>
@@ -1153,11 +1396,12 @@
           </a:prstGeom>
         </p:spPr>
         <p:txBody>
-          <a:bodyPr lIns="0" rIns="0" tIns="0" bIns="0">
+          <a:bodyPr lIns="0" tIns="0" rIns="0" bIns="0">
             <a:normAutofit/>
           </a:bodyPr>
-          <a:p>
-            <a:endParaRPr b="0" lang="en-US" sz="3200" spc="-1" strike="noStrike">
+          <a:lstStyle/>
+          <a:p>
+            <a:endParaRPr lang="en-US" sz="3200" b="0" strike="noStrike" spc="-1">
               <a:latin typeface="Arial"/>
             </a:endParaRPr>
           </a:p>
@@ -1165,11 +1409,14 @@
       </p:sp>
     </p:spTree>
   </p:cSld>
+  <p:clrMapOvr>
+    <a:masterClrMapping/>
+  </p:clrMapOvr>
 </p:sldLayout>
 </file>
 
 <file path=ppt/slideLayouts/slideLayout5.xml><?xml version="1.0" encoding="utf-8"?>
-<p:sldLayout xmlns:a="http://schemas.openxmlformats.org/drawingml/2006/main" xmlns:p="http://schemas.openxmlformats.org/presentationml/2006/main" xmlns:r="http://schemas.openxmlformats.org/officeDocument/2006/relationships" xmlns:p14="http://schemas.microsoft.com/office/powerpoint/2010/main" xmlns:p15="http://schemas.microsoft.com/office/powerpoint/2012/main" xmlns:mc="http://schemas.openxmlformats.org/markup-compatibility/2006" type="titleOnly" preserve="1">
+<p:sldLayout xmlns:a="http://schemas.openxmlformats.org/drawingml/2006/main" xmlns:r="http://schemas.openxmlformats.org/officeDocument/2006/relationships" xmlns:p="http://schemas.openxmlformats.org/presentationml/2006/main" type="titleOnly" preserve="1">
   <p:cSld name="Title Only">
     <p:spTree>
       <p:nvGrpSpPr>
@@ -1205,10 +1452,11 @@
           </a:prstGeom>
         </p:spPr>
         <p:txBody>
-          <a:bodyPr lIns="0" rIns="0" tIns="0" bIns="0" anchor="ctr"/>
+          <a:bodyPr lIns="0" tIns="0" rIns="0" bIns="0" anchor="ctr"/>
+          <a:lstStyle/>
           <a:p>
             <a:pPr algn="ctr"/>
-            <a:endParaRPr b="0" lang="en-US" sz="4400" spc="-1" strike="noStrike">
+            <a:endParaRPr lang="en-US" sz="4400" b="0" strike="noStrike" spc="-1">
               <a:latin typeface="Arial"/>
             </a:endParaRPr>
           </a:p>
@@ -1216,11 +1464,14 @@
       </p:sp>
     </p:spTree>
   </p:cSld>
+  <p:clrMapOvr>
+    <a:masterClrMapping/>
+  </p:clrMapOvr>
 </p:sldLayout>
 </file>
 
 <file path=ppt/slideLayouts/slideLayout6.xml><?xml version="1.0" encoding="utf-8"?>
-<p:sldLayout xmlns:a="http://schemas.openxmlformats.org/drawingml/2006/main" xmlns:p="http://schemas.openxmlformats.org/presentationml/2006/main" xmlns:r="http://schemas.openxmlformats.org/officeDocument/2006/relationships" xmlns:p14="http://schemas.microsoft.com/office/powerpoint/2010/main" xmlns:p15="http://schemas.microsoft.com/office/powerpoint/2012/main" xmlns:mc="http://schemas.openxmlformats.org/markup-compatibility/2006" type="objOnly" preserve="1">
+<p:sldLayout xmlns:a="http://schemas.openxmlformats.org/drawingml/2006/main" xmlns:r="http://schemas.openxmlformats.org/officeDocument/2006/relationships" xmlns:p="http://schemas.openxmlformats.org/presentationml/2006/main" type="objOnly" preserve="1">
   <p:cSld name="Centered Text">
     <p:spTree>
       <p:nvGrpSpPr>
@@ -1256,10 +1507,11 @@
           </a:prstGeom>
         </p:spPr>
         <p:txBody>
-          <a:bodyPr lIns="0" rIns="0" tIns="0" bIns="0" anchor="ctr"/>
+          <a:bodyPr lIns="0" tIns="0" rIns="0" bIns="0" anchor="ctr"/>
+          <a:lstStyle/>
           <a:p>
             <a:pPr algn="ctr"/>
-            <a:endParaRPr b="0" lang="en-US" sz="3200" spc="-1" strike="noStrike">
+            <a:endParaRPr lang="en-US" sz="3200" b="0" strike="noStrike" spc="-1">
               <a:latin typeface="Arial"/>
             </a:endParaRPr>
           </a:p>
@@ -1267,11 +1519,14 @@
       </p:sp>
     </p:spTree>
   </p:cSld>
+  <p:clrMapOvr>
+    <a:masterClrMapping/>
+  </p:clrMapOvr>
 </p:sldLayout>
 </file>
 
 <file path=ppt/slideLayouts/slideLayout7.xml><?xml version="1.0" encoding="utf-8"?>
-<p:sldLayout xmlns:a="http://schemas.openxmlformats.org/drawingml/2006/main" xmlns:p="http://schemas.openxmlformats.org/presentationml/2006/main" xmlns:r="http://schemas.openxmlformats.org/officeDocument/2006/relationships" xmlns:p14="http://schemas.microsoft.com/office/powerpoint/2010/main" xmlns:p15="http://schemas.microsoft.com/office/powerpoint/2012/main" xmlns:mc="http://schemas.openxmlformats.org/markup-compatibility/2006" type="twoObjAndObj" preserve="1">
+<p:sldLayout xmlns:a="http://schemas.openxmlformats.org/drawingml/2006/main" xmlns:r="http://schemas.openxmlformats.org/officeDocument/2006/relationships" xmlns:p="http://schemas.openxmlformats.org/presentationml/2006/main" type="twoObjAndObj" preserve="1">
   <p:cSld name="Title, 2 Content and Content">
     <p:spTree>
       <p:nvGrpSpPr>
@@ -1307,10 +1562,11 @@
           </a:prstGeom>
         </p:spPr>
         <p:txBody>
-          <a:bodyPr lIns="0" rIns="0" tIns="0" bIns="0" anchor="ctr"/>
+          <a:bodyPr lIns="0" tIns="0" rIns="0" bIns="0" anchor="ctr"/>
+          <a:lstStyle/>
           <a:p>
             <a:pPr algn="ctr"/>
-            <a:endParaRPr b="0" lang="en-US" sz="4400" spc="-1" strike="noStrike">
+            <a:endParaRPr lang="en-US" sz="4400" b="0" strike="noStrike" spc="-1">
               <a:latin typeface="Arial"/>
             </a:endParaRPr>
           </a:p>
@@ -1336,11 +1592,12 @@
           </a:prstGeom>
         </p:spPr>
         <p:txBody>
-          <a:bodyPr lIns="0" rIns="0" tIns="0" bIns="0">
+          <a:bodyPr lIns="0" tIns="0" rIns="0" bIns="0">
             <a:normAutofit/>
           </a:bodyPr>
-          <a:p>
-            <a:endParaRPr b="0" lang="en-US" sz="3200" spc="-1" strike="noStrike">
+          <a:lstStyle/>
+          <a:p>
+            <a:endParaRPr lang="en-US" sz="3200" b="0" strike="noStrike" spc="-1">
               <a:latin typeface="Arial"/>
             </a:endParaRPr>
           </a:p>
@@ -1366,11 +1623,12 @@
           </a:prstGeom>
         </p:spPr>
         <p:txBody>
-          <a:bodyPr lIns="0" rIns="0" tIns="0" bIns="0">
+          <a:bodyPr lIns="0" tIns="0" rIns="0" bIns="0">
             <a:normAutofit/>
           </a:bodyPr>
-          <a:p>
-            <a:endParaRPr b="0" lang="en-US" sz="3200" spc="-1" strike="noStrike">
+          <a:lstStyle/>
+          <a:p>
+            <a:endParaRPr lang="en-US" sz="3200" b="0" strike="noStrike" spc="-1">
               <a:latin typeface="Arial"/>
             </a:endParaRPr>
           </a:p>
@@ -1396,11 +1654,12 @@
           </a:prstGeom>
         </p:spPr>
         <p:txBody>
-          <a:bodyPr lIns="0" rIns="0" tIns="0" bIns="0">
+          <a:bodyPr lIns="0" tIns="0" rIns="0" bIns="0">
             <a:normAutofit/>
           </a:bodyPr>
-          <a:p>
-            <a:endParaRPr b="0" lang="en-US" sz="3200" spc="-1" strike="noStrike">
+          <a:lstStyle/>
+          <a:p>
+            <a:endParaRPr lang="en-US" sz="3200" b="0" strike="noStrike" spc="-1">
               <a:latin typeface="Arial"/>
             </a:endParaRPr>
           </a:p>
@@ -1408,11 +1667,14 @@
       </p:sp>
     </p:spTree>
   </p:cSld>
+  <p:clrMapOvr>
+    <a:masterClrMapping/>
+  </p:clrMapOvr>
 </p:sldLayout>
 </file>
 
 <file path=ppt/slideLayouts/slideLayout8.xml><?xml version="1.0" encoding="utf-8"?>
-<p:sldLayout xmlns:a="http://schemas.openxmlformats.org/drawingml/2006/main" xmlns:p="http://schemas.openxmlformats.org/presentationml/2006/main" xmlns:r="http://schemas.openxmlformats.org/officeDocument/2006/relationships" xmlns:p14="http://schemas.microsoft.com/office/powerpoint/2010/main" xmlns:p15="http://schemas.microsoft.com/office/powerpoint/2012/main" xmlns:mc="http://schemas.openxmlformats.org/markup-compatibility/2006" type="objAndTwoObj" preserve="1">
+<p:sldLayout xmlns:a="http://schemas.openxmlformats.org/drawingml/2006/main" xmlns:r="http://schemas.openxmlformats.org/officeDocument/2006/relationships" xmlns:p="http://schemas.openxmlformats.org/presentationml/2006/main" type="objAndTwoObj" preserve="1">
   <p:cSld name="Title Content and 2 Content">
     <p:spTree>
       <p:nvGrpSpPr>
@@ -1448,10 +1710,11 @@
           </a:prstGeom>
         </p:spPr>
         <p:txBody>
-          <a:bodyPr lIns="0" rIns="0" tIns="0" bIns="0" anchor="ctr"/>
+          <a:bodyPr lIns="0" tIns="0" rIns="0" bIns="0" anchor="ctr"/>
+          <a:lstStyle/>
           <a:p>
             <a:pPr algn="ctr"/>
-            <a:endParaRPr b="0" lang="en-US" sz="4400" spc="-1" strike="noStrike">
+            <a:endParaRPr lang="en-US" sz="4400" b="0" strike="noStrike" spc="-1">
               <a:latin typeface="Arial"/>
             </a:endParaRPr>
           </a:p>
@@ -1477,11 +1740,12 @@
           </a:prstGeom>
         </p:spPr>
         <p:txBody>
-          <a:bodyPr lIns="0" rIns="0" tIns="0" bIns="0">
+          <a:bodyPr lIns="0" tIns="0" rIns="0" bIns="0">
             <a:normAutofit/>
           </a:bodyPr>
-          <a:p>
-            <a:endParaRPr b="0" lang="en-US" sz="3200" spc="-1" strike="noStrike">
+          <a:lstStyle/>
+          <a:p>
+            <a:endParaRPr lang="en-US" sz="3200" b="0" strike="noStrike" spc="-1">
               <a:latin typeface="Arial"/>
             </a:endParaRPr>
           </a:p>
@@ -1507,11 +1771,12 @@
           </a:prstGeom>
         </p:spPr>
         <p:txBody>
-          <a:bodyPr lIns="0" rIns="0" tIns="0" bIns="0">
+          <a:bodyPr lIns="0" tIns="0" rIns="0" bIns="0">
             <a:normAutofit/>
           </a:bodyPr>
-          <a:p>
-            <a:endParaRPr b="0" lang="en-US" sz="3200" spc="-1" strike="noStrike">
+          <a:lstStyle/>
+          <a:p>
+            <a:endParaRPr lang="en-US" sz="3200" b="0" strike="noStrike" spc="-1">
               <a:latin typeface="Arial"/>
             </a:endParaRPr>
           </a:p>
@@ -1537,11 +1802,12 @@
           </a:prstGeom>
         </p:spPr>
         <p:txBody>
-          <a:bodyPr lIns="0" rIns="0" tIns="0" bIns="0">
+          <a:bodyPr lIns="0" tIns="0" rIns="0" bIns="0">
             <a:normAutofit/>
           </a:bodyPr>
-          <a:p>
-            <a:endParaRPr b="0" lang="en-US" sz="3200" spc="-1" strike="noStrike">
+          <a:lstStyle/>
+          <a:p>
+            <a:endParaRPr lang="en-US" sz="3200" b="0" strike="noStrike" spc="-1">
               <a:latin typeface="Arial"/>
             </a:endParaRPr>
           </a:p>
@@ -1549,11 +1815,14 @@
       </p:sp>
     </p:spTree>
   </p:cSld>
+  <p:clrMapOvr>
+    <a:masterClrMapping/>
+  </p:clrMapOvr>
 </p:sldLayout>
 </file>
 
 <file path=ppt/slideLayouts/slideLayout9.xml><?xml version="1.0" encoding="utf-8"?>
-<p:sldLayout xmlns:a="http://schemas.openxmlformats.org/drawingml/2006/main" xmlns:p="http://schemas.openxmlformats.org/presentationml/2006/main" xmlns:r="http://schemas.openxmlformats.org/officeDocument/2006/relationships" xmlns:p14="http://schemas.microsoft.com/office/powerpoint/2010/main" xmlns:p15="http://schemas.microsoft.com/office/powerpoint/2012/main" xmlns:mc="http://schemas.openxmlformats.org/markup-compatibility/2006" type="twoObjOverTx" preserve="1">
+<p:sldLayout xmlns:a="http://schemas.openxmlformats.org/drawingml/2006/main" xmlns:r="http://schemas.openxmlformats.org/officeDocument/2006/relationships" xmlns:p="http://schemas.openxmlformats.org/presentationml/2006/main" type="twoObjOverTx" preserve="1">
   <p:cSld name="Title, 2 Content over Content">
     <p:spTree>
       <p:nvGrpSpPr>
@@ -1589,10 +1858,11 @@
           </a:prstGeom>
         </p:spPr>
         <p:txBody>
-          <a:bodyPr lIns="0" rIns="0" tIns="0" bIns="0" anchor="ctr"/>
+          <a:bodyPr lIns="0" tIns="0" rIns="0" bIns="0" anchor="ctr"/>
+          <a:lstStyle/>
           <a:p>
             <a:pPr algn="ctr"/>
-            <a:endParaRPr b="0" lang="en-US" sz="4400" spc="-1" strike="noStrike">
+            <a:endParaRPr lang="en-US" sz="4400" b="0" strike="noStrike" spc="-1">
               <a:latin typeface="Arial"/>
             </a:endParaRPr>
           </a:p>
@@ -1618,11 +1888,12 @@
           </a:prstGeom>
         </p:spPr>
         <p:txBody>
-          <a:bodyPr lIns="0" rIns="0" tIns="0" bIns="0">
+          <a:bodyPr lIns="0" tIns="0" rIns="0" bIns="0">
             <a:normAutofit/>
           </a:bodyPr>
-          <a:p>
-            <a:endParaRPr b="0" lang="en-US" sz="3200" spc="-1" strike="noStrike">
+          <a:lstStyle/>
+          <a:p>
+            <a:endParaRPr lang="en-US" sz="3200" b="0" strike="noStrike" spc="-1">
               <a:latin typeface="Arial"/>
             </a:endParaRPr>
           </a:p>
@@ -1648,11 +1919,12 @@
           </a:prstGeom>
         </p:spPr>
         <p:txBody>
-          <a:bodyPr lIns="0" rIns="0" tIns="0" bIns="0">
+          <a:bodyPr lIns="0" tIns="0" rIns="0" bIns="0">
             <a:normAutofit/>
           </a:bodyPr>
-          <a:p>
-            <a:endParaRPr b="0" lang="en-US" sz="3200" spc="-1" strike="noStrike">
+          <a:lstStyle/>
+          <a:p>
+            <a:endParaRPr lang="en-US" sz="3200" b="0" strike="noStrike" spc="-1">
               <a:latin typeface="Arial"/>
             </a:endParaRPr>
           </a:p>
@@ -1678,11 +1950,12 @@
           </a:prstGeom>
         </p:spPr>
         <p:txBody>
-          <a:bodyPr lIns="0" rIns="0" tIns="0" bIns="0">
+          <a:bodyPr lIns="0" tIns="0" rIns="0" bIns="0">
             <a:normAutofit/>
           </a:bodyPr>
-          <a:p>
-            <a:endParaRPr b="0" lang="en-US" sz="3200" spc="-1" strike="noStrike">
+          <a:lstStyle/>
+          <a:p>
+            <a:endParaRPr lang="en-US" sz="3200" b="0" strike="noStrike" spc="-1">
               <a:latin typeface="Arial"/>
             </a:endParaRPr>
           </a:p>
@@ -1690,17 +1963,21 @@
       </p:sp>
     </p:spTree>
   </p:cSld>
+  <p:clrMapOvr>
+    <a:masterClrMapping/>
+  </p:clrMapOvr>
 </p:sldLayout>
 </file>
 
 <file path=ppt/slideMasters/slideMaster1.xml><?xml version="1.0" encoding="utf-8"?>
-<p:sldMaster xmlns:a="http://schemas.openxmlformats.org/drawingml/2006/main" xmlns:p="http://schemas.openxmlformats.org/presentationml/2006/main" xmlns:r="http://schemas.openxmlformats.org/officeDocument/2006/relationships" xmlns:p14="http://schemas.microsoft.com/office/powerpoint/2010/main" xmlns:p15="http://schemas.microsoft.com/office/powerpoint/2012/main" xmlns:mc="http://schemas.openxmlformats.org/markup-compatibility/2006">
+<p:sldMaster xmlns:a="http://schemas.openxmlformats.org/drawingml/2006/main" xmlns:r="http://schemas.openxmlformats.org/officeDocument/2006/relationships" xmlns:p="http://schemas.openxmlformats.org/presentationml/2006/main">
   <p:cSld>
     <p:bg>
       <p:bgPr>
         <a:solidFill>
-          <a:srgbClr val="ffffff"/>
+          <a:srgbClr val="FFFFFF"/>
         </a:solidFill>
+        <a:effectLst/>
       </p:bgPr>
     </p:bg>
     <p:spTree>
@@ -1719,26 +1996,306 @@
       </p:grpSpPr>
     </p:spTree>
   </p:cSld>
-  <p:clrMap bg1="lt1" bg2="lt2" tx1="dk1" tx2="dk2" accent1="accent1" accent2="accent2" accent3="accent3" accent4="accent4" accent5="accent5" accent6="accent6" hlink="hlink" folHlink="folHlink"/>
+  <p:clrMap bg1="lt1" tx1="dk1" bg2="lt2" tx2="dk2" accent1="accent1" accent2="accent2" accent3="accent3" accent4="accent4" accent5="accent5" accent6="accent6" hlink="hlink" folHlink="folHlink"/>
   <p:sldLayoutIdLst>
-    <p:sldLayoutId id="2147483649" r:id="rId2"/>
-    <p:sldLayoutId id="2147483650" r:id="rId3"/>
-    <p:sldLayoutId id="2147483651" r:id="rId4"/>
-    <p:sldLayoutId id="2147483652" r:id="rId5"/>
-    <p:sldLayoutId id="2147483653" r:id="rId6"/>
-    <p:sldLayoutId id="2147483654" r:id="rId7"/>
-    <p:sldLayoutId id="2147483655" r:id="rId8"/>
-    <p:sldLayoutId id="2147483656" r:id="rId9"/>
-    <p:sldLayoutId id="2147483657" r:id="rId10"/>
-    <p:sldLayoutId id="2147483658" r:id="rId11"/>
-    <p:sldLayoutId id="2147483659" r:id="rId12"/>
-    <p:sldLayoutId id="2147483660" r:id="rId13"/>
+    <p:sldLayoutId id="2147483649" r:id="rId1"/>
+    <p:sldLayoutId id="2147483650" r:id="rId2"/>
+    <p:sldLayoutId id="2147483651" r:id="rId3"/>
+    <p:sldLayoutId id="2147483652" r:id="rId4"/>
+    <p:sldLayoutId id="2147483653" r:id="rId5"/>
+    <p:sldLayoutId id="2147483654" r:id="rId6"/>
+    <p:sldLayoutId id="2147483655" r:id="rId7"/>
+    <p:sldLayoutId id="2147483656" r:id="rId8"/>
+    <p:sldLayoutId id="2147483657" r:id="rId9"/>
+    <p:sldLayoutId id="2147483658" r:id="rId10"/>
+    <p:sldLayoutId id="2147483659" r:id="rId11"/>
+    <p:sldLayoutId id="2147483660" r:id="rId12"/>
   </p:sldLayoutIdLst>
+  <p:txStyles>
+    <p:titleStyle>
+      <a:lvl1pPr algn="l" defTabSz="914400" rtl="0" eaLnBrk="1" latinLnBrk="0" hangingPunct="1">
+        <a:lnSpc>
+          <a:spcPct val="90000"/>
+        </a:lnSpc>
+        <a:spcBef>
+          <a:spcPct val="0"/>
+        </a:spcBef>
+        <a:buNone/>
+        <a:defRPr sz="4400" kern="1200">
+          <a:solidFill>
+            <a:schemeClr val="tx1"/>
+          </a:solidFill>
+          <a:latin typeface="+mj-lt"/>
+          <a:ea typeface="+mj-ea"/>
+          <a:cs typeface="+mj-cs"/>
+        </a:defRPr>
+      </a:lvl1pPr>
+    </p:titleStyle>
+    <p:bodyStyle>
+      <a:lvl1pPr marL="228600" indent="-228600" algn="l" defTabSz="914400" rtl="0" eaLnBrk="1" latinLnBrk="0" hangingPunct="1">
+        <a:lnSpc>
+          <a:spcPct val="90000"/>
+        </a:lnSpc>
+        <a:spcBef>
+          <a:spcPts val="1000"/>
+        </a:spcBef>
+        <a:buFont typeface="Arial"/>
+        <a:buChar char="•"/>
+        <a:defRPr sz="2800" kern="1200">
+          <a:solidFill>
+            <a:schemeClr val="tx1"/>
+          </a:solidFill>
+          <a:latin typeface="+mn-lt"/>
+          <a:ea typeface="+mn-ea"/>
+          <a:cs typeface="+mn-cs"/>
+        </a:defRPr>
+      </a:lvl1pPr>
+      <a:lvl2pPr marL="685800" indent="-228600" algn="l" defTabSz="914400" rtl="0" eaLnBrk="1" latinLnBrk="0" hangingPunct="1">
+        <a:lnSpc>
+          <a:spcPct val="90000"/>
+        </a:lnSpc>
+        <a:spcBef>
+          <a:spcPts val="500"/>
+        </a:spcBef>
+        <a:buFont typeface="Arial"/>
+        <a:buChar char="•"/>
+        <a:defRPr sz="2400" kern="1200">
+          <a:solidFill>
+            <a:schemeClr val="tx1"/>
+          </a:solidFill>
+          <a:latin typeface="+mn-lt"/>
+          <a:ea typeface="+mn-ea"/>
+          <a:cs typeface="+mn-cs"/>
+        </a:defRPr>
+      </a:lvl2pPr>
+      <a:lvl3pPr marL="1143000" indent="-228600" algn="l" defTabSz="914400" rtl="0" eaLnBrk="1" latinLnBrk="0" hangingPunct="1">
+        <a:lnSpc>
+          <a:spcPct val="90000"/>
+        </a:lnSpc>
+        <a:spcBef>
+          <a:spcPts val="500"/>
+        </a:spcBef>
+        <a:buFont typeface="Arial"/>
+        <a:buChar char="•"/>
+        <a:defRPr sz="2000" kern="1200">
+          <a:solidFill>
+            <a:schemeClr val="tx1"/>
+          </a:solidFill>
+          <a:latin typeface="+mn-lt"/>
+          <a:ea typeface="+mn-ea"/>
+          <a:cs typeface="+mn-cs"/>
+        </a:defRPr>
+      </a:lvl3pPr>
+      <a:lvl4pPr marL="1600200" indent="-228600" algn="l" defTabSz="914400" rtl="0" eaLnBrk="1" latinLnBrk="0" hangingPunct="1">
+        <a:lnSpc>
+          <a:spcPct val="90000"/>
+        </a:lnSpc>
+        <a:spcBef>
+          <a:spcPts val="500"/>
+        </a:spcBef>
+        <a:buFont typeface="Arial"/>
+        <a:buChar char="•"/>
+        <a:defRPr sz="1800" kern="1200">
+          <a:solidFill>
+            <a:schemeClr val="tx1"/>
+          </a:solidFill>
+          <a:latin typeface="+mn-lt"/>
+          <a:ea typeface="+mn-ea"/>
+          <a:cs typeface="+mn-cs"/>
+        </a:defRPr>
+      </a:lvl4pPr>
+      <a:lvl5pPr marL="2057400" indent="-228600" algn="l" defTabSz="914400" rtl="0" eaLnBrk="1" latinLnBrk="0" hangingPunct="1">
+        <a:lnSpc>
+          <a:spcPct val="90000"/>
+        </a:lnSpc>
+        <a:spcBef>
+          <a:spcPts val="500"/>
+        </a:spcBef>
+        <a:buFont typeface="Arial"/>
+        <a:buChar char="•"/>
+        <a:defRPr sz="1800" kern="1200">
+          <a:solidFill>
+            <a:schemeClr val="tx1"/>
+          </a:solidFill>
+          <a:latin typeface="+mn-lt"/>
+          <a:ea typeface="+mn-ea"/>
+          <a:cs typeface="+mn-cs"/>
+        </a:defRPr>
+      </a:lvl5pPr>
+      <a:lvl6pPr marL="2514600" indent="-228600" algn="l" defTabSz="914400" rtl="0" eaLnBrk="1" latinLnBrk="0" hangingPunct="1">
+        <a:lnSpc>
+          <a:spcPct val="90000"/>
+        </a:lnSpc>
+        <a:spcBef>
+          <a:spcPts val="500"/>
+        </a:spcBef>
+        <a:buFont typeface="Arial"/>
+        <a:buChar char="•"/>
+        <a:defRPr sz="1800" kern="1200">
+          <a:solidFill>
+            <a:schemeClr val="tx1"/>
+          </a:solidFill>
+          <a:latin typeface="+mn-lt"/>
+          <a:ea typeface="+mn-ea"/>
+          <a:cs typeface="+mn-cs"/>
+        </a:defRPr>
+      </a:lvl6pPr>
+      <a:lvl7pPr marL="2971800" indent="-228600" algn="l" defTabSz="914400" rtl="0" eaLnBrk="1" latinLnBrk="0" hangingPunct="1">
+        <a:lnSpc>
+          <a:spcPct val="90000"/>
+        </a:lnSpc>
+        <a:spcBef>
+          <a:spcPts val="500"/>
+        </a:spcBef>
+        <a:buFont typeface="Arial"/>
+        <a:buChar char="•"/>
+        <a:defRPr sz="1800" kern="1200">
+          <a:solidFill>
+            <a:schemeClr val="tx1"/>
+          </a:solidFill>
+          <a:latin typeface="+mn-lt"/>
+          <a:ea typeface="+mn-ea"/>
+          <a:cs typeface="+mn-cs"/>
+        </a:defRPr>
+      </a:lvl7pPr>
+      <a:lvl8pPr marL="3429000" indent="-228600" algn="l" defTabSz="914400" rtl="0" eaLnBrk="1" latinLnBrk="0" hangingPunct="1">
+        <a:lnSpc>
+          <a:spcPct val="90000"/>
+        </a:lnSpc>
+        <a:spcBef>
+          <a:spcPts val="500"/>
+        </a:spcBef>
+        <a:buFont typeface="Arial"/>
+        <a:buChar char="•"/>
+        <a:defRPr sz="1800" kern="1200">
+          <a:solidFill>
+            <a:schemeClr val="tx1"/>
+          </a:solidFill>
+          <a:latin typeface="+mn-lt"/>
+          <a:ea typeface="+mn-ea"/>
+          <a:cs typeface="+mn-cs"/>
+        </a:defRPr>
+      </a:lvl8pPr>
+      <a:lvl9pPr marL="3886200" indent="-228600" algn="l" defTabSz="914400" rtl="0" eaLnBrk="1" latinLnBrk="0" hangingPunct="1">
+        <a:lnSpc>
+          <a:spcPct val="90000"/>
+        </a:lnSpc>
+        <a:spcBef>
+          <a:spcPts val="500"/>
+        </a:spcBef>
+        <a:buFont typeface="Arial"/>
+        <a:buChar char="•"/>
+        <a:defRPr sz="1800" kern="1200">
+          <a:solidFill>
+            <a:schemeClr val="tx1"/>
+          </a:solidFill>
+          <a:latin typeface="+mn-lt"/>
+          <a:ea typeface="+mn-ea"/>
+          <a:cs typeface="+mn-cs"/>
+        </a:defRPr>
+      </a:lvl9pPr>
+    </p:bodyStyle>
+    <p:otherStyle>
+      <a:defPPr>
+        <a:defRPr lang="en-US"/>
+      </a:defPPr>
+      <a:lvl1pPr marL="0" algn="l" defTabSz="914400" rtl="0" eaLnBrk="1" latinLnBrk="0" hangingPunct="1">
+        <a:defRPr sz="1800" kern="1200">
+          <a:solidFill>
+            <a:schemeClr val="tx1"/>
+          </a:solidFill>
+          <a:latin typeface="+mn-lt"/>
+          <a:ea typeface="+mn-ea"/>
+          <a:cs typeface="+mn-cs"/>
+        </a:defRPr>
+      </a:lvl1pPr>
+      <a:lvl2pPr marL="457200" algn="l" defTabSz="914400" rtl="0" eaLnBrk="1" latinLnBrk="0" hangingPunct="1">
+        <a:defRPr sz="1800" kern="1200">
+          <a:solidFill>
+            <a:schemeClr val="tx1"/>
+          </a:solidFill>
+          <a:latin typeface="+mn-lt"/>
+          <a:ea typeface="+mn-ea"/>
+          <a:cs typeface="+mn-cs"/>
+        </a:defRPr>
+      </a:lvl2pPr>
+      <a:lvl3pPr marL="914400" algn="l" defTabSz="914400" rtl="0" eaLnBrk="1" latinLnBrk="0" hangingPunct="1">
+        <a:defRPr sz="1800" kern="1200">
+          <a:solidFill>
+            <a:schemeClr val="tx1"/>
+          </a:solidFill>
+          <a:latin typeface="+mn-lt"/>
+          <a:ea typeface="+mn-ea"/>
+          <a:cs typeface="+mn-cs"/>
+        </a:defRPr>
+      </a:lvl3pPr>
+      <a:lvl4pPr marL="1371600" algn="l" defTabSz="914400" rtl="0" eaLnBrk="1" latinLnBrk="0" hangingPunct="1">
+        <a:defRPr sz="1800" kern="1200">
+          <a:solidFill>
+            <a:schemeClr val="tx1"/>
+          </a:solidFill>
+          <a:latin typeface="+mn-lt"/>
+          <a:ea typeface="+mn-ea"/>
+          <a:cs typeface="+mn-cs"/>
+        </a:defRPr>
+      </a:lvl4pPr>
+      <a:lvl5pPr marL="1828800" algn="l" defTabSz="914400" rtl="0" eaLnBrk="1" latinLnBrk="0" hangingPunct="1">
+        <a:defRPr sz="1800" kern="1200">
+          <a:solidFill>
+            <a:schemeClr val="tx1"/>
+          </a:solidFill>
+          <a:latin typeface="+mn-lt"/>
+          <a:ea typeface="+mn-ea"/>
+          <a:cs typeface="+mn-cs"/>
+        </a:defRPr>
+      </a:lvl5pPr>
+      <a:lvl6pPr marL="2286000" algn="l" defTabSz="914400" rtl="0" eaLnBrk="1" latinLnBrk="0" hangingPunct="1">
+        <a:defRPr sz="1800" kern="1200">
+          <a:solidFill>
+            <a:schemeClr val="tx1"/>
+          </a:solidFill>
+          <a:latin typeface="+mn-lt"/>
+          <a:ea typeface="+mn-ea"/>
+          <a:cs typeface="+mn-cs"/>
+        </a:defRPr>
+      </a:lvl6pPr>
+      <a:lvl7pPr marL="2743200" algn="l" defTabSz="914400" rtl="0" eaLnBrk="1" latinLnBrk="0" hangingPunct="1">
+        <a:defRPr sz="1800" kern="1200">
+          <a:solidFill>
+            <a:schemeClr val="tx1"/>
+          </a:solidFill>
+          <a:latin typeface="+mn-lt"/>
+          <a:ea typeface="+mn-ea"/>
+          <a:cs typeface="+mn-cs"/>
+        </a:defRPr>
+      </a:lvl7pPr>
+      <a:lvl8pPr marL="3200400" algn="l" defTabSz="914400" rtl="0" eaLnBrk="1" latinLnBrk="0" hangingPunct="1">
+        <a:defRPr sz="1800" kern="1200">
+          <a:solidFill>
+            <a:schemeClr val="tx1"/>
+          </a:solidFill>
+          <a:latin typeface="+mn-lt"/>
+          <a:ea typeface="+mn-ea"/>
+          <a:cs typeface="+mn-cs"/>
+        </a:defRPr>
+      </a:lvl8pPr>
+      <a:lvl9pPr marL="3657600" algn="l" defTabSz="914400" rtl="0" eaLnBrk="1" latinLnBrk="0" hangingPunct="1">
+        <a:defRPr sz="1800" kern="1200">
+          <a:solidFill>
+            <a:schemeClr val="tx1"/>
+          </a:solidFill>
+          <a:latin typeface="+mn-lt"/>
+          <a:ea typeface="+mn-ea"/>
+          <a:cs typeface="+mn-cs"/>
+        </a:defRPr>
+      </a:lvl9pPr>
+    </p:otherStyle>
+  </p:txStyles>
 </p:sldMaster>
 </file>
 
 <file path=ppt/slides/slide1.xml><?xml version="1.0" encoding="utf-8"?>
-<p:sld xmlns:a="http://schemas.openxmlformats.org/drawingml/2006/main" xmlns:p="http://schemas.openxmlformats.org/presentationml/2006/main" xmlns:r="http://schemas.openxmlformats.org/officeDocument/2006/relationships" xmlns:p14="http://schemas.microsoft.com/office/powerpoint/2010/main" xmlns:p15="http://schemas.microsoft.com/office/powerpoint/2012/main" xmlns:mc="http://schemas.openxmlformats.org/markup-compatibility/2006">
+<p:sld xmlns:a="http://schemas.openxmlformats.org/drawingml/2006/main" xmlns:r="http://schemas.openxmlformats.org/officeDocument/2006/relationships" xmlns:p="http://schemas.openxmlformats.org/presentationml/2006/main">
   <p:cSld>
     <p:spTree>
       <p:nvGrpSpPr>
@@ -1788,13 +2345,20 @@
             </a:ln>
           </p:spPr>
           <p:style>
-            <a:lnRef idx="0"/>
-            <a:fillRef idx="0"/>
-            <a:effectRef idx="0"/>
+            <a:lnRef idx="0">
+              <a:scrgbClr r="0" g="0" b="0"/>
+            </a:lnRef>
+            <a:fillRef idx="0">
+              <a:scrgbClr r="0" g="0" b="0"/>
+            </a:fillRef>
+            <a:effectRef idx="0">
+              <a:scrgbClr r="0" g="0" b="0"/>
+            </a:effectRef>
             <a:fontRef idx="minor"/>
           </p:style>
           <p:txBody>
-            <a:bodyPr lIns="90000" rIns="90000" tIns="45000" bIns="45000"/>
+            <a:bodyPr lIns="90000" tIns="45000" rIns="90000" bIns="45000"/>
+            <a:lstStyle/>
             <a:p>
               <a:pPr algn="just">
                 <a:lnSpc>
@@ -1802,7 +2366,7 @@
                 </a:lnSpc>
               </a:pPr>
               <a:r>
-                <a:rPr b="0" lang="en-US" sz="3200" spc="-1" strike="noStrike">
+                <a:rPr lang="en-US" sz="3200" b="0" strike="noStrike" spc="-1">
                   <a:solidFill>
                     <a:srgbClr val="000000"/>
                   </a:solidFill>
@@ -1811,7 +2375,7 @@
                 </a:rPr>
                 <a:t>Honey bees are a significant contributors to ecology and agriculture within the United States. Since the early 2000s, the slogan “Save the Bees” has been spreading rapidly across America, and it has been evident that bees are dying at a swift pace. Many of these campaigns focus on harmful pesticides that kill much of the bee populations. There is also a huge astigmatism against honey as it is their main production. This project aims to determine the correlation, if at all, between the population of bees in the United States, the use of bee-killing pesticides, and the sale of honey.</a:t>
               </a:r>
-              <a:endParaRPr b="0" lang="en-US" sz="3200" spc="-1" strike="noStrike">
+              <a:endParaRPr lang="en-US" sz="3200" b="0" strike="noStrike" spc="-1">
                 <a:latin typeface="Arial"/>
               </a:endParaRPr>
             </a:p>
@@ -1821,7 +2385,7 @@
                   <a:spcPct val="100000"/>
                 </a:lnSpc>
               </a:pPr>
-              <a:endParaRPr b="0" lang="en-US" sz="3200" spc="-1" strike="noStrike">
+              <a:endParaRPr lang="en-US" sz="3200" b="0" strike="noStrike" spc="-1">
                 <a:latin typeface="Arial"/>
               </a:endParaRPr>
             </a:p>
@@ -1832,7 +2396,7 @@
                 </a:lnSpc>
               </a:pPr>
               <a:r>
-                <a:rPr b="0" lang="en-US" sz="3200" spc="-1" strike="noStrike">
+                <a:rPr lang="en-US" sz="3200" b="0" strike="noStrike" spc="-1">
                   <a:solidFill>
                     <a:srgbClr val="000000"/>
                   </a:solidFill>
@@ -1841,7 +2405,7 @@
                 </a:rPr>
                 <a:t>To make an informed analysis, multiple datasets have been derived from different sources. The first dataset looks at the number of bee colonies in different states, and was found on the website for the U.S. Department of Agriculture National Agricultural Statistics Service Quick Stats Dataset. The second dataset looks at the pounds of honey and the prices of honey for different states, and was retrieved from the website of the National Agricultural Statistics Service (NASS) of the U.S. Department of Agriculture. Finally, the third dataset, created by the Department of the Interior’s US Geological Surveyor Nancy T Baker, looks into the use of pesticides in the United States.</a:t>
               </a:r>
-              <a:endParaRPr b="0" lang="en-US" sz="3200" spc="-1" strike="noStrike">
+              <a:endParaRPr lang="en-US" sz="3200" b="0" strike="noStrike" spc="-1">
                 <a:latin typeface="Arial"/>
               </a:endParaRPr>
             </a:p>
@@ -1851,7 +2415,7 @@
                   <a:spcPct val="100000"/>
                 </a:lnSpc>
               </a:pPr>
-              <a:endParaRPr b="0" lang="en-US" sz="3200" spc="-1" strike="noStrike">
+              <a:endParaRPr lang="en-US" sz="3200" b="0" strike="noStrike" spc="-1">
                 <a:latin typeface="Arial"/>
               </a:endParaRPr>
             </a:p>
@@ -1862,7 +2426,7 @@
                 </a:lnSpc>
               </a:pPr>
               <a:r>
-                <a:rPr b="0" lang="en-US" sz="3200" spc="-1" strike="noStrike">
+                <a:rPr lang="en-US" sz="3200" b="0" strike="noStrike" spc="-1">
                   <a:solidFill>
                     <a:srgbClr val="000000"/>
                   </a:solidFill>
@@ -1871,7 +2435,7 @@
                 </a:rPr>
                 <a:t>This poster focuses on the various aspects of the project itself. We begin by stating our hypotheses about the given topics of bees population, honey production sales, and pesticide usage sales. We, then, highlight our process for analyzing the datasets for potential patterns as well as initial analysis. Furthermore, a deeper analysis is provided through given code and data visualization. Finally, our conclusion summarizes the findings of this project as well as whether our hypotheses were supported or not.</a:t>
               </a:r>
-              <a:endParaRPr b="0" lang="en-US" sz="3200" spc="-1" strike="noStrike">
+              <a:endParaRPr lang="en-US" sz="3200" b="0" strike="noStrike" spc="-1">
                 <a:latin typeface="Arial"/>
               </a:endParaRPr>
             </a:p>
@@ -1892,20 +2456,27 @@
               <a:avLst/>
             </a:prstGeom>
             <a:solidFill>
-              <a:srgbClr val="eae37c"/>
+              <a:srgbClr val="EAE37C"/>
             </a:solidFill>
             <a:ln w="12600">
               <a:noFill/>
             </a:ln>
           </p:spPr>
           <p:style>
-            <a:lnRef idx="0"/>
-            <a:fillRef idx="0"/>
-            <a:effectRef idx="0"/>
+            <a:lnRef idx="0">
+              <a:scrgbClr r="0" g="0" b="0"/>
+            </a:lnRef>
+            <a:fillRef idx="0">
+              <a:scrgbClr r="0" g="0" b="0"/>
+            </a:fillRef>
+            <a:effectRef idx="0">
+              <a:scrgbClr r="0" g="0" b="0"/>
+            </a:effectRef>
             <a:fontRef idx="minor"/>
           </p:style>
           <p:txBody>
-            <a:bodyPr lIns="0" rIns="0" tIns="0" bIns="0" anchor="ctr"/>
+            <a:bodyPr lIns="0" tIns="0" rIns="0" bIns="0" anchor="ctr"/>
+            <a:lstStyle/>
             <a:p>
               <a:pPr algn="ctr">
                 <a:lnSpc>
@@ -1913,7 +2484,7 @@
                 </a:lnSpc>
               </a:pPr>
               <a:r>
-                <a:rPr b="1" lang="en-US" sz="4000" spc="-1" strike="noStrike">
+                <a:rPr lang="en-US" sz="4000" b="1" strike="noStrike" spc="-1">
                   <a:solidFill>
                     <a:srgbClr val="000000"/>
                   </a:solidFill>
@@ -1922,7 +2493,7 @@
                 </a:rPr>
                 <a:t>Abstract</a:t>
               </a:r>
-              <a:endParaRPr b="0" lang="en-US" sz="4000" spc="-1" strike="noStrike">
+              <a:endParaRPr lang="en-US" sz="4000" b="0" strike="noStrike" spc="-1">
                 <a:latin typeface="Arial"/>
               </a:endParaRPr>
             </a:p>
@@ -1949,13 +2520,20 @@
           </a:ln>
         </p:spPr>
         <p:style>
-          <a:lnRef idx="0"/>
-          <a:fillRef idx="0"/>
-          <a:effectRef idx="0"/>
+          <a:lnRef idx="0">
+            <a:scrgbClr r="0" g="0" b="0"/>
+          </a:lnRef>
+          <a:fillRef idx="0">
+            <a:scrgbClr r="0" g="0" b="0"/>
+          </a:fillRef>
+          <a:effectRef idx="0">
+            <a:scrgbClr r="0" g="0" b="0"/>
+          </a:effectRef>
           <a:fontRef idx="minor"/>
         </p:style>
         <p:txBody>
-          <a:bodyPr lIns="0" rIns="18720" tIns="0" bIns="0"/>
+          <a:bodyPr lIns="0" tIns="0" rIns="18720" bIns="0"/>
+          <a:lstStyle/>
           <a:p>
             <a:pPr marL="17640" algn="ctr">
               <a:lnSpc>
@@ -1966,7 +2544,7 @@
               </a:spcBef>
             </a:pPr>
             <a:r>
-              <a:rPr b="1" lang="en-US" sz="4800" spc="-1" strike="noStrike">
+              <a:rPr lang="en-US" sz="4800" b="1" strike="noStrike" spc="-1" dirty="0">
                 <a:solidFill>
                   <a:srgbClr val="000000"/>
                 </a:solidFill>
@@ -1975,7 +2553,7 @@
               </a:rPr>
               <a:t>Analyzing Honey Bees in the United States</a:t>
             </a:r>
-            <a:endParaRPr b="0" lang="en-US" sz="4800" spc="-1" strike="noStrike">
+            <a:endParaRPr lang="en-US" sz="4800" b="0" strike="noStrike" spc="-1" dirty="0">
               <a:latin typeface="Arial"/>
             </a:endParaRPr>
           </a:p>
@@ -1988,7 +2566,7 @@
                 <a:spcPts val="666"/>
               </a:spcBef>
             </a:pPr>
-            <a:endParaRPr b="0" lang="en-US" sz="4800" spc="-1" strike="noStrike">
+            <a:endParaRPr lang="en-US" sz="3200" b="0" strike="noStrike" spc="-1" dirty="0">
               <a:latin typeface="Arial"/>
             </a:endParaRPr>
           </a:p>
@@ -2002,16 +2580,66 @@
               </a:spcBef>
             </a:pPr>
             <a:r>
-              <a:rPr b="0" lang="en-US" sz="2400" spc="-1" strike="noStrike">
+              <a:rPr lang="en-US" sz="2400" b="0" strike="noStrike" spc="-1" dirty="0" err="1">
                 <a:solidFill>
                   <a:srgbClr val="000000"/>
                 </a:solidFill>
                 <a:latin typeface="Arial Black"/>
                 <a:ea typeface="Arial Black"/>
               </a:rPr>
-              <a:t>Charly Huang, Josephine Lyons, Pragati Pant, Meenu Ravi</a:t>
-            </a:r>
-            <a:endParaRPr b="0" lang="en-US" sz="2400" spc="-1" strike="noStrike">
+              <a:t>Charly</a:t>
+            </a:r>
+            <a:r>
+              <a:rPr lang="en-US" sz="2400" b="0" strike="noStrike" spc="-1" dirty="0">
+                <a:solidFill>
+                  <a:srgbClr val="000000"/>
+                </a:solidFill>
+                <a:latin typeface="Arial Black"/>
+                <a:ea typeface="Arial Black"/>
+              </a:rPr>
+              <a:t> Huang, Josephine Lyons, </a:t>
+            </a:r>
+            <a:r>
+              <a:rPr lang="en-US" sz="2400" b="0" strike="noStrike" spc="-1" dirty="0" err="1">
+                <a:solidFill>
+                  <a:srgbClr val="000000"/>
+                </a:solidFill>
+                <a:latin typeface="Arial Black"/>
+                <a:ea typeface="Arial Black"/>
+              </a:rPr>
+              <a:t>Pragati</a:t>
+            </a:r>
+            <a:r>
+              <a:rPr lang="en-US" sz="2400" b="0" strike="noStrike" spc="-1" dirty="0">
+                <a:solidFill>
+                  <a:srgbClr val="000000"/>
+                </a:solidFill>
+                <a:latin typeface="Arial Black"/>
+                <a:ea typeface="Arial Black"/>
+              </a:rPr>
+              <a:t> Pant, </a:t>
+            </a:r>
+            <a:r>
+              <a:rPr lang="en-US" sz="2400" b="0" strike="noStrike" spc="-1" dirty="0" err="1">
+                <a:solidFill>
+                  <a:srgbClr val="000000"/>
+                </a:solidFill>
+                <a:latin typeface="Arial Black"/>
+                <a:ea typeface="Arial Black"/>
+              </a:rPr>
+              <a:t>Meenu</a:t>
+            </a:r>
+            <a:r>
+              <a:rPr lang="en-US" sz="2400" b="0" strike="noStrike" spc="-1" dirty="0">
+                <a:solidFill>
+                  <a:srgbClr val="000000"/>
+                </a:solidFill>
+                <a:latin typeface="Arial Black"/>
+                <a:ea typeface="Arial Black"/>
+              </a:rPr>
+              <a:t> Ravi</a:t>
+            </a:r>
+            <a:endParaRPr lang="en-US" sz="2400" b="0" strike="noStrike" spc="-1" dirty="0">
               <a:latin typeface="Arial"/>
             </a:endParaRPr>
           </a:p>
@@ -2025,7 +2653,7 @@
               </a:spcBef>
             </a:pPr>
             <a:r>
-              <a:rPr b="1" lang="en-US" sz="2000" spc="-1" strike="noStrike">
+              <a:rPr lang="en-US" sz="2000" b="1" strike="noStrike" spc="-1" dirty="0">
                 <a:solidFill>
                   <a:srgbClr val="000000"/>
                 </a:solidFill>
@@ -2034,7 +2662,7 @@
               </a:rPr>
               <a:t>Rensselaer Polytechnic Institute, Troy, NY, United States</a:t>
             </a:r>
-            <a:endParaRPr b="0" lang="en-US" sz="2000" spc="-1" strike="noStrike">
+            <a:endParaRPr lang="en-US" sz="2000" b="0" strike="noStrike" spc="-1" dirty="0">
               <a:latin typeface="Arial"/>
             </a:endParaRPr>
           </a:p>
@@ -2047,7 +2675,7 @@
                 <a:spcPts val="666"/>
               </a:spcBef>
             </a:pPr>
-            <a:endParaRPr b="0" lang="en-US" sz="2000" spc="-1" strike="noStrike">
+            <a:endParaRPr lang="en-US" sz="2000" b="0" strike="noStrike" spc="-1" dirty="0">
               <a:latin typeface="Arial"/>
             </a:endParaRPr>
           </a:p>
@@ -2061,16 +2689,46 @@
               </a:spcBef>
             </a:pPr>
             <a:r>
-              <a:rPr b="0" lang="en-US" sz="2000" spc="-1" strike="noStrike">
+              <a:rPr lang="en-US" sz="2000" b="0" strike="noStrike" spc="-1" dirty="0" err="1">
                 <a:solidFill>
                   <a:srgbClr val="000000"/>
                 </a:solidFill>
                 <a:latin typeface="Arial Black"/>
                 <a:ea typeface="Arial Black"/>
               </a:rPr>
-              <a:t>github.com/ITWSDataScience/HoneyBeeColoniesInUSA2019</a:t>
-            </a:r>
-            <a:endParaRPr b="0" lang="en-US" sz="2000" spc="-1" strike="noStrike">
+              <a:t>github.com</a:t>
+            </a:r>
+            <a:r>
+              <a:rPr lang="en-US" sz="2000" b="0" strike="noStrike" spc="-1" dirty="0">
+                <a:solidFill>
+                  <a:srgbClr val="000000"/>
+                </a:solidFill>
+                <a:latin typeface="Arial Black"/>
+                <a:ea typeface="Arial Black"/>
+              </a:rPr>
+              <a:t>/</a:t>
+            </a:r>
+            <a:r>
+              <a:rPr lang="en-US" sz="2000" b="0" strike="noStrike" spc="-1" dirty="0" err="1">
+                <a:solidFill>
+                  <a:srgbClr val="000000"/>
+                </a:solidFill>
+                <a:latin typeface="Arial Black"/>
+                <a:ea typeface="Arial Black"/>
+              </a:rPr>
+              <a:t>ITWSDataScience</a:t>
+            </a:r>
+            <a:r>
+              <a:rPr lang="en-US" sz="2000" b="0" strike="noStrike" spc="-1" dirty="0">
+                <a:solidFill>
+                  <a:srgbClr val="000000"/>
+                </a:solidFill>
+                <a:latin typeface="Arial Black"/>
+                <a:ea typeface="Arial Black"/>
+              </a:rPr>
+              <a:t>/HoneyBeeColoniesInUSA2019</a:t>
+            </a:r>
+            <a:endParaRPr lang="en-US" sz="2000" b="0" strike="noStrike" spc="-1" dirty="0">
               <a:latin typeface="Arial"/>
             </a:endParaRPr>
           </a:p>
@@ -2084,7 +2742,7 @@
               </a:spcBef>
             </a:pPr>
             <a:r>
-              <a:rPr b="1" lang="en-US" sz="2000" spc="-1" strike="noStrike">
+              <a:rPr lang="en-US" sz="2000" b="1" strike="noStrike" spc="-1" dirty="0">
                 <a:solidFill>
                   <a:srgbClr val="000000"/>
                 </a:solidFill>
@@ -2093,7 +2751,7 @@
               </a:rPr>
               <a:t> </a:t>
             </a:r>
-            <a:endParaRPr b="0" lang="en-US" sz="2000" spc="-1" strike="noStrike">
+            <a:endParaRPr lang="en-US" sz="2000" b="0" strike="noStrike" spc="-1" dirty="0">
               <a:latin typeface="Arial"/>
             </a:endParaRPr>
           </a:p>
@@ -2101,12 +2759,12 @@
       </p:sp>
       <p:pic>
         <p:nvPicPr>
-          <p:cNvPr id="46" name="Picture 17" descr=""/>
+          <p:cNvPr id="46" name="Picture 17"/>
           <p:cNvPicPr/>
           <p:nvPr/>
         </p:nvPicPr>
         <p:blipFill>
-          <a:blip r:embed="rId1"/>
+          <a:blip r:embed="rId3"/>
           <a:stretch/>
         </p:blipFill>
         <p:spPr>
@@ -2151,16 +2809,22 @@
               <a:avLst/>
             </a:prstGeom>
             <a:solidFill>
-              <a:srgbClr val="ab7942"/>
+              <a:srgbClr val="AB7942"/>
             </a:solidFill>
             <a:ln w="12600">
               <a:noFill/>
             </a:ln>
           </p:spPr>
           <p:style>
-            <a:lnRef idx="0"/>
-            <a:fillRef idx="0"/>
-            <a:effectRef idx="0"/>
+            <a:lnRef idx="0">
+              <a:scrgbClr r="0" g="0" b="0"/>
+            </a:lnRef>
+            <a:fillRef idx="0">
+              <a:scrgbClr r="0" g="0" b="0"/>
+            </a:fillRef>
+            <a:effectRef idx="0">
+              <a:scrgbClr r="0" g="0" b="0"/>
+            </a:effectRef>
             <a:fontRef idx="minor"/>
           </p:style>
         </p:sp>
@@ -2179,16 +2843,22 @@
               <a:avLst/>
             </a:prstGeom>
             <a:solidFill>
-              <a:srgbClr val="ab7942"/>
+              <a:srgbClr val="AB7942"/>
             </a:solidFill>
             <a:ln w="12600">
               <a:noFill/>
             </a:ln>
           </p:spPr>
           <p:style>
-            <a:lnRef idx="0"/>
-            <a:fillRef idx="0"/>
-            <a:effectRef idx="0"/>
+            <a:lnRef idx="0">
+              <a:scrgbClr r="0" g="0" b="0"/>
+            </a:lnRef>
+            <a:fillRef idx="0">
+              <a:scrgbClr r="0" g="0" b="0"/>
+            </a:fillRef>
+            <a:effectRef idx="0">
+              <a:scrgbClr r="0" g="0" b="0"/>
+            </a:effectRef>
             <a:fontRef idx="minor"/>
           </p:style>
         </p:sp>
@@ -2207,16 +2877,22 @@
               <a:avLst/>
             </a:prstGeom>
             <a:solidFill>
-              <a:srgbClr val="ab7942"/>
+              <a:srgbClr val="AB7942"/>
             </a:solidFill>
             <a:ln w="12600">
               <a:noFill/>
             </a:ln>
           </p:spPr>
           <p:style>
-            <a:lnRef idx="0"/>
-            <a:fillRef idx="0"/>
-            <a:effectRef idx="0"/>
+            <a:lnRef idx="0">
+              <a:scrgbClr r="0" g="0" b="0"/>
+            </a:lnRef>
+            <a:fillRef idx="0">
+              <a:scrgbClr r="0" g="0" b="0"/>
+            </a:fillRef>
+            <a:effectRef idx="0">
+              <a:scrgbClr r="0" g="0" b="0"/>
+            </a:effectRef>
             <a:fontRef idx="minor"/>
           </p:style>
         </p:sp>
@@ -2235,16 +2911,22 @@
               <a:avLst/>
             </a:prstGeom>
             <a:solidFill>
-              <a:srgbClr val="ab7942"/>
+              <a:srgbClr val="AB7942"/>
             </a:solidFill>
             <a:ln w="12600">
               <a:noFill/>
             </a:ln>
           </p:spPr>
           <p:style>
-            <a:lnRef idx="0"/>
-            <a:fillRef idx="0"/>
-            <a:effectRef idx="0"/>
+            <a:lnRef idx="0">
+              <a:scrgbClr r="0" g="0" b="0"/>
+            </a:lnRef>
+            <a:fillRef idx="0">
+              <a:scrgbClr r="0" g="0" b="0"/>
+            </a:fillRef>
+            <a:effectRef idx="0">
+              <a:scrgbClr r="0" g="0" b="0"/>
+            </a:effectRef>
             <a:fontRef idx="minor"/>
           </p:style>
         </p:sp>
@@ -2269,21 +2951,31 @@
           </a:ln>
         </p:spPr>
         <p:style>
-          <a:lnRef idx="0"/>
-          <a:fillRef idx="0"/>
-          <a:effectRef idx="0"/>
+          <a:lnRef idx="0">
+            <a:scrgbClr r="0" g="0" b="0"/>
+          </a:lnRef>
+          <a:fillRef idx="0">
+            <a:scrgbClr r="0" g="0" b="0"/>
+          </a:fillRef>
+          <a:effectRef idx="0">
+            <a:scrgbClr r="0" g="0" b="0"/>
+          </a:effectRef>
           <a:fontRef idx="minor"/>
         </p:style>
         <p:txBody>
-          <a:bodyPr wrap="none" lIns="90000" rIns="90000" tIns="45000" bIns="45000" anchor="ctr"/>
+          <a:bodyPr wrap="none" lIns="90000" tIns="45000" rIns="90000" bIns="45000" anchor="ctr"/>
+          <a:lstStyle/>
           <a:p>
             <a:pPr>
               <a:lnSpc>
                 <a:spcPct val="100000"/>
               </a:lnSpc>
             </a:pPr>
+            <a:r>
+              <a:t/>
+            </a:r>
             <a:br/>
-            <a:endParaRPr b="0" lang="en-US" sz="1800" spc="-1" strike="noStrike">
+            <a:endParaRPr lang="en-US" sz="1800" b="0" strike="noStrike" spc="-1">
               <a:latin typeface="Arial"/>
             </a:endParaRPr>
           </a:p>
@@ -2309,21 +3001,31 @@
           </a:ln>
         </p:spPr>
         <p:style>
-          <a:lnRef idx="0"/>
-          <a:fillRef idx="0"/>
-          <a:effectRef idx="0"/>
+          <a:lnRef idx="0">
+            <a:scrgbClr r="0" g="0" b="0"/>
+          </a:lnRef>
+          <a:fillRef idx="0">
+            <a:scrgbClr r="0" g="0" b="0"/>
+          </a:fillRef>
+          <a:effectRef idx="0">
+            <a:scrgbClr r="0" g="0" b="0"/>
+          </a:effectRef>
           <a:fontRef idx="minor"/>
         </p:style>
         <p:txBody>
-          <a:bodyPr wrap="none" lIns="90000" rIns="90000" tIns="45000" bIns="45000" anchor="ctr"/>
+          <a:bodyPr wrap="none" lIns="90000" tIns="45000" rIns="90000" bIns="45000" anchor="ctr"/>
+          <a:lstStyle/>
           <a:p>
             <a:pPr>
               <a:lnSpc>
                 <a:spcPct val="100000"/>
               </a:lnSpc>
             </a:pPr>
+            <a:r>
+              <a:t/>
+            </a:r>
             <a:br/>
-            <a:endParaRPr b="0" lang="en-US" sz="1800" spc="-1" strike="noStrike">
+            <a:endParaRPr lang="en-US" sz="1800" b="0" strike="noStrike" spc="-1">
               <a:latin typeface="Arial"/>
             </a:endParaRPr>
           </a:p>
@@ -2349,9 +3051,15 @@
           </a:ln>
         </p:spPr>
         <p:style>
-          <a:lnRef idx="0"/>
-          <a:fillRef idx="0"/>
-          <a:effectRef idx="0"/>
+          <a:lnRef idx="0">
+            <a:scrgbClr r="0" g="0" b="0"/>
+          </a:lnRef>
+          <a:fillRef idx="0">
+            <a:scrgbClr r="0" g="0" b="0"/>
+          </a:fillRef>
+          <a:effectRef idx="0">
+            <a:scrgbClr r="0" g="0" b="0"/>
+          </a:effectRef>
           <a:fontRef idx="minor"/>
         </p:style>
       </p:sp>
@@ -2375,13 +3083,20 @@
           </a:ln>
         </p:spPr>
         <p:style>
-          <a:lnRef idx="0"/>
-          <a:fillRef idx="0"/>
-          <a:effectRef idx="0"/>
+          <a:lnRef idx="0">
+            <a:scrgbClr r="0" g="0" b="0"/>
+          </a:lnRef>
+          <a:fillRef idx="0">
+            <a:scrgbClr r="0" g="0" b="0"/>
+          </a:fillRef>
+          <a:effectRef idx="0">
+            <a:scrgbClr r="0" g="0" b="0"/>
+          </a:effectRef>
           <a:fontRef idx="minor"/>
         </p:style>
         <p:txBody>
-          <a:bodyPr lIns="90000" rIns="90000" tIns="45000" bIns="45000"/>
+          <a:bodyPr lIns="90000" tIns="45000" rIns="90000" bIns="45000"/>
+          <a:lstStyle/>
           <a:p>
             <a:pPr algn="just">
               <a:lnSpc>
@@ -2389,7 +3104,7 @@
               </a:lnSpc>
             </a:pPr>
             <a:r>
-              <a:rPr b="1" lang="en-US" sz="3600" spc="-1" strike="noStrike" u="sng">
+              <a:rPr lang="en-US" sz="3600" b="1" u="sng" strike="noStrike" spc="-1">
                 <a:solidFill>
                   <a:srgbClr val="000000"/>
                 </a:solidFill>
@@ -2399,7 +3114,7 @@
               </a:rPr>
               <a:t>Workflow for Data Analysis</a:t>
             </a:r>
-            <a:endParaRPr b="0" lang="en-US" sz="3600" spc="-1" strike="noStrike">
+            <a:endParaRPr lang="en-US" sz="3600" b="0" strike="noStrike" spc="-1">
               <a:latin typeface="Arial"/>
             </a:endParaRPr>
           </a:p>
@@ -2420,20 +3135,27 @@
             <a:avLst/>
           </a:prstGeom>
           <a:solidFill>
-            <a:srgbClr val="eae37c"/>
+            <a:srgbClr val="EAE37C"/>
           </a:solidFill>
           <a:ln w="12600">
             <a:noFill/>
           </a:ln>
         </p:spPr>
         <p:style>
-          <a:lnRef idx="0"/>
-          <a:fillRef idx="0"/>
-          <a:effectRef idx="0"/>
+          <a:lnRef idx="0">
+            <a:scrgbClr r="0" g="0" b="0"/>
+          </a:lnRef>
+          <a:fillRef idx="0">
+            <a:scrgbClr r="0" g="0" b="0"/>
+          </a:fillRef>
+          <a:effectRef idx="0">
+            <a:scrgbClr r="0" g="0" b="0"/>
+          </a:effectRef>
           <a:fontRef idx="minor"/>
         </p:style>
         <p:txBody>
-          <a:bodyPr lIns="0" rIns="0" tIns="0" bIns="0" anchor="ctr"/>
+          <a:bodyPr lIns="0" tIns="0" rIns="0" bIns="0" anchor="ctr"/>
+          <a:lstStyle/>
           <a:p>
             <a:pPr algn="ctr">
               <a:lnSpc>
@@ -2441,7 +3163,7 @@
               </a:lnSpc>
             </a:pPr>
             <a:r>
-              <a:rPr b="1" lang="en-US" sz="4000" spc="-1" strike="noStrike">
+              <a:rPr lang="en-US" sz="4000" b="1" strike="noStrike" spc="-1">
                 <a:solidFill>
                   <a:srgbClr val="000000"/>
                 </a:solidFill>
@@ -2450,7 +3172,7 @@
               </a:rPr>
               <a:t>Analyzing Datasets and Deriving Conclusions</a:t>
             </a:r>
-            <a:endParaRPr b="0" lang="en-US" sz="4000" spc="-1" strike="noStrike">
+            <a:endParaRPr lang="en-US" sz="4000" b="0" strike="noStrike" spc="-1">
               <a:latin typeface="Arial"/>
             </a:endParaRPr>
           </a:p>
@@ -2476,13 +3198,20 @@
           </a:ln>
         </p:spPr>
         <p:style>
-          <a:lnRef idx="0"/>
-          <a:fillRef idx="0"/>
-          <a:effectRef idx="0"/>
+          <a:lnRef idx="0">
+            <a:scrgbClr r="0" g="0" b="0"/>
+          </a:lnRef>
+          <a:fillRef idx="0">
+            <a:scrgbClr r="0" g="0" b="0"/>
+          </a:fillRef>
+          <a:effectRef idx="0">
+            <a:scrgbClr r="0" g="0" b="0"/>
+          </a:effectRef>
           <a:fontRef idx="minor"/>
         </p:style>
         <p:txBody>
-          <a:bodyPr lIns="90000" rIns="90000" tIns="45000" bIns="45000"/>
+          <a:bodyPr lIns="90000" tIns="45000" rIns="90000" bIns="45000"/>
+          <a:lstStyle/>
           <a:p>
             <a:pPr algn="just">
               <a:lnSpc>
@@ -2490,7 +3219,7 @@
               </a:lnSpc>
             </a:pPr>
             <a:r>
-              <a:rPr b="1" lang="en-US" sz="3600" spc="-1" strike="noStrike" u="sng">
+              <a:rPr lang="en-US" sz="3600" b="1" u="sng" strike="noStrike" spc="-1">
                 <a:solidFill>
                   <a:srgbClr val="000000"/>
                 </a:solidFill>
@@ -2500,7 +3229,7 @@
               </a:rPr>
               <a:t>Exploratory Data Analysis</a:t>
             </a:r>
-            <a:endParaRPr b="0" lang="en-US" sz="3600" spc="-1" strike="noStrike">
+            <a:endParaRPr lang="en-US" sz="3600" b="0" strike="noStrike" spc="-1">
               <a:latin typeface="Arial"/>
             </a:endParaRPr>
           </a:p>
@@ -2510,7 +3239,7 @@
                 <a:spcPct val="100000"/>
               </a:lnSpc>
             </a:pPr>
-            <a:endParaRPr b="0" lang="en-US" sz="3600" spc="-1" strike="noStrike">
+            <a:endParaRPr lang="en-US" sz="3600" b="0" strike="noStrike" spc="-1">
               <a:latin typeface="Arial"/>
             </a:endParaRPr>
           </a:p>
@@ -2520,7 +3249,7 @@
                 <a:spcPct val="100000"/>
               </a:lnSpc>
             </a:pPr>
-            <a:endParaRPr b="0" lang="en-US" sz="3600" spc="-1" strike="noStrike">
+            <a:endParaRPr lang="en-US" sz="3600" b="0" strike="noStrike" spc="-1">
               <a:latin typeface="Arial"/>
             </a:endParaRPr>
           </a:p>
@@ -2530,7 +3259,7 @@
                 <a:spcPct val="100000"/>
               </a:lnSpc>
             </a:pPr>
-            <a:endParaRPr b="0" lang="en-US" sz="3600" spc="-1" strike="noStrike">
+            <a:endParaRPr lang="en-US" sz="3600" b="0" strike="noStrike" spc="-1">
               <a:latin typeface="Arial"/>
             </a:endParaRPr>
           </a:p>
@@ -2540,7 +3269,7 @@
                 <a:spcPct val="100000"/>
               </a:lnSpc>
             </a:pPr>
-            <a:endParaRPr b="0" lang="en-US" sz="3600" spc="-1" strike="noStrike">
+            <a:endParaRPr lang="en-US" sz="3600" b="0" strike="noStrike" spc="-1">
               <a:latin typeface="Arial"/>
             </a:endParaRPr>
           </a:p>
@@ -2550,7 +3279,7 @@
                 <a:spcPct val="100000"/>
               </a:lnSpc>
             </a:pPr>
-            <a:endParaRPr b="0" lang="en-US" sz="3600" spc="-1" strike="noStrike">
+            <a:endParaRPr lang="en-US" sz="3600" b="0" strike="noStrike" spc="-1">
               <a:latin typeface="Arial"/>
             </a:endParaRPr>
           </a:p>
@@ -2560,7 +3289,7 @@
                 <a:spcPct val="100000"/>
               </a:lnSpc>
             </a:pPr>
-            <a:endParaRPr b="0" lang="en-US" sz="3600" spc="-1" strike="noStrike">
+            <a:endParaRPr lang="en-US" sz="3600" b="0" strike="noStrike" spc="-1">
               <a:latin typeface="Arial"/>
             </a:endParaRPr>
           </a:p>
@@ -2570,7 +3299,7 @@
                 <a:spcPct val="100000"/>
               </a:lnSpc>
             </a:pPr>
-            <a:endParaRPr b="0" lang="en-US" sz="3600" spc="-1" strike="noStrike">
+            <a:endParaRPr lang="en-US" sz="3600" b="0" strike="noStrike" spc="-1">
               <a:latin typeface="Arial"/>
             </a:endParaRPr>
           </a:p>
@@ -2580,7 +3309,7 @@
                 <a:spcPct val="100000"/>
               </a:lnSpc>
             </a:pPr>
-            <a:endParaRPr b="0" lang="en-US" sz="3600" spc="-1" strike="noStrike">
+            <a:endParaRPr lang="en-US" sz="3600" b="0" strike="noStrike" spc="-1">
               <a:latin typeface="Arial"/>
             </a:endParaRPr>
           </a:p>
@@ -2601,20 +3330,27 @@
             <a:avLst/>
           </a:prstGeom>
           <a:solidFill>
-            <a:srgbClr val="eae37c"/>
+            <a:srgbClr val="EAE37C"/>
           </a:solidFill>
           <a:ln w="12600">
             <a:noFill/>
           </a:ln>
         </p:spPr>
         <p:style>
-          <a:lnRef idx="0"/>
-          <a:fillRef idx="0"/>
-          <a:effectRef idx="0"/>
+          <a:lnRef idx="0">
+            <a:scrgbClr r="0" g="0" b="0"/>
+          </a:lnRef>
+          <a:fillRef idx="0">
+            <a:scrgbClr r="0" g="0" b="0"/>
+          </a:fillRef>
+          <a:effectRef idx="0">
+            <a:scrgbClr r="0" g="0" b="0"/>
+          </a:effectRef>
           <a:fontRef idx="minor"/>
         </p:style>
         <p:txBody>
-          <a:bodyPr lIns="0" rIns="0" tIns="0" bIns="0"/>
+          <a:bodyPr lIns="0" tIns="0" rIns="0" bIns="0"/>
+          <a:lstStyle/>
           <a:p>
             <a:pPr>
               <a:lnSpc>
@@ -2622,7 +3358,7 @@
               </a:lnSpc>
             </a:pPr>
             <a:r>
-              <a:rPr b="1" lang="en-US" sz="2400" spc="-1" strike="noStrike">
+              <a:rPr lang="en-US" sz="2400" b="1" strike="noStrike" spc="-1" dirty="0">
                 <a:solidFill>
                   <a:srgbClr val="000000"/>
                 </a:solidFill>
@@ -2631,7 +3367,7 @@
               </a:rPr>
               <a:t>Resources:</a:t>
             </a:r>
-            <a:endParaRPr b="0" lang="en-US" sz="2400" spc="-1" strike="noStrike">
+            <a:endParaRPr lang="en-US" sz="2400" b="0" strike="noStrike" spc="-1" dirty="0">
               <a:latin typeface="Arial"/>
             </a:endParaRPr>
           </a:p>
@@ -2642,16 +3378,36 @@
               </a:lnSpc>
             </a:pPr>
             <a:r>
-              <a:rPr b="0" lang="en-US" sz="2000" spc="-1" strike="noStrike">
+              <a:rPr lang="en-US" sz="2000" b="0" strike="noStrike" spc="-1" dirty="0">
                 <a:solidFill>
                   <a:srgbClr val="000000"/>
                 </a:solidFill>
                 <a:latin typeface="Arial"/>
                 <a:ea typeface="Arial"/>
               </a:rPr>
-              <a:t>Bee colony population dataset: https://quickstats.nass.usda.gov/</a:t>
-            </a:r>
-            <a:endParaRPr b="0" lang="en-US" sz="2000" spc="-1" strike="noStrike">
+              <a:t>Bee colony population dataset: https://</a:t>
+            </a:r>
+            <a:r>
+              <a:rPr lang="en-US" sz="2000" b="0" strike="noStrike" spc="-1" dirty="0" err="1">
+                <a:solidFill>
+                  <a:srgbClr val="000000"/>
+                </a:solidFill>
+                <a:latin typeface="Arial"/>
+                <a:ea typeface="Arial"/>
+              </a:rPr>
+              <a:t>quickstats.nass.usda.gov</a:t>
+            </a:r>
+            <a:r>
+              <a:rPr lang="en-US" sz="2000" b="0" strike="noStrike" spc="-1" dirty="0">
+                <a:solidFill>
+                  <a:srgbClr val="000000"/>
+                </a:solidFill>
+                <a:latin typeface="Arial"/>
+                <a:ea typeface="Arial"/>
+              </a:rPr>
+              <a:t>/</a:t>
+            </a:r>
+            <a:endParaRPr lang="en-US" sz="2000" b="0" strike="noStrike" spc="-1" dirty="0">
               <a:latin typeface="Arial"/>
             </a:endParaRPr>
           </a:p>
@@ -2662,16 +3418,66 @@
               </a:lnSpc>
             </a:pPr>
             <a:r>
-              <a:rPr b="0" lang="en-US" sz="2000" spc="-1" strike="noStrike">
+              <a:rPr lang="en-US" sz="2000" b="0" strike="noStrike" spc="-1" dirty="0">
                 <a:solidFill>
                   <a:srgbClr val="000000"/>
                 </a:solidFill>
                 <a:latin typeface="Arial"/>
                 <a:ea typeface="Arial"/>
               </a:rPr>
-              <a:t>Honey production sales dataset: https://www.nass.usda.gov/About_NASS/index.php</a:t>
-            </a:r>
-            <a:endParaRPr b="0" lang="en-US" sz="2000" spc="-1" strike="noStrike">
+              <a:t>Honey production sales dataset: https://</a:t>
+            </a:r>
+            <a:r>
+              <a:rPr lang="en-US" sz="2000" b="0" strike="noStrike" spc="-1" dirty="0" err="1">
+                <a:solidFill>
+                  <a:srgbClr val="000000"/>
+                </a:solidFill>
+                <a:latin typeface="Arial"/>
+                <a:ea typeface="Arial"/>
+              </a:rPr>
+              <a:t>www.nass.usda.gov</a:t>
+            </a:r>
+            <a:r>
+              <a:rPr lang="en-US" sz="2000" b="0" strike="noStrike" spc="-1" dirty="0">
+                <a:solidFill>
+                  <a:srgbClr val="000000"/>
+                </a:solidFill>
+                <a:latin typeface="Arial"/>
+                <a:ea typeface="Arial"/>
+              </a:rPr>
+              <a:t>/</a:t>
+            </a:r>
+            <a:r>
+              <a:rPr lang="en-US" sz="2000" b="0" strike="noStrike" spc="-1" dirty="0" err="1">
+                <a:solidFill>
+                  <a:srgbClr val="000000"/>
+                </a:solidFill>
+                <a:latin typeface="Arial"/>
+                <a:ea typeface="Arial"/>
+              </a:rPr>
+              <a:t>About_NASS</a:t>
+            </a:r>
+            <a:r>
+              <a:rPr lang="en-US" sz="2000" b="0" strike="noStrike" spc="-1" dirty="0">
+                <a:solidFill>
+                  <a:srgbClr val="000000"/>
+                </a:solidFill>
+                <a:latin typeface="Arial"/>
+                <a:ea typeface="Arial"/>
+              </a:rPr>
+              <a:t>/</a:t>
+            </a:r>
+            <a:r>
+              <a:rPr lang="en-US" sz="2000" b="0" strike="noStrike" spc="-1" dirty="0" err="1">
+                <a:solidFill>
+                  <a:srgbClr val="000000"/>
+                </a:solidFill>
+                <a:latin typeface="Arial"/>
+                <a:ea typeface="Arial"/>
+              </a:rPr>
+              <a:t>index.php</a:t>
+            </a:r>
+            <a:endParaRPr lang="en-US" sz="2000" b="0" strike="noStrike" spc="-1" dirty="0">
               <a:latin typeface="Arial"/>
             </a:endParaRPr>
           </a:p>
@@ -2682,16 +3488,36 @@
               </a:lnSpc>
             </a:pPr>
             <a:r>
-              <a:rPr b="0" lang="en-US" sz="2000" spc="-1" strike="noStrike">
+              <a:rPr lang="en-US" sz="2000" b="0" strike="noStrike" spc="-1" dirty="0">
                 <a:solidFill>
                   <a:srgbClr val="000000"/>
                 </a:solidFill>
                 <a:latin typeface="Arial"/>
                 <a:ea typeface="Arial"/>
               </a:rPr>
-              <a:t>Pesticide usage sales dataset: https://catalog.data.gov/dataset/agricultural-pesticide-use-estimates-for-the-usgs-national-water-</a:t>
-            </a:r>
-            <a:endParaRPr b="0" lang="en-US" sz="2000" spc="-1" strike="noStrike">
+              <a:t>Pesticide usage sales dataset: https://</a:t>
+            </a:r>
+            <a:r>
+              <a:rPr lang="en-US" sz="2000" b="0" strike="noStrike" spc="-1" dirty="0" err="1">
+                <a:solidFill>
+                  <a:srgbClr val="000000"/>
+                </a:solidFill>
+                <a:latin typeface="Arial"/>
+                <a:ea typeface="Arial"/>
+              </a:rPr>
+              <a:t>catalog.data.gov</a:t>
+            </a:r>
+            <a:r>
+              <a:rPr lang="en-US" sz="2000" b="0" strike="noStrike" spc="-1" dirty="0">
+                <a:solidFill>
+                  <a:srgbClr val="000000"/>
+                </a:solidFill>
+                <a:latin typeface="Arial"/>
+                <a:ea typeface="Arial"/>
+              </a:rPr>
+              <a:t>/dataset/agricultural-pesticide-use-estimates-for-the-usgs-national-water-</a:t>
+            </a:r>
+            <a:endParaRPr lang="en-US" sz="2000" b="0" strike="noStrike" spc="-1" dirty="0">
               <a:latin typeface="Arial"/>
             </a:endParaRPr>
           </a:p>
@@ -2702,156 +3528,36 @@
               </a:lnSpc>
             </a:pPr>
             <a:r>
-              <a:rPr b="0" lang="en-US" sz="2000" spc="-1" strike="noStrike">
+              <a:rPr lang="en-US" sz="2000" b="0" strike="noStrike" spc="-1" dirty="0">
                 <a:solidFill>
                   <a:srgbClr val="000000"/>
                 </a:solidFill>
                 <a:latin typeface="Arial"/>
                 <a:ea typeface="Arial"/>
               </a:rPr>
+              <a:t>											</a:t>
+            </a:r>
+            <a:r>
+              <a:rPr lang="en-US" sz="2000" spc="-1" dirty="0">
+                <a:solidFill>
+                  <a:srgbClr val="000000"/>
+                </a:solidFill>
+                <a:latin typeface="Arial"/>
+                <a:ea typeface="Arial"/>
+              </a:rPr>
               <a:t>	</a:t>
             </a:r>
             <a:r>
-              <a:rPr b="0" lang="en-US" sz="2000" spc="-1" strike="noStrike">
+              <a:rPr lang="en-US" sz="2000" b="0" strike="noStrike" spc="-1" dirty="0" smtClean="0">
                 <a:solidFill>
                   <a:srgbClr val="000000"/>
                 </a:solidFill>
                 <a:latin typeface="Arial"/>
                 <a:ea typeface="Arial"/>
               </a:rPr>
-              <a:t>	</a:t>
-            </a:r>
-            <a:r>
-              <a:rPr b="0" lang="en-US" sz="2000" spc="-1" strike="noStrike">
-                <a:solidFill>
-                  <a:srgbClr val="000000"/>
-                </a:solidFill>
-                <a:latin typeface="Arial"/>
-                <a:ea typeface="Arial"/>
-              </a:rPr>
-              <a:t>	</a:t>
-            </a:r>
-            <a:r>
-              <a:rPr b="0" lang="en-US" sz="2000" spc="-1" strike="noStrike">
-                <a:solidFill>
-                  <a:srgbClr val="000000"/>
-                </a:solidFill>
-                <a:latin typeface="Arial"/>
-                <a:ea typeface="Arial"/>
-              </a:rPr>
-              <a:t>	</a:t>
-            </a:r>
-            <a:r>
-              <a:rPr b="0" lang="en-US" sz="2000" spc="-1" strike="noStrike">
-                <a:solidFill>
-                  <a:srgbClr val="000000"/>
-                </a:solidFill>
-                <a:latin typeface="Arial"/>
-                <a:ea typeface="Arial"/>
-              </a:rPr>
-              <a:t>	</a:t>
-            </a:r>
-            <a:r>
-              <a:rPr b="0" lang="en-US" sz="2000" spc="-1" strike="noStrike">
-                <a:solidFill>
-                  <a:srgbClr val="000000"/>
-                </a:solidFill>
-                <a:latin typeface="Arial"/>
-                <a:ea typeface="Arial"/>
-              </a:rPr>
-              <a:t>	</a:t>
-            </a:r>
-            <a:r>
-              <a:rPr b="0" lang="en-US" sz="2000" spc="-1" strike="noStrike">
-                <a:solidFill>
-                  <a:srgbClr val="000000"/>
-                </a:solidFill>
-                <a:latin typeface="Arial"/>
-                <a:ea typeface="Arial"/>
-              </a:rPr>
-              <a:t>	</a:t>
-            </a:r>
-            <a:r>
-              <a:rPr b="0" lang="en-US" sz="2000" spc="-1" strike="noStrike">
-                <a:solidFill>
-                  <a:srgbClr val="000000"/>
-                </a:solidFill>
-                <a:latin typeface="Arial"/>
-                <a:ea typeface="Arial"/>
-              </a:rPr>
-              <a:t>	</a:t>
-            </a:r>
-            <a:r>
-              <a:rPr b="0" lang="en-US" sz="2000" spc="-1" strike="noStrike">
-                <a:solidFill>
-                  <a:srgbClr val="000000"/>
-                </a:solidFill>
-                <a:latin typeface="Arial"/>
-                <a:ea typeface="Arial"/>
-              </a:rPr>
-              <a:t>	</a:t>
-            </a:r>
-            <a:r>
-              <a:rPr b="0" lang="en-US" sz="2000" spc="-1" strike="noStrike">
-                <a:solidFill>
-                  <a:srgbClr val="000000"/>
-                </a:solidFill>
-                <a:latin typeface="Arial"/>
-                <a:ea typeface="Arial"/>
-              </a:rPr>
-              <a:t>	</a:t>
-            </a:r>
-            <a:r>
-              <a:rPr b="0" lang="en-US" sz="2000" spc="-1" strike="noStrike">
-                <a:solidFill>
-                  <a:srgbClr val="000000"/>
-                </a:solidFill>
-                <a:latin typeface="Arial"/>
-                <a:ea typeface="Arial"/>
-              </a:rPr>
-              <a:t>	</a:t>
-            </a:r>
-            <a:r>
-              <a:rPr b="0" lang="en-US" sz="2000" spc="-1" strike="noStrike">
-                <a:solidFill>
-                  <a:srgbClr val="000000"/>
-                </a:solidFill>
-                <a:latin typeface="Arial"/>
-                <a:ea typeface="Arial"/>
-              </a:rPr>
-              <a:t>	</a:t>
-            </a:r>
-            <a:r>
-              <a:rPr b="0" lang="en-US" sz="2000" spc="-1" strike="noStrike">
-                <a:solidFill>
-                  <a:srgbClr val="000000"/>
-                </a:solidFill>
-                <a:latin typeface="Arial"/>
-                <a:ea typeface="Arial"/>
-              </a:rPr>
-              <a:t>	</a:t>
-            </a:r>
-            <a:r>
-              <a:rPr b="0" lang="en-US" sz="2000" spc="-1" strike="noStrike">
-                <a:solidFill>
-                  <a:srgbClr val="000000"/>
-                </a:solidFill>
-                <a:latin typeface="Arial"/>
-                <a:ea typeface="Arial"/>
-              </a:rPr>
-              <a:t>           </a:t>
-            </a:r>
-            <a:r>
-              <a:rPr b="0" lang="en-US" sz="2000" spc="-1" strike="noStrike">
-                <a:solidFill>
-                  <a:srgbClr val="000000"/>
-                </a:solidFill>
-                <a:latin typeface="Arial"/>
-                <a:ea typeface="Arial"/>
-              </a:rPr>
               <a:t>quality-network-1992-2014-vers</a:t>
             </a:r>
-            <a:endParaRPr b="0" lang="en-US" sz="2000" spc="-1" strike="noStrike">
+            <a:endParaRPr lang="en-US" sz="2000" b="0" strike="noStrike" spc="-1" dirty="0">
               <a:latin typeface="Arial"/>
             </a:endParaRPr>
           </a:p>
@@ -2862,16 +3568,36 @@
               </a:lnSpc>
             </a:pPr>
             <a:r>
-              <a:rPr b="0" lang="en-US" sz="2000" spc="-1" strike="noStrike">
+              <a:rPr lang="en-US" sz="2000" b="0" strike="noStrike" spc="-1" dirty="0">
                 <a:solidFill>
                   <a:srgbClr val="000000"/>
                 </a:solidFill>
                 <a:latin typeface="Arial"/>
                 <a:ea typeface="Arial"/>
               </a:rPr>
-              <a:t>Tableau: https://www.tableau.com/</a:t>
-            </a:r>
-            <a:endParaRPr b="0" lang="en-US" sz="2000" spc="-1" strike="noStrike">
+              <a:t>Tableau: https://</a:t>
+            </a:r>
+            <a:r>
+              <a:rPr lang="en-US" sz="2000" b="0" strike="noStrike" spc="-1" dirty="0" err="1">
+                <a:solidFill>
+                  <a:srgbClr val="000000"/>
+                </a:solidFill>
+                <a:latin typeface="Arial"/>
+                <a:ea typeface="Arial"/>
+              </a:rPr>
+              <a:t>www.tableau.com</a:t>
+            </a:r>
+            <a:r>
+              <a:rPr lang="en-US" sz="2000" b="0" strike="noStrike" spc="-1" dirty="0">
+                <a:solidFill>
+                  <a:srgbClr val="000000"/>
+                </a:solidFill>
+                <a:latin typeface="Arial"/>
+                <a:ea typeface="Arial"/>
+              </a:rPr>
+              <a:t>/</a:t>
+            </a:r>
+            <a:endParaRPr lang="en-US" sz="2000" b="0" strike="noStrike" spc="-1" dirty="0">
               <a:latin typeface="Arial"/>
             </a:endParaRPr>
           </a:p>
@@ -2882,16 +3608,46 @@
               </a:lnSpc>
             </a:pPr>
             <a:r>
-              <a:rPr b="0" lang="en-US" sz="2000" spc="-1" strike="noStrike">
+              <a:rPr lang="en-US" sz="2000" b="0" strike="noStrike" spc="-1" dirty="0" err="1">
                 <a:solidFill>
                   <a:srgbClr val="000000"/>
                 </a:solidFill>
                 <a:latin typeface="Arial"/>
                 <a:ea typeface="Arial"/>
               </a:rPr>
-              <a:t>plotly package in R: https://plot.ly/r/</a:t>
-            </a:r>
-            <a:endParaRPr b="0" lang="en-US" sz="2000" spc="-1" strike="noStrike">
+              <a:t>plotly</a:t>
+            </a:r>
+            <a:r>
+              <a:rPr lang="en-US" sz="2000" b="0" strike="noStrike" spc="-1" dirty="0">
+                <a:solidFill>
+                  <a:srgbClr val="000000"/>
+                </a:solidFill>
+                <a:latin typeface="Arial"/>
+                <a:ea typeface="Arial"/>
+              </a:rPr>
+              <a:t> package in R: https://</a:t>
+            </a:r>
+            <a:r>
+              <a:rPr lang="en-US" sz="2000" b="0" strike="noStrike" spc="-1" dirty="0" err="1">
+                <a:solidFill>
+                  <a:srgbClr val="000000"/>
+                </a:solidFill>
+                <a:latin typeface="Arial"/>
+                <a:ea typeface="Arial"/>
+              </a:rPr>
+              <a:t>plot.ly</a:t>
+            </a:r>
+            <a:r>
+              <a:rPr lang="en-US" sz="2000" b="0" strike="noStrike" spc="-1" dirty="0">
+                <a:solidFill>
+                  <a:srgbClr val="000000"/>
+                </a:solidFill>
+                <a:latin typeface="Arial"/>
+                <a:ea typeface="Arial"/>
+              </a:rPr>
+              <a:t>/r/</a:t>
+            </a:r>
+            <a:endParaRPr lang="en-US" sz="2000" b="0" strike="noStrike" spc="-1" dirty="0">
               <a:latin typeface="Arial"/>
             </a:endParaRPr>
           </a:p>
@@ -2902,7 +3658,7 @@
               </a:lnSpc>
             </a:pPr>
             <a:r>
-              <a:rPr b="0" lang="en-US" sz="2000" spc="-1" strike="noStrike">
+              <a:rPr lang="en-US" sz="2000" b="0" strike="noStrike" spc="-1" dirty="0">
                 <a:solidFill>
                   <a:srgbClr val="000000"/>
                 </a:solidFill>
@@ -2911,7 +3667,7 @@
               </a:rPr>
               <a:t>ggplot2 package in R: https://ggplot2.tidyverse.org/</a:t>
             </a:r>
-            <a:endParaRPr b="0" lang="en-US" sz="2000" spc="-1" strike="noStrike">
+            <a:endParaRPr lang="en-US" sz="2000" b="0" strike="noStrike" spc="-1" dirty="0">
               <a:latin typeface="Arial"/>
             </a:endParaRPr>
           </a:p>
@@ -2922,16 +3678,36 @@
               </a:lnSpc>
             </a:pPr>
             <a:r>
-              <a:rPr b="0" lang="en-US" sz="2000" spc="-1" strike="noStrike">
+              <a:rPr lang="en-US" sz="2000" b="0" strike="noStrike" spc="-1" dirty="0">
                 <a:solidFill>
                   <a:srgbClr val="000000"/>
                 </a:solidFill>
                 <a:latin typeface="Arial"/>
                 <a:ea typeface="Arial"/>
               </a:rPr>
-              <a:t>Pandas package in Python: https://pandas.pydata.org/</a:t>
-            </a:r>
-            <a:endParaRPr b="0" lang="en-US" sz="2000" spc="-1" strike="noStrike">
+              <a:t>Pandas package in Python: https://</a:t>
+            </a:r>
+            <a:r>
+              <a:rPr lang="en-US" sz="2000" b="0" strike="noStrike" spc="-1" dirty="0" err="1">
+                <a:solidFill>
+                  <a:srgbClr val="000000"/>
+                </a:solidFill>
+                <a:latin typeface="Arial"/>
+                <a:ea typeface="Arial"/>
+              </a:rPr>
+              <a:t>pandas.pydata.org</a:t>
+            </a:r>
+            <a:r>
+              <a:rPr lang="en-US" sz="2000" b="0" strike="noStrike" spc="-1" dirty="0">
+                <a:solidFill>
+                  <a:srgbClr val="000000"/>
+                </a:solidFill>
+                <a:latin typeface="Arial"/>
+                <a:ea typeface="Arial"/>
+              </a:rPr>
+              <a:t>/</a:t>
+            </a:r>
+            <a:endParaRPr lang="en-US" sz="2000" b="0" strike="noStrike" spc="-1" dirty="0">
               <a:latin typeface="Arial"/>
             </a:endParaRPr>
           </a:p>
@@ -2942,16 +3718,66 @@
               </a:lnSpc>
             </a:pPr>
             <a:r>
-              <a:rPr b="0" lang="en-US" sz="2000" spc="-1" strike="noStrike">
+              <a:rPr lang="en-US" sz="2000" b="0" strike="noStrike" spc="-1" dirty="0" err="1">
                 <a:solidFill>
                   <a:srgbClr val="000000"/>
                 </a:solidFill>
                 <a:latin typeface="Arial"/>
                 <a:ea typeface="Arial"/>
               </a:rPr>
-              <a:t>PyYAML package in Python: https://pypi.org/project/PyYAML/</a:t>
-            </a:r>
-            <a:endParaRPr b="0" lang="en-US" sz="2000" spc="-1" strike="noStrike">
+              <a:t>PyYAML</a:t>
+            </a:r>
+            <a:r>
+              <a:rPr lang="en-US" sz="2000" b="0" strike="noStrike" spc="-1" dirty="0">
+                <a:solidFill>
+                  <a:srgbClr val="000000"/>
+                </a:solidFill>
+                <a:latin typeface="Arial"/>
+                <a:ea typeface="Arial"/>
+              </a:rPr>
+              <a:t> package in Python: https://</a:t>
+            </a:r>
+            <a:r>
+              <a:rPr lang="en-US" sz="2000" b="0" strike="noStrike" spc="-1" dirty="0" err="1">
+                <a:solidFill>
+                  <a:srgbClr val="000000"/>
+                </a:solidFill>
+                <a:latin typeface="Arial"/>
+                <a:ea typeface="Arial"/>
+              </a:rPr>
+              <a:t>pypi.org</a:t>
+            </a:r>
+            <a:r>
+              <a:rPr lang="en-US" sz="2000" b="0" strike="noStrike" spc="-1" dirty="0">
+                <a:solidFill>
+                  <a:srgbClr val="000000"/>
+                </a:solidFill>
+                <a:latin typeface="Arial"/>
+                <a:ea typeface="Arial"/>
+              </a:rPr>
+              <a:t>/project/</a:t>
+            </a:r>
+            <a:r>
+              <a:rPr lang="en-US" sz="2000" b="0" strike="noStrike" spc="-1" dirty="0" err="1">
+                <a:solidFill>
+                  <a:srgbClr val="000000"/>
+                </a:solidFill>
+                <a:latin typeface="Arial"/>
+                <a:ea typeface="Arial"/>
+              </a:rPr>
+              <a:t>PyYAML</a:t>
+            </a:r>
+            <a:r>
+              <a:rPr lang="en-US" sz="2000" b="0" strike="noStrike" spc="-1" dirty="0">
+                <a:solidFill>
+                  <a:srgbClr val="000000"/>
+                </a:solidFill>
+                <a:latin typeface="Arial"/>
+                <a:ea typeface="Arial"/>
+              </a:rPr>
+              <a:t>/</a:t>
+            </a:r>
+            <a:endParaRPr lang="en-US" sz="2000" b="0" strike="noStrike" spc="-1" dirty="0">
               <a:latin typeface="Arial"/>
             </a:endParaRPr>
           </a:p>
@@ -2977,13 +3803,20 @@
           </a:ln>
         </p:spPr>
         <p:style>
-          <a:lnRef idx="0"/>
-          <a:fillRef idx="0"/>
-          <a:effectRef idx="0"/>
+          <a:lnRef idx="0">
+            <a:scrgbClr r="0" g="0" b="0"/>
+          </a:lnRef>
+          <a:fillRef idx="0">
+            <a:scrgbClr r="0" g="0" b="0"/>
+          </a:fillRef>
+          <a:effectRef idx="0">
+            <a:scrgbClr r="0" g="0" b="0"/>
+          </a:effectRef>
           <a:fontRef idx="minor"/>
         </p:style>
         <p:txBody>
-          <a:bodyPr lIns="90000" rIns="90000" tIns="45000" bIns="45000"/>
+          <a:bodyPr lIns="90000" tIns="45000" rIns="90000" bIns="45000"/>
+          <a:lstStyle/>
           <a:p>
             <a:pPr algn="just">
               <a:lnSpc>
@@ -2991,7 +3824,7 @@
               </a:lnSpc>
             </a:pPr>
             <a:r>
-              <a:rPr b="1" lang="en-US" sz="3600" spc="-1" strike="noStrike" u="sng">
+              <a:rPr lang="en-US" sz="3600" b="1" u="sng" strike="noStrike" spc="-1" smtClean="0">
                 <a:solidFill>
                   <a:srgbClr val="000000"/>
                 </a:solidFill>
@@ -2999,9 +3832,9 @@
                 <a:latin typeface="Arial"/>
                 <a:ea typeface="ヒラギノ明朝 ProN W3"/>
               </a:rPr>
-              <a:t>Analysis</a:t>
-            </a:r>
-            <a:endParaRPr b="0" lang="en-US" sz="3600" spc="-1" strike="noStrike">
+              <a:t>Comprehensive Analysis</a:t>
+            </a:r>
+            <a:endParaRPr lang="en-US" sz="3600" b="0" strike="noStrike" spc="-1" dirty="0">
               <a:latin typeface="Arial"/>
             </a:endParaRPr>
           </a:p>
@@ -3012,7 +3845,7 @@
               </a:lnSpc>
             </a:pPr>
             <a:r>
-              <a:rPr b="1" lang="en-US" sz="2800" spc="-1" strike="noStrike">
+              <a:rPr lang="en-US" sz="2800" b="1" strike="noStrike" spc="-1" dirty="0">
                 <a:solidFill>
                   <a:srgbClr val="000000"/>
                 </a:solidFill>
@@ -3021,7 +3854,7 @@
               </a:rPr>
               <a:t>Question 1</a:t>
             </a:r>
-            <a:endParaRPr b="0" lang="en-US" sz="2800" spc="-1" strike="noStrike">
+            <a:endParaRPr lang="en-US" sz="2800" b="0" strike="noStrike" spc="-1" dirty="0">
               <a:latin typeface="Arial"/>
             </a:endParaRPr>
           </a:p>
@@ -3061,13 +3894,20 @@
             </a:ln>
           </p:spPr>
           <p:style>
-            <a:lnRef idx="0"/>
-            <a:fillRef idx="0"/>
-            <a:effectRef idx="0"/>
+            <a:lnRef idx="0">
+              <a:scrgbClr r="0" g="0" b="0"/>
+            </a:lnRef>
+            <a:fillRef idx="0">
+              <a:scrgbClr r="0" g="0" b="0"/>
+            </a:fillRef>
+            <a:effectRef idx="0">
+              <a:scrgbClr r="0" g="0" b="0"/>
+            </a:effectRef>
             <a:fontRef idx="minor"/>
           </p:style>
           <p:txBody>
-            <a:bodyPr lIns="90000" rIns="90000" tIns="45000" bIns="45000"/>
+            <a:bodyPr lIns="90000" tIns="45000" rIns="90000" bIns="45000"/>
+            <a:lstStyle/>
             <a:p>
               <a:pPr algn="just">
                 <a:lnSpc>
@@ -3075,7 +3915,7 @@
                 </a:lnSpc>
               </a:pPr>
               <a:r>
-                <a:rPr b="0" lang="en-US" sz="3200" spc="-1" strike="noStrike">
+                <a:rPr lang="en-US" sz="3200" b="0" strike="noStrike" spc="-1">
                   <a:solidFill>
                     <a:srgbClr val="000000"/>
                   </a:solidFill>
@@ -3084,7 +3924,7 @@
                 </a:rPr>
                 <a:t>The following states the two questions that drove this project.</a:t>
               </a:r>
-              <a:endParaRPr b="0" lang="en-US" sz="3200" spc="-1" strike="noStrike">
+              <a:endParaRPr lang="en-US" sz="3200" b="0" strike="noStrike" spc="-1">
                 <a:latin typeface="Arial"/>
               </a:endParaRPr>
             </a:p>
@@ -3094,7 +3934,7 @@
                   <a:spcPct val="100000"/>
                 </a:lnSpc>
               </a:pPr>
-              <a:endParaRPr b="0" lang="en-US" sz="3200" spc="-1" strike="noStrike">
+              <a:endParaRPr lang="en-US" sz="3200" b="0" strike="noStrike" spc="-1">
                 <a:latin typeface="Arial"/>
               </a:endParaRPr>
             </a:p>
@@ -3110,7 +3950,7 @@
                 <a:buAutoNum type="arabicPeriod"/>
               </a:pPr>
               <a:r>
-                <a:rPr b="1" lang="en-US" sz="3200" spc="-1" strike="noStrike">
+                <a:rPr lang="en-US" sz="3200" b="1" strike="noStrike" spc="-1">
                   <a:solidFill>
                     <a:srgbClr val="000000"/>
                   </a:solidFill>
@@ -3120,7 +3960,7 @@
                 <a:t>What is the relationship between the national honey production and the honey bee colony population in the United States between the years of 1998 and 2014 and how does this relationship affect the average honey production prices? </a:t>
               </a:r>
               <a:r>
-                <a:rPr b="0" lang="en-US" sz="3200" spc="-1" strike="noStrike">
+                <a:rPr lang="en-US" sz="3200" b="0" strike="noStrike" spc="-1">
                   <a:solidFill>
                     <a:srgbClr val="000000"/>
                   </a:solidFill>
@@ -3129,7 +3969,7 @@
                 </a:rPr>
                 <a:t>We hypothesize that the declining bee population has lowered honey production sales.</a:t>
               </a:r>
-              <a:endParaRPr b="0" lang="en-US" sz="3200" spc="-1" strike="noStrike">
+              <a:endParaRPr lang="en-US" sz="3200" b="0" strike="noStrike" spc="-1">
                 <a:latin typeface="Arial"/>
               </a:endParaRPr>
             </a:p>
@@ -3139,7 +3979,7 @@
                   <a:spcPct val="100000"/>
                 </a:lnSpc>
               </a:pPr>
-              <a:endParaRPr b="0" lang="en-US" sz="3200" spc="-1" strike="noStrike">
+              <a:endParaRPr lang="en-US" sz="3200" b="0" strike="noStrike" spc="-1">
                 <a:latin typeface="Arial"/>
               </a:endParaRPr>
             </a:p>
@@ -3155,7 +3995,7 @@
                 <a:buAutoNum type="arabicPeriod"/>
               </a:pPr>
               <a:r>
-                <a:rPr b="1" lang="en-US" sz="3200" spc="-1" strike="noStrike">
+                <a:rPr lang="en-US" sz="3200" b="1" strike="noStrike" spc="-1">
                   <a:solidFill>
                     <a:srgbClr val="000000"/>
                   </a:solidFill>
@@ -3165,7 +4005,7 @@
                 <a:t>How has the use of harmful bee killing pesticides correlated with the number of honey bee colonies in the United States between the years 1998 and 2014? </a:t>
               </a:r>
               <a:r>
-                <a:rPr b="0" lang="en-US" sz="3200" spc="-1" strike="noStrike">
+                <a:rPr lang="en-US" sz="3200" b="0" strike="noStrike" spc="-1">
                   <a:solidFill>
                     <a:srgbClr val="000000"/>
                   </a:solidFill>
@@ -3174,7 +4014,7 @@
                 </a:rPr>
                 <a:t>We hypothesize that the number of honey bee colonies will increase as the amount of harmful bee killing pesticides decreases and vice versa.</a:t>
               </a:r>
-              <a:endParaRPr b="0" lang="en-US" sz="3200" spc="-1" strike="noStrike">
+              <a:endParaRPr lang="en-US" sz="3200" b="0" strike="noStrike" spc="-1">
                 <a:latin typeface="Arial"/>
               </a:endParaRPr>
             </a:p>
@@ -3195,20 +4035,27 @@
               <a:avLst/>
             </a:prstGeom>
             <a:solidFill>
-              <a:srgbClr val="eae37c"/>
+              <a:srgbClr val="EAE37C"/>
             </a:solidFill>
             <a:ln w="12600">
               <a:noFill/>
             </a:ln>
           </p:spPr>
           <p:style>
-            <a:lnRef idx="0"/>
-            <a:fillRef idx="0"/>
-            <a:effectRef idx="0"/>
+            <a:lnRef idx="0">
+              <a:scrgbClr r="0" g="0" b="0"/>
+            </a:lnRef>
+            <a:fillRef idx="0">
+              <a:scrgbClr r="0" g="0" b="0"/>
+            </a:fillRef>
+            <a:effectRef idx="0">
+              <a:scrgbClr r="0" g="0" b="0"/>
+            </a:effectRef>
             <a:fontRef idx="minor"/>
           </p:style>
           <p:txBody>
-            <a:bodyPr lIns="0" rIns="0" tIns="0" bIns="0" anchor="ctr"/>
+            <a:bodyPr lIns="0" tIns="0" rIns="0" bIns="0" anchor="ctr"/>
+            <a:lstStyle/>
             <a:p>
               <a:pPr algn="ctr">
                 <a:lnSpc>
@@ -3216,7 +4063,7 @@
                 </a:lnSpc>
               </a:pPr>
               <a:r>
-                <a:rPr b="1" lang="en-US" sz="4000" spc="-1" strike="noStrike">
+                <a:rPr lang="en-US" sz="4000" b="1" strike="noStrike" spc="-1">
                   <a:solidFill>
                     <a:srgbClr val="000000"/>
                   </a:solidFill>
@@ -3225,7 +4072,7 @@
                 </a:rPr>
                 <a:t>Questions and Hypotheses</a:t>
               </a:r>
-              <a:endParaRPr b="0" lang="en-US" sz="4000" spc="-1" strike="noStrike">
+              <a:endParaRPr lang="en-US" sz="4000" b="0" strike="noStrike" spc="-1">
                 <a:latin typeface="Arial"/>
               </a:endParaRPr>
             </a:p>
@@ -3250,7 +4097,7 @@
             </a:avLst>
           </a:prstGeom>
           <a:solidFill>
-            <a:srgbClr val="c00000"/>
+            <a:srgbClr val="C00000"/>
           </a:solidFill>
           <a:ln w="12600">
             <a:solidFill>
@@ -3260,9 +4107,15 @@
           </a:ln>
         </p:spPr>
         <p:style>
-          <a:lnRef idx="0"/>
-          <a:fillRef idx="0"/>
-          <a:effectRef idx="0"/>
+          <a:lnRef idx="0">
+            <a:scrgbClr r="0" g="0" b="0"/>
+          </a:lnRef>
+          <a:fillRef idx="0">
+            <a:scrgbClr r="0" g="0" b="0"/>
+          </a:fillRef>
+          <a:effectRef idx="0">
+            <a:scrgbClr r="0" g="0" b="0"/>
+          </a:effectRef>
           <a:fontRef idx="minor"/>
         </p:style>
       </p:sp>
@@ -3284,7 +4137,7 @@
             </a:avLst>
           </a:prstGeom>
           <a:solidFill>
-            <a:srgbClr val="c00000"/>
+            <a:srgbClr val="C00000"/>
           </a:solidFill>
           <a:ln w="12600">
             <a:solidFill>
@@ -3294,9 +4147,15 @@
           </a:ln>
         </p:spPr>
         <p:style>
-          <a:lnRef idx="0"/>
-          <a:fillRef idx="0"/>
-          <a:effectRef idx="0"/>
+          <a:lnRef idx="0">
+            <a:scrgbClr r="0" g="0" b="0"/>
+          </a:lnRef>
+          <a:fillRef idx="0">
+            <a:scrgbClr r="0" g="0" b="0"/>
+          </a:fillRef>
+          <a:effectRef idx="0">
+            <a:scrgbClr r="0" g="0" b="0"/>
+          </a:effectRef>
           <a:fontRef idx="minor"/>
         </p:style>
       </p:sp>
@@ -3318,7 +4177,7 @@
             </a:avLst>
           </a:prstGeom>
           <a:solidFill>
-            <a:srgbClr val="c00000"/>
+            <a:srgbClr val="C00000"/>
           </a:solidFill>
           <a:ln w="12600">
             <a:solidFill>
@@ -3328,9 +4187,15 @@
           </a:ln>
         </p:spPr>
         <p:style>
-          <a:lnRef idx="0"/>
-          <a:fillRef idx="0"/>
-          <a:effectRef idx="0"/>
+          <a:lnRef idx="0">
+            <a:scrgbClr r="0" g="0" b="0"/>
+          </a:lnRef>
+          <a:fillRef idx="0">
+            <a:scrgbClr r="0" g="0" b="0"/>
+          </a:fillRef>
+          <a:effectRef idx="0">
+            <a:scrgbClr r="0" g="0" b="0"/>
+          </a:effectRef>
           <a:fontRef idx="minor"/>
         </p:style>
       </p:sp>
@@ -3352,7 +4217,7 @@
             </a:avLst>
           </a:prstGeom>
           <a:solidFill>
-            <a:srgbClr val="c00000"/>
+            <a:srgbClr val="C00000"/>
           </a:solidFill>
           <a:ln w="12600">
             <a:solidFill>
@@ -3362,9 +4227,15 @@
           </a:ln>
         </p:spPr>
         <p:style>
-          <a:lnRef idx="0"/>
-          <a:fillRef idx="0"/>
-          <a:effectRef idx="0"/>
+          <a:lnRef idx="0">
+            <a:scrgbClr r="0" g="0" b="0"/>
+          </a:lnRef>
+          <a:fillRef idx="0">
+            <a:scrgbClr r="0" g="0" b="0"/>
+          </a:fillRef>
+          <a:effectRef idx="0">
+            <a:scrgbClr r="0" g="0" b="0"/>
+          </a:effectRef>
           <a:fontRef idx="minor"/>
         </p:style>
       </p:sp>
@@ -3385,18 +4256,25 @@
           <a:noFill/>
           <a:ln>
             <a:solidFill>
-              <a:srgbClr val="c00000"/>
+              <a:srgbClr val="C00000"/>
             </a:solidFill>
           </a:ln>
         </p:spPr>
         <p:style>
-          <a:lnRef idx="0"/>
-          <a:fillRef idx="0"/>
-          <a:effectRef idx="0"/>
+          <a:lnRef idx="0">
+            <a:scrgbClr r="0" g="0" b="0"/>
+          </a:lnRef>
+          <a:fillRef idx="0">
+            <a:scrgbClr r="0" g="0" b="0"/>
+          </a:fillRef>
+          <a:effectRef idx="0">
+            <a:scrgbClr r="0" g="0" b="0"/>
+          </a:effectRef>
           <a:fontRef idx="minor"/>
         </p:style>
         <p:txBody>
-          <a:bodyPr lIns="90000" rIns="90000" tIns="45000" bIns="45000"/>
+          <a:bodyPr lIns="90000" tIns="45000" rIns="90000" bIns="45000"/>
+          <a:lstStyle/>
           <a:p>
             <a:pPr>
               <a:lnSpc>
@@ -3404,7 +4282,7 @@
               </a:lnSpc>
             </a:pPr>
             <a:r>
-              <a:rPr b="1" lang="en-US" sz="3200" spc="-1" strike="noStrike">
+              <a:rPr lang="en-US" sz="3200" b="1" strike="noStrike" spc="-1">
                 <a:solidFill>
                   <a:srgbClr val="000000"/>
                 </a:solidFill>
@@ -3413,12 +4291,12 @@
               </a:rPr>
               <a:t>Hypothesize:</a:t>
             </a:r>
-            <a:endParaRPr b="0" lang="en-US" sz="3200" spc="-1" strike="noStrike">
-              <a:latin typeface="Arial"/>
-            </a:endParaRPr>
-          </a:p>
-          <a:p>
-            <a:pPr lvl="1" marL="861120" indent="-456480">
+            <a:endParaRPr lang="en-US" sz="3200" b="0" strike="noStrike" spc="-1">
+              <a:latin typeface="Arial"/>
+            </a:endParaRPr>
+          </a:p>
+          <a:p>
+            <a:pPr marL="861120" lvl="1" indent="-456480">
               <a:lnSpc>
                 <a:spcPct val="100000"/>
               </a:lnSpc>
@@ -3429,7 +4307,7 @@
               <a:buChar char="•"/>
             </a:pPr>
             <a:r>
-              <a:rPr b="0" lang="en-US" sz="3200" spc="-1" strike="noStrike">
+              <a:rPr lang="en-US" sz="3200" b="0" strike="noStrike" spc="-1">
                 <a:solidFill>
                   <a:srgbClr val="000000"/>
                 </a:solidFill>
@@ -3438,12 +4316,12 @@
               </a:rPr>
               <a:t>Retrieved datasets from sources</a:t>
             </a:r>
-            <a:endParaRPr b="0" lang="en-US" sz="3200" spc="-1" strike="noStrike">
-              <a:latin typeface="Arial"/>
-            </a:endParaRPr>
-          </a:p>
-          <a:p>
-            <a:pPr lvl="1" marL="861120" indent="-456480">
+            <a:endParaRPr lang="en-US" sz="3200" b="0" strike="noStrike" spc="-1">
+              <a:latin typeface="Arial"/>
+            </a:endParaRPr>
+          </a:p>
+          <a:p>
+            <a:pPr marL="861120" lvl="1" indent="-456480">
               <a:lnSpc>
                 <a:spcPct val="100000"/>
               </a:lnSpc>
@@ -3454,7 +4332,7 @@
               <a:buChar char="•"/>
             </a:pPr>
             <a:r>
-              <a:rPr b="0" lang="en-US" sz="3200" spc="-1" strike="noStrike">
+              <a:rPr lang="en-US" sz="3200" b="0" strike="noStrike" spc="-1">
                 <a:solidFill>
                   <a:srgbClr val="000000"/>
                 </a:solidFill>
@@ -3463,12 +4341,12 @@
               </a:rPr>
               <a:t>Stated project questions</a:t>
             </a:r>
-            <a:endParaRPr b="0" lang="en-US" sz="3200" spc="-1" strike="noStrike">
-              <a:latin typeface="Arial"/>
-            </a:endParaRPr>
-          </a:p>
-          <a:p>
-            <a:pPr lvl="1" marL="861120" indent="-456480">
+            <a:endParaRPr lang="en-US" sz="3200" b="0" strike="noStrike" spc="-1">
+              <a:latin typeface="Arial"/>
+            </a:endParaRPr>
+          </a:p>
+          <a:p>
+            <a:pPr marL="861120" lvl="1" indent="-456480">
               <a:lnSpc>
                 <a:spcPct val="100000"/>
               </a:lnSpc>
@@ -3479,7 +4357,7 @@
               <a:buChar char="•"/>
             </a:pPr>
             <a:r>
-              <a:rPr b="0" lang="en-US" sz="3200" spc="-1" strike="noStrike">
+              <a:rPr lang="en-US" sz="3200" b="0" strike="noStrike" spc="-1">
                 <a:solidFill>
                   <a:srgbClr val="000000"/>
                 </a:solidFill>
@@ -3488,7 +4366,7 @@
               </a:rPr>
               <a:t>Formed our own hypotheses</a:t>
             </a:r>
-            <a:endParaRPr b="0" lang="en-US" sz="3200" spc="-1" strike="noStrike">
+            <a:endParaRPr lang="en-US" sz="3200" b="0" strike="noStrike" spc="-1">
               <a:latin typeface="Arial"/>
             </a:endParaRPr>
           </a:p>
@@ -3511,18 +4389,25 @@
           <a:noFill/>
           <a:ln>
             <a:solidFill>
-              <a:srgbClr val="c00000"/>
+              <a:srgbClr val="C00000"/>
             </a:solidFill>
           </a:ln>
         </p:spPr>
         <p:style>
-          <a:lnRef idx="0"/>
-          <a:fillRef idx="0"/>
-          <a:effectRef idx="0"/>
+          <a:lnRef idx="0">
+            <a:scrgbClr r="0" g="0" b="0"/>
+          </a:lnRef>
+          <a:fillRef idx="0">
+            <a:scrgbClr r="0" g="0" b="0"/>
+          </a:fillRef>
+          <a:effectRef idx="0">
+            <a:scrgbClr r="0" g="0" b="0"/>
+          </a:effectRef>
           <a:fontRef idx="minor"/>
         </p:style>
         <p:txBody>
-          <a:bodyPr lIns="90000" rIns="90000" tIns="45000" bIns="45000"/>
+          <a:bodyPr lIns="90000" tIns="45000" rIns="90000" bIns="45000"/>
+          <a:lstStyle/>
           <a:p>
             <a:pPr>
               <a:lnSpc>
@@ -3530,7 +4415,7 @@
               </a:lnSpc>
             </a:pPr>
             <a:r>
-              <a:rPr b="1" lang="en-US" sz="3200" spc="-1" strike="noStrike">
+              <a:rPr lang="en-US" sz="3200" b="1" strike="noStrike" spc="-1">
                 <a:solidFill>
                   <a:srgbClr val="000000"/>
                 </a:solidFill>
@@ -3539,12 +4424,12 @@
               </a:rPr>
               <a:t>Analyze:</a:t>
             </a:r>
-            <a:endParaRPr b="0" lang="en-US" sz="3200" spc="-1" strike="noStrike">
-              <a:latin typeface="Arial"/>
-            </a:endParaRPr>
-          </a:p>
-          <a:p>
-            <a:pPr lvl="1" marL="861120" indent="-456480">
+            <a:endParaRPr lang="en-US" sz="3200" b="0" strike="noStrike" spc="-1">
+              <a:latin typeface="Arial"/>
+            </a:endParaRPr>
+          </a:p>
+          <a:p>
+            <a:pPr marL="861120" lvl="1" indent="-456480">
               <a:lnSpc>
                 <a:spcPct val="100000"/>
               </a:lnSpc>
@@ -3555,7 +4440,7 @@
               <a:buChar char="•"/>
             </a:pPr>
             <a:r>
-              <a:rPr b="0" lang="en-US" sz="3200" spc="-1" strike="noStrike">
+              <a:rPr lang="en-US" sz="3200" b="0" strike="noStrike" spc="-1">
                 <a:solidFill>
                   <a:srgbClr val="000000"/>
                 </a:solidFill>
@@ -3564,12 +4449,12 @@
               </a:rPr>
               <a:t>Cleaned datasets</a:t>
             </a:r>
-            <a:endParaRPr b="0" lang="en-US" sz="3200" spc="-1" strike="noStrike">
-              <a:latin typeface="Arial"/>
-            </a:endParaRPr>
-          </a:p>
-          <a:p>
-            <a:pPr lvl="1" marL="861120" indent="-456480">
+            <a:endParaRPr lang="en-US" sz="3200" b="0" strike="noStrike" spc="-1">
+              <a:latin typeface="Arial"/>
+            </a:endParaRPr>
+          </a:p>
+          <a:p>
+            <a:pPr marL="861120" lvl="1" indent="-456480">
               <a:lnSpc>
                 <a:spcPct val="100000"/>
               </a:lnSpc>
@@ -3580,7 +4465,7 @@
               <a:buChar char="•"/>
             </a:pPr>
             <a:r>
-              <a:rPr b="0" lang="en-US" sz="3200" spc="-1" strike="noStrike">
+              <a:rPr lang="en-US" sz="3200" b="0" strike="noStrike" spc="-1">
                 <a:solidFill>
                   <a:srgbClr val="000000"/>
                 </a:solidFill>
@@ -3589,12 +4474,12 @@
               </a:rPr>
               <a:t>Found initial data patterns</a:t>
             </a:r>
-            <a:endParaRPr b="0" lang="en-US" sz="3200" spc="-1" strike="noStrike">
-              <a:latin typeface="Arial"/>
-            </a:endParaRPr>
-          </a:p>
-          <a:p>
-            <a:pPr lvl="1" marL="861120" indent="-456480">
+            <a:endParaRPr lang="en-US" sz="3200" b="0" strike="noStrike" spc="-1">
+              <a:latin typeface="Arial"/>
+            </a:endParaRPr>
+          </a:p>
+          <a:p>
+            <a:pPr marL="861120" lvl="1" indent="-456480">
               <a:lnSpc>
                 <a:spcPct val="100000"/>
               </a:lnSpc>
@@ -3605,7 +4490,7 @@
               <a:buChar char="•"/>
             </a:pPr>
             <a:r>
-              <a:rPr b="0" lang="en-US" sz="3200" spc="-1" strike="noStrike">
+              <a:rPr lang="en-US" sz="3200" b="0" strike="noStrike" spc="-1">
                 <a:solidFill>
                   <a:srgbClr val="000000"/>
                 </a:solidFill>
@@ -3614,7 +4499,7 @@
               </a:rPr>
               <a:t>Performed thorough data analysis</a:t>
             </a:r>
-            <a:endParaRPr b="0" lang="en-US" sz="3200" spc="-1" strike="noStrike">
+            <a:endParaRPr lang="en-US" sz="3200" b="0" strike="noStrike" spc="-1">
               <a:latin typeface="Arial"/>
             </a:endParaRPr>
           </a:p>
@@ -3637,18 +4522,25 @@
           <a:noFill/>
           <a:ln>
             <a:solidFill>
-              <a:srgbClr val="c00000"/>
+              <a:srgbClr val="C00000"/>
             </a:solidFill>
           </a:ln>
         </p:spPr>
         <p:style>
-          <a:lnRef idx="0"/>
-          <a:fillRef idx="0"/>
-          <a:effectRef idx="0"/>
+          <a:lnRef idx="0">
+            <a:scrgbClr r="0" g="0" b="0"/>
+          </a:lnRef>
+          <a:fillRef idx="0">
+            <a:scrgbClr r="0" g="0" b="0"/>
+          </a:fillRef>
+          <a:effectRef idx="0">
+            <a:scrgbClr r="0" g="0" b="0"/>
+          </a:effectRef>
           <a:fontRef idx="minor"/>
         </p:style>
         <p:txBody>
-          <a:bodyPr lIns="90000" rIns="90000" tIns="45000" bIns="45000"/>
+          <a:bodyPr lIns="90000" tIns="45000" rIns="90000" bIns="45000"/>
+          <a:lstStyle/>
           <a:p>
             <a:pPr>
               <a:lnSpc>
@@ -3656,7 +4548,7 @@
               </a:lnSpc>
             </a:pPr>
             <a:r>
-              <a:rPr b="1" lang="en-US" sz="3200" spc="-1" strike="noStrike">
+              <a:rPr lang="en-US" sz="3200" b="1" strike="noStrike" spc="-1">
                 <a:solidFill>
                   <a:srgbClr val="000000"/>
                 </a:solidFill>
@@ -3665,12 +4557,12 @@
               </a:rPr>
               <a:t>Visualize:</a:t>
             </a:r>
-            <a:endParaRPr b="0" lang="en-US" sz="3200" spc="-1" strike="noStrike">
-              <a:latin typeface="Arial"/>
-            </a:endParaRPr>
-          </a:p>
-          <a:p>
-            <a:pPr lvl="1" marL="861120" indent="-456480">
+            <a:endParaRPr lang="en-US" sz="3200" b="0" strike="noStrike" spc="-1">
+              <a:latin typeface="Arial"/>
+            </a:endParaRPr>
+          </a:p>
+          <a:p>
+            <a:pPr marL="861120" lvl="1" indent="-456480">
               <a:lnSpc>
                 <a:spcPct val="100000"/>
               </a:lnSpc>
@@ -3681,7 +4573,7 @@
               <a:buChar char="•"/>
             </a:pPr>
             <a:r>
-              <a:rPr b="0" lang="en-US" sz="3200" spc="-1" strike="noStrike">
+              <a:rPr lang="en-US" sz="3200" b="0" strike="noStrike" spc="-1">
                 <a:solidFill>
                   <a:srgbClr val="000000"/>
                 </a:solidFill>
@@ -3690,12 +4582,12 @@
               </a:rPr>
               <a:t>Graphed initial data patterns</a:t>
             </a:r>
-            <a:endParaRPr b="0" lang="en-US" sz="3200" spc="-1" strike="noStrike">
-              <a:latin typeface="Arial"/>
-            </a:endParaRPr>
-          </a:p>
-          <a:p>
-            <a:pPr lvl="1" marL="861120" indent="-456480">
+            <a:endParaRPr lang="en-US" sz="3200" b="0" strike="noStrike" spc="-1">
+              <a:latin typeface="Arial"/>
+            </a:endParaRPr>
+          </a:p>
+          <a:p>
+            <a:pPr marL="861120" lvl="1" indent="-456480">
               <a:lnSpc>
                 <a:spcPct val="100000"/>
               </a:lnSpc>
@@ -3706,7 +4598,7 @@
               <a:buChar char="•"/>
             </a:pPr>
             <a:r>
-              <a:rPr b="0" lang="en-US" sz="3200" spc="-1" strike="noStrike">
+              <a:rPr lang="en-US" sz="3200" b="0" strike="noStrike" spc="-1">
                 <a:solidFill>
                   <a:srgbClr val="000000"/>
                 </a:solidFill>
@@ -3715,7 +4607,7 @@
               </a:rPr>
               <a:t>Aggregated and graphed multiple datasets</a:t>
             </a:r>
-            <a:endParaRPr b="0" lang="en-US" sz="3200" spc="-1" strike="noStrike">
+            <a:endParaRPr lang="en-US" sz="3200" b="0" strike="noStrike" spc="-1">
               <a:latin typeface="Arial"/>
             </a:endParaRPr>
           </a:p>
@@ -3738,18 +4630,25 @@
           <a:noFill/>
           <a:ln>
             <a:solidFill>
-              <a:srgbClr val="c00000"/>
+              <a:srgbClr val="C00000"/>
             </a:solidFill>
           </a:ln>
         </p:spPr>
         <p:style>
-          <a:lnRef idx="0"/>
-          <a:fillRef idx="0"/>
-          <a:effectRef idx="0"/>
+          <a:lnRef idx="0">
+            <a:scrgbClr r="0" g="0" b="0"/>
+          </a:lnRef>
+          <a:fillRef idx="0">
+            <a:scrgbClr r="0" g="0" b="0"/>
+          </a:fillRef>
+          <a:effectRef idx="0">
+            <a:scrgbClr r="0" g="0" b="0"/>
+          </a:effectRef>
           <a:fontRef idx="minor"/>
         </p:style>
         <p:txBody>
-          <a:bodyPr lIns="90000" rIns="90000" tIns="45000" bIns="45000"/>
+          <a:bodyPr lIns="90000" tIns="45000" rIns="90000" bIns="45000"/>
+          <a:lstStyle/>
           <a:p>
             <a:pPr>
               <a:lnSpc>
@@ -3757,7 +4656,7 @@
               </a:lnSpc>
             </a:pPr>
             <a:r>
-              <a:rPr b="1" lang="en-US" sz="3200" spc="-1" strike="noStrike">
+              <a:rPr lang="en-US" sz="3200" b="1" strike="noStrike" spc="-1">
                 <a:solidFill>
                   <a:srgbClr val="000000"/>
                 </a:solidFill>
@@ -3766,12 +4665,12 @@
               </a:rPr>
               <a:t>Conclude:</a:t>
             </a:r>
-            <a:endParaRPr b="0" lang="en-US" sz="3200" spc="-1" strike="noStrike">
-              <a:latin typeface="Arial"/>
-            </a:endParaRPr>
-          </a:p>
-          <a:p>
-            <a:pPr lvl="1" marL="861120" indent="-456480">
+            <a:endParaRPr lang="en-US" sz="3200" b="0" strike="noStrike" spc="-1">
+              <a:latin typeface="Arial"/>
+            </a:endParaRPr>
+          </a:p>
+          <a:p>
+            <a:pPr marL="861120" lvl="1" indent="-456480">
               <a:lnSpc>
                 <a:spcPct val="100000"/>
               </a:lnSpc>
@@ -3782,7 +4681,7 @@
               <a:buChar char="•"/>
             </a:pPr>
             <a:r>
-              <a:rPr b="0" lang="en-US" sz="3200" spc="-1" strike="noStrike">
+              <a:rPr lang="en-US" sz="3200" b="0" strike="noStrike" spc="-1">
                 <a:solidFill>
                   <a:srgbClr val="000000"/>
                 </a:solidFill>
@@ -3791,12 +4690,12 @@
               </a:rPr>
               <a:t>Analyzed trendlines and r values</a:t>
             </a:r>
-            <a:endParaRPr b="0" lang="en-US" sz="3200" spc="-1" strike="noStrike">
-              <a:latin typeface="Arial"/>
-            </a:endParaRPr>
-          </a:p>
-          <a:p>
-            <a:pPr lvl="1" marL="861120" indent="-456480">
+            <a:endParaRPr lang="en-US" sz="3200" b="0" strike="noStrike" spc="-1">
+              <a:latin typeface="Arial"/>
+            </a:endParaRPr>
+          </a:p>
+          <a:p>
+            <a:pPr marL="861120" lvl="1" indent="-456480">
               <a:lnSpc>
                 <a:spcPct val="100000"/>
               </a:lnSpc>
@@ -3807,7 +4706,7 @@
               <a:buChar char="•"/>
             </a:pPr>
             <a:r>
-              <a:rPr b="0" lang="en-US" sz="3200" spc="-1" strike="noStrike">
+              <a:rPr lang="en-US" sz="3200" b="0" strike="noStrike" spc="-1">
                 <a:solidFill>
                   <a:srgbClr val="000000"/>
                 </a:solidFill>
@@ -3816,7 +4715,7 @@
               </a:rPr>
               <a:t>Found data analysis to be inconclusive</a:t>
             </a:r>
-            <a:endParaRPr b="0" lang="en-US" sz="3200" spc="-1" strike="noStrike">
+            <a:endParaRPr lang="en-US" sz="3200" b="0" strike="noStrike" spc="-1">
               <a:latin typeface="Arial"/>
             </a:endParaRPr>
           </a:p>
@@ -3856,13 +4755,20 @@
             </a:ln>
           </p:spPr>
           <p:style>
-            <a:lnRef idx="0"/>
-            <a:fillRef idx="0"/>
-            <a:effectRef idx="0"/>
+            <a:lnRef idx="0">
+              <a:scrgbClr r="0" g="0" b="0"/>
+            </a:lnRef>
+            <a:fillRef idx="0">
+              <a:scrgbClr r="0" g="0" b="0"/>
+            </a:fillRef>
+            <a:effectRef idx="0">
+              <a:scrgbClr r="0" g="0" b="0"/>
+            </a:effectRef>
             <a:fontRef idx="minor"/>
           </p:style>
           <p:txBody>
-            <a:bodyPr lIns="90000" rIns="90000" tIns="45000" bIns="45000"/>
+            <a:bodyPr lIns="90000" tIns="45000" rIns="90000" bIns="45000"/>
+            <a:lstStyle/>
             <a:p>
               <a:pPr>
                 <a:lnSpc>
@@ -3870,7 +4776,7 @@
                 </a:lnSpc>
               </a:pPr>
               <a:r>
-                <a:rPr b="0" lang="en-US" sz="3200" spc="-1" strike="noStrike">
+                <a:rPr lang="en-US" sz="3200" b="0" strike="noStrike" spc="-1">
                   <a:solidFill>
                     <a:srgbClr val="000000"/>
                   </a:solidFill>
@@ -3879,7 +4785,7 @@
                 </a:rPr>
                 <a:t>We found the data analysis to be inconclusive. There is a relationship between bee colony population and honey production, however, there is no direct linear relationship with the price of honey. Additionally, the number of unique types of pesticides used within a given state does not correlate with the bee colony population within that state.</a:t>
               </a:r>
-              <a:endParaRPr b="0" lang="en-US" sz="3200" spc="-1" strike="noStrike">
+              <a:endParaRPr lang="en-US" sz="3200" b="0" strike="noStrike" spc="-1">
                 <a:latin typeface="Arial"/>
               </a:endParaRPr>
             </a:p>
@@ -3900,20 +4806,27 @@
               <a:avLst/>
             </a:prstGeom>
             <a:solidFill>
-              <a:srgbClr val="eae37c"/>
+              <a:srgbClr val="EAE37C"/>
             </a:solidFill>
             <a:ln w="12600">
               <a:noFill/>
             </a:ln>
           </p:spPr>
           <p:style>
-            <a:lnRef idx="0"/>
-            <a:fillRef idx="0"/>
-            <a:effectRef idx="0"/>
+            <a:lnRef idx="0">
+              <a:scrgbClr r="0" g="0" b="0"/>
+            </a:lnRef>
+            <a:fillRef idx="0">
+              <a:scrgbClr r="0" g="0" b="0"/>
+            </a:fillRef>
+            <a:effectRef idx="0">
+              <a:scrgbClr r="0" g="0" b="0"/>
+            </a:effectRef>
             <a:fontRef idx="minor"/>
           </p:style>
           <p:txBody>
-            <a:bodyPr lIns="0" rIns="0" tIns="0" bIns="0" anchor="ctr"/>
+            <a:bodyPr lIns="0" tIns="0" rIns="0" bIns="0" anchor="ctr"/>
+            <a:lstStyle/>
             <a:p>
               <a:pPr algn="ctr">
                 <a:lnSpc>
@@ -3921,7 +4834,7 @@
                 </a:lnSpc>
               </a:pPr>
               <a:r>
-                <a:rPr b="1" lang="en-US" sz="4000" spc="-1" strike="noStrike">
+                <a:rPr lang="en-US" sz="4000" b="1" strike="noStrike" spc="-1">
                   <a:solidFill>
                     <a:srgbClr val="000000"/>
                   </a:solidFill>
@@ -3930,7 +4843,7 @@
                 </a:rPr>
                 <a:t>Conclusion</a:t>
               </a:r>
-              <a:endParaRPr b="0" lang="en-US" sz="4000" spc="-1" strike="noStrike">
+              <a:endParaRPr lang="en-US" sz="4000" b="0" strike="noStrike" spc="-1">
                 <a:latin typeface="Arial"/>
               </a:endParaRPr>
             </a:p>
@@ -3939,53 +4852,7 @@
       </p:grpSp>
       <p:pic>
         <p:nvPicPr>
-          <p:cNvPr id="74" name="Picture 2" descr=""/>
-          <p:cNvPicPr/>
-          <p:nvPr/>
-        </p:nvPicPr>
-        <p:blipFill>
-          <a:blip r:embed="rId2"/>
-          <a:stretch/>
-        </p:blipFill>
-        <p:spPr>
-          <a:xfrm>
-            <a:off x="10729080" y="16091280"/>
-            <a:ext cx="8509680" cy="5073480"/>
-          </a:xfrm>
-          <a:prstGeom prst="rect">
-            <a:avLst/>
-          </a:prstGeom>
-          <a:ln>
-            <a:noFill/>
-          </a:ln>
-        </p:spPr>
-      </p:pic>
-      <p:pic>
-        <p:nvPicPr>
-          <p:cNvPr id="75" name="Picture 6" descr=""/>
-          <p:cNvPicPr/>
-          <p:nvPr/>
-        </p:nvPicPr>
-        <p:blipFill>
-          <a:blip r:embed="rId3"/>
-          <a:stretch/>
-        </p:blipFill>
-        <p:spPr>
-          <a:xfrm>
-            <a:off x="10855800" y="22964760"/>
-            <a:ext cx="8491320" cy="5062320"/>
-          </a:xfrm>
-          <a:prstGeom prst="rect">
-            <a:avLst/>
-          </a:prstGeom>
-          <a:ln>
-            <a:noFill/>
-          </a:ln>
-        </p:spPr>
-      </p:pic>
-      <p:pic>
-        <p:nvPicPr>
-          <p:cNvPr id="76" name="Picture 37" descr=""/>
+          <p:cNvPr id="74" name="Picture 2"/>
           <p:cNvPicPr/>
           <p:nvPr/>
         </p:nvPicPr>
@@ -3995,8 +4862,8 @@
         </p:blipFill>
         <p:spPr>
           <a:xfrm>
-            <a:off x="10793880" y="30069000"/>
-            <a:ext cx="18633600" cy="7364160"/>
+            <a:off x="10729080" y="16091280"/>
+            <a:ext cx="8509680" cy="5073480"/>
           </a:xfrm>
           <a:prstGeom prst="rect">
             <a:avLst/>
@@ -4008,7 +4875,7 @@
       </p:pic>
       <p:pic>
         <p:nvPicPr>
-          <p:cNvPr id="77" name="Picture 46" descr=""/>
+          <p:cNvPr id="75" name="Picture 6"/>
           <p:cNvPicPr/>
           <p:nvPr/>
         </p:nvPicPr>
@@ -4018,8 +4885,8 @@
         </p:blipFill>
         <p:spPr>
           <a:xfrm>
-            <a:off x="1166760" y="1462680"/>
-            <a:ext cx="3616560" cy="1816200"/>
+            <a:off x="10855800" y="22964760"/>
+            <a:ext cx="8491320" cy="5062320"/>
           </a:xfrm>
           <a:prstGeom prst="rect">
             <a:avLst/>
@@ -4031,7 +4898,7 @@
       </p:pic>
       <p:pic>
         <p:nvPicPr>
-          <p:cNvPr id="78" name="Picture 48" descr=""/>
+          <p:cNvPr id="76" name="Picture 37"/>
           <p:cNvPicPr/>
           <p:nvPr/>
         </p:nvPicPr>
@@ -4041,20 +4908,20 @@
         </p:blipFill>
         <p:spPr>
           <a:xfrm>
-            <a:off x="27178920" y="1691280"/>
-            <a:ext cx="3496680" cy="1752480"/>
-          </a:xfrm>
-          <a:prstGeom prst="rect">
-            <a:avLst/>
-          </a:prstGeom>
-          <a:ln w="9360">
+            <a:off x="10793880" y="30069000"/>
+            <a:ext cx="18633600" cy="7364160"/>
+          </a:xfrm>
+          <a:prstGeom prst="rect">
+            <a:avLst/>
+          </a:prstGeom>
+          <a:ln>
             <a:noFill/>
           </a:ln>
         </p:spPr>
       </p:pic>
       <p:pic>
         <p:nvPicPr>
-          <p:cNvPr id="79" name="Picture 48" descr=""/>
+          <p:cNvPr id="77" name="Picture 46"/>
           <p:cNvPicPr/>
           <p:nvPr/>
         </p:nvPicPr>
@@ -4064,8 +4931,8 @@
         </p:blipFill>
         <p:spPr>
           <a:xfrm>
-            <a:off x="26053560" y="541440"/>
-            <a:ext cx="2598840" cy="840600"/>
+            <a:off x="1166760" y="1462680"/>
+            <a:ext cx="3616560" cy="1816200"/>
           </a:xfrm>
           <a:prstGeom prst="rect">
             <a:avLst/>
@@ -4077,7 +4944,7 @@
       </p:pic>
       <p:pic>
         <p:nvPicPr>
-          <p:cNvPr id="80" name="Picture 49" descr=""/>
+          <p:cNvPr id="78" name="Picture 48"/>
           <p:cNvPicPr/>
           <p:nvPr/>
         </p:nvPicPr>
@@ -4087,69 +4954,20 @@
         </p:blipFill>
         <p:spPr>
           <a:xfrm>
-            <a:off x="23585040" y="1800360"/>
-            <a:ext cx="3226320" cy="915840"/>
-          </a:xfrm>
-          <a:prstGeom prst="rect">
-            <a:avLst/>
-          </a:prstGeom>
-          <a:ln>
+            <a:off x="27178920" y="1691280"/>
+            <a:ext cx="3496680" cy="1752480"/>
+          </a:xfrm>
+          <a:prstGeom prst="rect">
+            <a:avLst/>
+          </a:prstGeom>
+          <a:ln w="9360">
             <a:noFill/>
           </a:ln>
         </p:spPr>
       </p:pic>
-      <p:sp>
-        <p:nvSpPr>
-          <p:cNvPr id="81" name="CustomShape 32"/>
-          <p:cNvSpPr/>
-          <p:nvPr/>
-        </p:nvSpPr>
-        <p:spPr>
-          <a:xfrm>
-            <a:off x="20547720" y="29571840"/>
-            <a:ext cx="9298800" cy="943200"/>
-          </a:xfrm>
-          <a:prstGeom prst="rect">
-            <a:avLst/>
-          </a:prstGeom>
-          <a:noFill/>
-          <a:ln>
-            <a:noFill/>
-          </a:ln>
-        </p:spPr>
-        <p:style>
-          <a:lnRef idx="0"/>
-          <a:fillRef idx="0"/>
-          <a:effectRef idx="0"/>
-          <a:fontRef idx="minor"/>
-        </p:style>
-        <p:txBody>
-          <a:bodyPr lIns="90000" rIns="90000" tIns="45000" bIns="45000"/>
-          <a:p>
-            <a:pPr algn="just">
-              <a:lnSpc>
-                <a:spcPct val="100000"/>
-              </a:lnSpc>
-            </a:pPr>
-            <a:r>
-              <a:rPr b="0" lang="en-US" sz="2800" spc="-1" strike="noStrike">
-                <a:solidFill>
-                  <a:srgbClr val="000000"/>
-                </a:solidFill>
-                <a:latin typeface="Arial"/>
-                <a:ea typeface="ヒラギノ明朝 ProN W3"/>
-              </a:rPr>
-              <a:t>Figure 3 (below) demonstrates the change in the price of honey from 1998 to 2014 for each state.</a:t>
-            </a:r>
-            <a:endParaRPr b="0" lang="en-US" sz="2800" spc="-1" strike="noStrike">
-              <a:latin typeface="Arial"/>
-            </a:endParaRPr>
-          </a:p>
-        </p:txBody>
-      </p:sp>
       <p:pic>
         <p:nvPicPr>
-          <p:cNvPr id="82" name="Picture 3" descr=""/>
+          <p:cNvPr id="79" name="Picture 48"/>
           <p:cNvPicPr/>
           <p:nvPr/>
         </p:nvPicPr>
@@ -4159,8 +4977,8 @@
         </p:blipFill>
         <p:spPr>
           <a:xfrm>
-            <a:off x="21488760" y="13605840"/>
-            <a:ext cx="7475040" cy="6366600"/>
+            <a:off x="26053560" y="541440"/>
+            <a:ext cx="2598840" cy="840600"/>
           </a:xfrm>
           <a:prstGeom prst="rect">
             <a:avLst/>
@@ -4170,58 +4988,9 @@
           </a:ln>
         </p:spPr>
       </p:pic>
-      <p:sp>
-        <p:nvSpPr>
-          <p:cNvPr id="83" name="CustomShape 33"/>
-          <p:cNvSpPr/>
-          <p:nvPr/>
-        </p:nvSpPr>
-        <p:spPr>
-          <a:xfrm>
-            <a:off x="20715120" y="21216960"/>
-            <a:ext cx="9711360" cy="516600"/>
-          </a:xfrm>
-          <a:prstGeom prst="rect">
-            <a:avLst/>
-          </a:prstGeom>
-          <a:noFill/>
-          <a:ln>
-            <a:noFill/>
-          </a:ln>
-        </p:spPr>
-        <p:style>
-          <a:lnRef idx="0"/>
-          <a:fillRef idx="0"/>
-          <a:effectRef idx="0"/>
-          <a:fontRef idx="minor"/>
-        </p:style>
-        <p:txBody>
-          <a:bodyPr lIns="90000" rIns="90000" tIns="45000" bIns="45000"/>
-          <a:p>
-            <a:pPr algn="just">
-              <a:lnSpc>
-                <a:spcPct val="100000"/>
-              </a:lnSpc>
-            </a:pPr>
-            <a:r>
-              <a:rPr b="1" lang="en-US" sz="2800" spc="-1" strike="noStrike">
-                <a:solidFill>
-                  <a:srgbClr val="000000"/>
-                </a:solidFill>
-                <a:latin typeface="Arial"/>
-                <a:ea typeface="ヒラギノ明朝 ProN W3"/>
-              </a:rPr>
-              <a:t>Question 2</a:t>
-            </a:r>
-            <a:endParaRPr b="0" lang="en-US" sz="2800" spc="-1" strike="noStrike">
-              <a:latin typeface="Arial"/>
-            </a:endParaRPr>
-          </a:p>
-        </p:txBody>
-      </p:sp>
       <p:pic>
         <p:nvPicPr>
-          <p:cNvPr id="84" name="Picture 8" descr=""/>
+          <p:cNvPr id="80" name="Picture 49"/>
           <p:cNvPicPr/>
           <p:nvPr/>
         </p:nvPicPr>
@@ -4231,8 +5000,8 @@
         </p:blipFill>
         <p:spPr>
           <a:xfrm>
-            <a:off x="21620880" y="21925800"/>
-            <a:ext cx="7396560" cy="6299640"/>
+            <a:off x="23585040" y="1800360"/>
+            <a:ext cx="3226320" cy="915840"/>
           </a:xfrm>
           <a:prstGeom prst="rect">
             <a:avLst/>
@@ -4244,14 +5013,14 @@
       </p:pic>
       <p:sp>
         <p:nvSpPr>
-          <p:cNvPr id="85" name="CustomShape 34"/>
+          <p:cNvPr id="81" name="CustomShape 32"/>
           <p:cNvSpPr/>
           <p:nvPr/>
         </p:nvSpPr>
         <p:spPr>
           <a:xfrm>
-            <a:off x="10764360" y="37362960"/>
-            <a:ext cx="1185120" cy="394920"/>
+            <a:off x="20547720" y="29571840"/>
+            <a:ext cx="9298800" cy="943200"/>
           </a:xfrm>
           <a:prstGeom prst="rect">
             <a:avLst/>
@@ -4262,13 +5031,178 @@
           </a:ln>
         </p:spPr>
         <p:style>
-          <a:lnRef idx="0"/>
-          <a:fillRef idx="0"/>
-          <a:effectRef idx="0"/>
+          <a:lnRef idx="0">
+            <a:scrgbClr r="0" g="0" b="0"/>
+          </a:lnRef>
+          <a:fillRef idx="0">
+            <a:scrgbClr r="0" g="0" b="0"/>
+          </a:fillRef>
+          <a:effectRef idx="0">
+            <a:scrgbClr r="0" g="0" b="0"/>
+          </a:effectRef>
           <a:fontRef idx="minor"/>
         </p:style>
         <p:txBody>
-          <a:bodyPr wrap="none" lIns="90000" rIns="90000" tIns="45000" bIns="45000"/>
+          <a:bodyPr lIns="90000" tIns="45000" rIns="90000" bIns="45000"/>
+          <a:lstStyle/>
+          <a:p>
+            <a:pPr algn="just">
+              <a:lnSpc>
+                <a:spcPct val="100000"/>
+              </a:lnSpc>
+            </a:pPr>
+            <a:r>
+              <a:rPr lang="en-US" sz="2800" b="0" strike="noStrike" spc="-1">
+                <a:solidFill>
+                  <a:srgbClr val="000000"/>
+                </a:solidFill>
+                <a:latin typeface="Arial"/>
+                <a:ea typeface="ヒラギノ明朝 ProN W3"/>
+              </a:rPr>
+              <a:t>Figure 3 (below) demonstrates the change in the price of honey from 1998 to 2014 for each state.</a:t>
+            </a:r>
+            <a:endParaRPr lang="en-US" sz="2800" b="0" strike="noStrike" spc="-1">
+              <a:latin typeface="Arial"/>
+            </a:endParaRPr>
+          </a:p>
+        </p:txBody>
+      </p:sp>
+      <p:pic>
+        <p:nvPicPr>
+          <p:cNvPr id="82" name="Picture 3"/>
+          <p:cNvPicPr/>
+          <p:nvPr/>
+        </p:nvPicPr>
+        <p:blipFill>
+          <a:blip r:embed="rId11"/>
+          <a:stretch/>
+        </p:blipFill>
+        <p:spPr>
+          <a:xfrm>
+            <a:off x="21488760" y="13605840"/>
+            <a:ext cx="7475040" cy="6366600"/>
+          </a:xfrm>
+          <a:prstGeom prst="rect">
+            <a:avLst/>
+          </a:prstGeom>
+          <a:ln>
+            <a:noFill/>
+          </a:ln>
+        </p:spPr>
+      </p:pic>
+      <p:sp>
+        <p:nvSpPr>
+          <p:cNvPr id="83" name="CustomShape 33"/>
+          <p:cNvSpPr/>
+          <p:nvPr/>
+        </p:nvSpPr>
+        <p:spPr>
+          <a:xfrm>
+            <a:off x="20715120" y="21216960"/>
+            <a:ext cx="9711360" cy="516600"/>
+          </a:xfrm>
+          <a:prstGeom prst="rect">
+            <a:avLst/>
+          </a:prstGeom>
+          <a:noFill/>
+          <a:ln>
+            <a:noFill/>
+          </a:ln>
+        </p:spPr>
+        <p:style>
+          <a:lnRef idx="0">
+            <a:scrgbClr r="0" g="0" b="0"/>
+          </a:lnRef>
+          <a:fillRef idx="0">
+            <a:scrgbClr r="0" g="0" b="0"/>
+          </a:fillRef>
+          <a:effectRef idx="0">
+            <a:scrgbClr r="0" g="0" b="0"/>
+          </a:effectRef>
+          <a:fontRef idx="minor"/>
+        </p:style>
+        <p:txBody>
+          <a:bodyPr lIns="90000" tIns="45000" rIns="90000" bIns="45000"/>
+          <a:lstStyle/>
+          <a:p>
+            <a:pPr algn="just">
+              <a:lnSpc>
+                <a:spcPct val="100000"/>
+              </a:lnSpc>
+            </a:pPr>
+            <a:r>
+              <a:rPr lang="en-US" sz="2800" b="1" strike="noStrike" spc="-1">
+                <a:solidFill>
+                  <a:srgbClr val="000000"/>
+                </a:solidFill>
+                <a:latin typeface="Arial"/>
+                <a:ea typeface="ヒラギノ明朝 ProN W3"/>
+              </a:rPr>
+              <a:t>Question 2</a:t>
+            </a:r>
+            <a:endParaRPr lang="en-US" sz="2800" b="0" strike="noStrike" spc="-1">
+              <a:latin typeface="Arial"/>
+            </a:endParaRPr>
+          </a:p>
+        </p:txBody>
+      </p:sp>
+      <p:pic>
+        <p:nvPicPr>
+          <p:cNvPr id="84" name="Picture 8"/>
+          <p:cNvPicPr/>
+          <p:nvPr/>
+        </p:nvPicPr>
+        <p:blipFill>
+          <a:blip r:embed="rId12"/>
+          <a:stretch/>
+        </p:blipFill>
+        <p:spPr>
+          <a:xfrm>
+            <a:off x="21620880" y="21925800"/>
+            <a:ext cx="7396560" cy="6299640"/>
+          </a:xfrm>
+          <a:prstGeom prst="rect">
+            <a:avLst/>
+          </a:prstGeom>
+          <a:ln>
+            <a:noFill/>
+          </a:ln>
+        </p:spPr>
+      </p:pic>
+      <p:sp>
+        <p:nvSpPr>
+          <p:cNvPr id="85" name="CustomShape 34"/>
+          <p:cNvSpPr/>
+          <p:nvPr/>
+        </p:nvSpPr>
+        <p:spPr>
+          <a:xfrm>
+            <a:off x="10764360" y="37362960"/>
+            <a:ext cx="1185120" cy="394920"/>
+          </a:xfrm>
+          <a:prstGeom prst="rect">
+            <a:avLst/>
+          </a:prstGeom>
+          <a:noFill/>
+          <a:ln>
+            <a:noFill/>
+          </a:ln>
+        </p:spPr>
+        <p:style>
+          <a:lnRef idx="0">
+            <a:scrgbClr r="0" g="0" b="0"/>
+          </a:lnRef>
+          <a:fillRef idx="0">
+            <a:scrgbClr r="0" g="0" b="0"/>
+          </a:fillRef>
+          <a:effectRef idx="0">
+            <a:scrgbClr r="0" g="0" b="0"/>
+          </a:effectRef>
+          <a:fontRef idx="minor"/>
+        </p:style>
+        <p:txBody>
+          <a:bodyPr wrap="none" lIns="90000" tIns="45000" rIns="90000" bIns="45000"/>
+          <a:lstStyle/>
           <a:p>
             <a:pPr>
               <a:lnSpc>
@@ -4276,7 +5210,7 @@
               </a:lnSpc>
             </a:pPr>
             <a:r>
-              <a:rPr b="0" lang="en-US" sz="2000" spc="-1" strike="noStrike">
+              <a:rPr lang="en-US" sz="2000" b="0" strike="noStrike" spc="-1">
                 <a:solidFill>
                   <a:srgbClr val="000000"/>
                 </a:solidFill>
@@ -4285,7 +5219,7 @@
               </a:rPr>
               <a:t>Figure 3 </a:t>
             </a:r>
-            <a:endParaRPr b="0" lang="en-US" sz="2000" spc="-1" strike="noStrike">
+            <a:endParaRPr lang="en-US" sz="2000" b="0" strike="noStrike" spc="-1">
               <a:latin typeface="Arial"/>
             </a:endParaRPr>
           </a:p>
@@ -4307,12 +5241,12 @@
         </p:grpSpPr>
         <p:pic>
           <p:nvPicPr>
-            <p:cNvPr id="87" name="Picture 4" descr=""/>
+            <p:cNvPr id="87" name="Picture 4"/>
             <p:cNvPicPr/>
             <p:nvPr/>
           </p:nvPicPr>
           <p:blipFill>
-            <a:blip r:embed="rId11"/>
+            <a:blip r:embed="rId13"/>
             <a:stretch/>
           </p:blipFill>
           <p:spPr>
@@ -4330,12 +5264,12 @@
         </p:pic>
         <p:pic>
           <p:nvPicPr>
-            <p:cNvPr id="88" name="Picture 6" descr=""/>
+            <p:cNvPr id="88" name="Picture 6"/>
             <p:cNvPicPr/>
             <p:nvPr/>
           </p:nvPicPr>
           <p:blipFill>
-            <a:blip r:embed="rId12"/>
+            <a:blip r:embed="rId14"/>
             <a:stretch/>
           </p:blipFill>
           <p:spPr>
@@ -4371,13 +5305,20 @@
             </a:ln>
           </p:spPr>
           <p:style>
-            <a:lnRef idx="0"/>
-            <a:fillRef idx="0"/>
-            <a:effectRef idx="0"/>
+            <a:lnRef idx="0">
+              <a:scrgbClr r="0" g="0" b="0"/>
+            </a:lnRef>
+            <a:fillRef idx="0">
+              <a:scrgbClr r="0" g="0" b="0"/>
+            </a:fillRef>
+            <a:effectRef idx="0">
+              <a:scrgbClr r="0" g="0" b="0"/>
+            </a:effectRef>
             <a:fontRef idx="minor"/>
           </p:style>
           <p:txBody>
-            <a:bodyPr wrap="none" lIns="90000" rIns="90000" tIns="45000" bIns="45000"/>
+            <a:bodyPr wrap="none" lIns="90000" tIns="45000" rIns="90000" bIns="45000"/>
+            <a:lstStyle/>
             <a:p>
               <a:pPr>
                 <a:lnSpc>
@@ -4385,7 +5326,7 @@
                 </a:lnSpc>
               </a:pPr>
               <a:r>
-                <a:rPr b="0" lang="en-US" sz="1600" spc="-1" strike="noStrike">
+                <a:rPr lang="en-US" sz="1600" b="0" strike="noStrike" spc="-1">
                   <a:solidFill>
                     <a:srgbClr val="000000"/>
                   </a:solidFill>
@@ -4394,7 +5335,7 @@
                 </a:rPr>
                 <a:t>Honey price</a:t>
               </a:r>
-              <a:endParaRPr b="0" lang="en-US" sz="1600" spc="-1" strike="noStrike">
+              <a:endParaRPr lang="en-US" sz="1600" b="0" strike="noStrike" spc="-1">
                 <a:latin typeface="Arial"/>
               </a:endParaRPr>
             </a:p>
@@ -4420,13 +5361,20 @@
             </a:ln>
           </p:spPr>
           <p:style>
-            <a:lnRef idx="0"/>
-            <a:fillRef idx="0"/>
-            <a:effectRef idx="0"/>
+            <a:lnRef idx="0">
+              <a:scrgbClr r="0" g="0" b="0"/>
+            </a:lnRef>
+            <a:fillRef idx="0">
+              <a:scrgbClr r="0" g="0" b="0"/>
+            </a:fillRef>
+            <a:effectRef idx="0">
+              <a:scrgbClr r="0" g="0" b="0"/>
+            </a:effectRef>
             <a:fontRef idx="minor"/>
           </p:style>
           <p:txBody>
-            <a:bodyPr wrap="none" lIns="90000" rIns="90000" tIns="45000" bIns="45000"/>
+            <a:bodyPr wrap="none" lIns="90000" tIns="45000" rIns="90000" bIns="45000"/>
+            <a:lstStyle/>
             <a:p>
               <a:pPr>
                 <a:lnSpc>
@@ -4434,7 +5382,7 @@
                 </a:lnSpc>
               </a:pPr>
               <a:r>
-                <a:rPr b="0" lang="en-US" sz="1600" spc="-1" strike="noStrike">
+                <a:rPr lang="en-US" sz="1600" b="0" strike="noStrike" spc="-1">
                   <a:solidFill>
                     <a:srgbClr val="000000"/>
                   </a:solidFill>
@@ -4443,7 +5391,7 @@
                 </a:rPr>
                 <a:t>Honey production</a:t>
               </a:r>
-              <a:endParaRPr b="0" lang="en-US" sz="1600" spc="-1" strike="noStrike">
+              <a:endParaRPr lang="en-US" sz="1600" b="0" strike="noStrike" spc="-1">
                 <a:latin typeface="Arial"/>
               </a:endParaRPr>
             </a:p>
@@ -4469,13 +5417,20 @@
             </a:ln>
           </p:spPr>
           <p:style>
-            <a:lnRef idx="0"/>
-            <a:fillRef idx="0"/>
-            <a:effectRef idx="0"/>
+            <a:lnRef idx="0">
+              <a:scrgbClr r="0" g="0" b="0"/>
+            </a:lnRef>
+            <a:fillRef idx="0">
+              <a:scrgbClr r="0" g="0" b="0"/>
+            </a:fillRef>
+            <a:effectRef idx="0">
+              <a:scrgbClr r="0" g="0" b="0"/>
+            </a:effectRef>
             <a:fontRef idx="minor"/>
           </p:style>
           <p:txBody>
-            <a:bodyPr wrap="none" lIns="90000" rIns="90000" tIns="45000" bIns="45000"/>
+            <a:bodyPr wrap="none" lIns="90000" tIns="45000" rIns="90000" bIns="45000"/>
+            <a:lstStyle/>
             <a:p>
               <a:pPr>
                 <a:lnSpc>
@@ -4483,7 +5438,7 @@
                 </a:lnSpc>
               </a:pPr>
               <a:r>
-                <a:rPr b="0" lang="en-US" sz="1600" spc="-1" strike="noStrike">
+                <a:rPr lang="en-US" sz="1600" b="0" strike="noStrike" spc="-1">
                   <a:solidFill>
                     <a:srgbClr val="000000"/>
                   </a:solidFill>
@@ -4492,7 +5447,7 @@
                 </a:rPr>
                 <a:t>Number of colonies</a:t>
               </a:r>
-              <a:endParaRPr b="0" lang="en-US" sz="1600" spc="-1" strike="noStrike">
+              <a:endParaRPr lang="en-US" sz="1600" b="0" strike="noStrike" spc="-1">
                 <a:latin typeface="Arial"/>
               </a:endParaRPr>
             </a:p>
@@ -4501,12 +5456,12 @@
       </p:grpSp>
       <p:pic>
         <p:nvPicPr>
-          <p:cNvPr id="92" name="" descr=""/>
+          <p:cNvPr id="92" name="Picture 91"/>
           <p:cNvPicPr/>
           <p:nvPr/>
         </p:nvPicPr>
         <p:blipFill>
-          <a:blip r:embed="rId13"/>
+          <a:blip r:embed="rId15"/>
           <a:stretch/>
         </p:blipFill>
         <p:spPr>
@@ -4542,13 +5497,20 @@
           </a:ln>
         </p:spPr>
         <p:style>
-          <a:lnRef idx="0"/>
-          <a:fillRef idx="0"/>
-          <a:effectRef idx="0"/>
+          <a:lnRef idx="0">
+            <a:scrgbClr r="0" g="0" b="0"/>
+          </a:lnRef>
+          <a:fillRef idx="0">
+            <a:scrgbClr r="0" g="0" b="0"/>
+          </a:fillRef>
+          <a:effectRef idx="0">
+            <a:scrgbClr r="0" g="0" b="0"/>
+          </a:effectRef>
           <a:fontRef idx="minor"/>
         </p:style>
         <p:txBody>
-          <a:bodyPr lIns="90000" rIns="90000" tIns="45000" bIns="45000"/>
+          <a:bodyPr lIns="90000" tIns="45000" rIns="90000" bIns="45000"/>
+          <a:lstStyle/>
           <a:p>
             <a:pPr algn="just">
               <a:lnSpc>
@@ -4556,7 +5518,7 @@
               </a:lnSpc>
             </a:pPr>
             <a:r>
-              <a:rPr b="0" lang="en-US" sz="2800" spc="-1" strike="noStrike">
+              <a:rPr lang="en-US" sz="2800" b="0" strike="noStrike" spc="-1">
                 <a:solidFill>
                   <a:srgbClr val="000000"/>
                 </a:solidFill>
@@ -4565,7 +5527,7 @@
               </a:rPr>
               <a:t>Scan this QR code to see more visuals created for this presentation.</a:t>
             </a:r>
-            <a:endParaRPr b="0" lang="en-US" sz="2800" spc="-1" strike="noStrike">
+            <a:endParaRPr lang="en-US" sz="2800" b="0" strike="noStrike" spc="-1">
               <a:latin typeface="Arial"/>
             </a:endParaRPr>
           </a:p>
@@ -4591,13 +5553,20 @@
           </a:ln>
         </p:spPr>
         <p:style>
-          <a:lnRef idx="0"/>
-          <a:fillRef idx="0"/>
-          <a:effectRef idx="0"/>
+          <a:lnRef idx="0">
+            <a:scrgbClr r="0" g="0" b="0"/>
+          </a:lnRef>
+          <a:fillRef idx="0">
+            <a:scrgbClr r="0" g="0" b="0"/>
+          </a:fillRef>
+          <a:effectRef idx="0">
+            <a:scrgbClr r="0" g="0" b="0"/>
+          </a:effectRef>
           <a:fontRef idx="minor"/>
         </p:style>
         <p:txBody>
-          <a:bodyPr lIns="90000" rIns="90000" tIns="45000" bIns="45000"/>
+          <a:bodyPr lIns="90000" tIns="45000" rIns="90000" bIns="45000"/>
+          <a:lstStyle/>
           <a:p>
             <a:pPr>
               <a:lnSpc>
@@ -4605,7 +5574,7 @@
               </a:lnSpc>
             </a:pPr>
             <a:r>
-              <a:rPr b="0" lang="en-US" sz="2800" spc="-1" strike="noStrike">
+              <a:rPr lang="en-US" sz="2800" b="0" strike="noStrike" spc="-1">
                 <a:solidFill>
                   <a:srgbClr val="000000"/>
                 </a:solidFill>
@@ -4614,7 +5583,7 @@
               </a:rPr>
               <a:t>Figure 1 reflects the bee colony populations in 1998. The darker states have a higher bee population, like California.</a:t>
             </a:r>
-            <a:endParaRPr b="0" lang="en-US" sz="2800" spc="-1" strike="noStrike">
+            <a:endParaRPr lang="en-US" sz="2800" b="0" strike="noStrike" spc="-1">
               <a:latin typeface="Arial"/>
             </a:endParaRPr>
           </a:p>
@@ -4640,13 +5609,20 @@
           </a:ln>
         </p:spPr>
         <p:style>
-          <a:lnRef idx="0"/>
-          <a:fillRef idx="0"/>
-          <a:effectRef idx="0"/>
+          <a:lnRef idx="0">
+            <a:scrgbClr r="0" g="0" b="0"/>
+          </a:lnRef>
+          <a:fillRef idx="0">
+            <a:scrgbClr r="0" g="0" b="0"/>
+          </a:fillRef>
+          <a:effectRef idx="0">
+            <a:scrgbClr r="0" g="0" b="0"/>
+          </a:effectRef>
           <a:fontRef idx="minor"/>
         </p:style>
         <p:txBody>
-          <a:bodyPr lIns="90000" rIns="90000" tIns="45000" bIns="45000"/>
+          <a:bodyPr lIns="90000" tIns="45000" rIns="90000" bIns="45000"/>
+          <a:lstStyle/>
           <a:p>
             <a:pPr>
               <a:lnSpc>
@@ -4654,7 +5630,7 @@
               </a:lnSpc>
             </a:pPr>
             <a:r>
-              <a:rPr b="0" lang="en-US" sz="2800" spc="-1" strike="noStrike">
+              <a:rPr lang="en-US" sz="2800" b="0" strike="noStrike" spc="-1">
                 <a:solidFill>
                   <a:srgbClr val="000000"/>
                 </a:solidFill>
@@ -4663,7 +5639,7 @@
               </a:rPr>
               <a:t>Figure 2 reflects the bee colony populations in 2014. This highlights the changes in populations over the 16 year time span from Figure 1.</a:t>
             </a:r>
-            <a:endParaRPr b="0" lang="en-US" sz="2800" spc="-1" strike="noStrike">
+            <a:endParaRPr lang="en-US" sz="2800" b="0" strike="noStrike" spc="-1">
               <a:latin typeface="Arial"/>
             </a:endParaRPr>
           </a:p>
@@ -4689,13 +5665,20 @@
           </a:ln>
         </p:spPr>
         <p:style>
-          <a:lnRef idx="0"/>
-          <a:fillRef idx="0"/>
-          <a:effectRef idx="0"/>
+          <a:lnRef idx="0">
+            <a:scrgbClr r="0" g="0" b="0"/>
+          </a:lnRef>
+          <a:fillRef idx="0">
+            <a:scrgbClr r="0" g="0" b="0"/>
+          </a:fillRef>
+          <a:effectRef idx="0">
+            <a:scrgbClr r="0" g="0" b="0"/>
+          </a:effectRef>
           <a:fontRef idx="minor"/>
         </p:style>
         <p:txBody>
-          <a:bodyPr lIns="90000" rIns="90000" tIns="45000" bIns="45000"/>
+          <a:bodyPr lIns="90000" tIns="45000" rIns="90000" bIns="45000"/>
+          <a:lstStyle/>
           <a:p>
             <a:pPr>
               <a:lnSpc>
@@ -4703,7 +5686,7 @@
               </a:lnSpc>
             </a:pPr>
             <a:r>
-              <a:rPr b="0" lang="en-US" sz="2800" spc="-1" strike="noStrike">
+              <a:rPr lang="en-US" sz="2800" b="0" strike="noStrike" spc="-1">
                 <a:solidFill>
                   <a:srgbClr val="000000"/>
                 </a:solidFill>
@@ -4712,7 +5695,7 @@
               </a:rPr>
               <a:t>Figure 4 shows honey production and number of colonies against price of honey. These variables were used in the linear model (not pictured), and as seen above, it is clear why no “good” linear model could be made.</a:t>
             </a:r>
-            <a:endParaRPr b="0" lang="en-US" sz="2800" spc="-1" strike="noStrike">
+            <a:endParaRPr lang="en-US" sz="2800" b="0" strike="noStrike" spc="-1">
               <a:latin typeface="Arial"/>
             </a:endParaRPr>
           </a:p>
@@ -4738,13 +5721,20 @@
           </a:ln>
         </p:spPr>
         <p:style>
-          <a:lnRef idx="0"/>
-          <a:fillRef idx="0"/>
-          <a:effectRef idx="0"/>
+          <a:lnRef idx="0">
+            <a:scrgbClr r="0" g="0" b="0"/>
+          </a:lnRef>
+          <a:fillRef idx="0">
+            <a:scrgbClr r="0" g="0" b="0"/>
+          </a:fillRef>
+          <a:effectRef idx="0">
+            <a:scrgbClr r="0" g="0" b="0"/>
+          </a:effectRef>
           <a:fontRef idx="minor"/>
         </p:style>
         <p:txBody>
-          <a:bodyPr lIns="90000" rIns="90000" tIns="45000" bIns="45000"/>
+          <a:bodyPr lIns="90000" tIns="45000" rIns="90000" bIns="45000"/>
+          <a:lstStyle/>
           <a:p>
             <a:pPr>
               <a:lnSpc>
@@ -4752,7 +5742,7 @@
               </a:lnSpc>
             </a:pPr>
             <a:r>
-              <a:rPr b="0" lang="en-US" sz="2800" spc="-1" strike="noStrike">
+              <a:rPr lang="en-US" sz="2800" b="0" strike="noStrike" spc="-1">
                 <a:solidFill>
                   <a:srgbClr val="000000"/>
                 </a:solidFill>
@@ -4761,7 +5751,7 @@
               </a:rPr>
               <a:t>Figure 6 shows that there is not a correlation between bee colony population and pesticide usage for all states from 1998 to 2014. Our model is the blue line.</a:t>
             </a:r>
-            <a:endParaRPr b="0" lang="en-US" sz="2800" spc="-1" strike="noStrike">
+            <a:endParaRPr lang="en-US" sz="2800" b="0" strike="noStrike" spc="-1">
               <a:latin typeface="Arial"/>
             </a:endParaRPr>
           </a:p>
@@ -4787,13 +5777,20 @@
           </a:ln>
         </p:spPr>
         <p:style>
-          <a:lnRef idx="0"/>
-          <a:fillRef idx="0"/>
-          <a:effectRef idx="0"/>
+          <a:lnRef idx="0">
+            <a:scrgbClr r="0" g="0" b="0"/>
+          </a:lnRef>
+          <a:fillRef idx="0">
+            <a:scrgbClr r="0" g="0" b="0"/>
+          </a:fillRef>
+          <a:effectRef idx="0">
+            <a:scrgbClr r="0" g="0" b="0"/>
+          </a:effectRef>
           <a:fontRef idx="minor"/>
         </p:style>
         <p:txBody>
-          <a:bodyPr lIns="90000" rIns="90000" tIns="45000" bIns="45000"/>
+          <a:bodyPr lIns="90000" tIns="45000" rIns="90000" bIns="45000"/>
+          <a:lstStyle/>
           <a:p>
             <a:pPr>
               <a:lnSpc>
@@ -4801,7 +5798,7 @@
               </a:lnSpc>
             </a:pPr>
             <a:r>
-              <a:rPr b="0" lang="en-US" sz="2800" spc="-1" strike="noStrike">
+              <a:rPr lang="en-US" sz="2800" b="0" strike="noStrike" spc="-1">
                 <a:solidFill>
                   <a:srgbClr val="000000"/>
                 </a:solidFill>
@@ -4810,7 +5807,7 @@
               </a:rPr>
               <a:t>Figure 5 demonstrates the correlation between honey production and bee colony population for all states from 1998 to 2014. </a:t>
             </a:r>
-            <a:endParaRPr b="0" lang="en-US" sz="2800" spc="-1" strike="noStrike">
+            <a:endParaRPr lang="en-US" sz="2800" b="0" strike="noStrike" spc="-1">
               <a:latin typeface="Arial"/>
             </a:endParaRPr>
           </a:p>
@@ -4818,6 +5815,9 @@
       </p:sp>
     </p:spTree>
   </p:cSld>
+  <p:clrMapOvr>
+    <a:masterClrMapping/>
+  </p:clrMapOvr>
   <p:timing>
     <p:tnLst>
       <p:par>
@@ -4826,14 +5826,14 @@
             <p:seq>
               <p:cTn id="2" dur="indefinite" nodeType="mainSeq"/>
               <p:prevCondLst>
-                <p:cond delay="0" evt="onPrev">
+                <p:cond evt="onPrev" delay="0">
                   <p:tgtEl>
                     <p:sldTgt/>
                   </p:tgtEl>
                 </p:cond>
               </p:prevCondLst>
               <p:nextCondLst>
-                <p:cond delay="0" evt="onNext">
+                <p:cond evt="onNext" delay="0">
                   <p:tgtEl>
                     <p:sldTgt/>
                   </p:tgtEl>
@@ -4865,28 +5865,28 @@
         <a:srgbClr val="808080"/>
       </a:lt2>
       <a:accent1>
-        <a:srgbClr val="bbe0e3"/>
+        <a:srgbClr val="BBE0E3"/>
       </a:accent1>
       <a:accent2>
         <a:srgbClr val="333399"/>
       </a:accent2>
       <a:accent3>
-        <a:srgbClr val="ffffff"/>
+        <a:srgbClr val="FFFFFF"/>
       </a:accent3>
       <a:accent4>
         <a:srgbClr val="000000"/>
       </a:accent4>
       <a:accent5>
-        <a:srgbClr val="daedef"/>
+        <a:srgbClr val="DAEDEF"/>
       </a:accent5>
       <a:accent6>
-        <a:srgbClr val="2d2d8a"/>
+        <a:srgbClr val="2D2D8A"/>
       </a:accent6>
       <a:hlink>
         <a:srgbClr val="009999"/>
       </a:hlink>
       <a:folHlink>
-        <a:srgbClr val="99cc00"/>
+        <a:srgbClr val="99CC00"/>
       </a:folHlink>
     </a:clrScheme>
     <a:fontScheme name="Office">
@@ -5068,6 +6068,8 @@
       </a:bgFillStyleLst>
     </a:fmtScheme>
   </a:themeElements>
+  <a:objectDefaults/>
+  <a:extraClrSchemeLst/>
 </a:theme>
 </file>
 
@@ -5088,28 +6090,28 @@
         <a:srgbClr val="808080"/>
       </a:lt2>
       <a:accent1>
-        <a:srgbClr val="bbe0e3"/>
+        <a:srgbClr val="BBE0E3"/>
       </a:accent1>
       <a:accent2>
         <a:srgbClr val="333399"/>
       </a:accent2>
       <a:accent3>
-        <a:srgbClr val="ffffff"/>
+        <a:srgbClr val="FFFFFF"/>
       </a:accent3>
       <a:accent4>
         <a:srgbClr val="000000"/>
       </a:accent4>
       <a:accent5>
-        <a:srgbClr val="daedef"/>
+        <a:srgbClr val="DAEDEF"/>
       </a:accent5>
       <a:accent6>
-        <a:srgbClr val="2d2d8a"/>
+        <a:srgbClr val="2D2D8A"/>
       </a:accent6>
       <a:hlink>
         <a:srgbClr val="009999"/>
       </a:hlink>
       <a:folHlink>
-        <a:srgbClr val="99cc00"/>
+        <a:srgbClr val="99CC00"/>
       </a:folHlink>
     </a:clrScheme>
     <a:fontScheme name="Office">
@@ -5291,5 +6293,7 @@
       </a:bgFillStyleLst>
     </a:fmtScheme>
   </a:themeElements>
+  <a:objectDefaults/>
+  <a:extraClrSchemeLst/>
 </a:theme>
 </file>